--- a/slides/Lec-27.pptx
+++ b/slides/Lec-27.pptx
@@ -1,28 +1,28 @@
 
 <file path=ppt/presentation.xml><?xml version="1.0" encoding="utf-8"?>
-<p:presentation xmlns:a="http://schemas.openxmlformats.org/drawingml/2006/main" xmlns:r="http://schemas.openxmlformats.org/officeDocument/2006/relationships" xmlns:mc="http://schemas.openxmlformats.org/markup-compatibility/2006" xmlns:mv="urn:schemas-microsoft-com:mac:vml" xmlns:p="http://schemas.openxmlformats.org/presentationml/2006/main" xmlns:c="http://schemas.openxmlformats.org/drawingml/2006/chart" xmlns:dgm="http://schemas.openxmlformats.org/drawingml/2006/diagram" xmlns:o="urn:schemas-microsoft-com:office:office" xmlns:v="urn:schemas-microsoft-com:vml" xmlns:pvml="urn:schemas-microsoft-com:office:powerpoint" xmlns:com="http://schemas.openxmlformats.org/drawingml/2006/compatibility" xmlns:p14="http://schemas.microsoft.com/office/powerpoint/2010/main" xmlns:p15="http://schemas.microsoft.com/office/powerpoint/2012/main" xmlns:ahyp="http://schemas.microsoft.com/office/drawing/2018/hyperlinkcolor" autoCompressPictures="0" strictFirstAndLastChars="0" saveSubsetFonts="1">
+<p:presentation xmlns:a="http://schemas.openxmlformats.org/drawingml/2006/main" xmlns:r="http://schemas.openxmlformats.org/officeDocument/2006/relationships" xmlns:p="http://schemas.openxmlformats.org/presentationml/2006/main" strictFirstAndLastChars="0" saveSubsetFonts="1" autoCompressPictures="0">
   <p:sldMasterIdLst>
-    <p:sldMasterId id="2147483659" r:id="rId5"/>
+    <p:sldMasterId id="2147483659" r:id="rId1"/>
   </p:sldMasterIdLst>
   <p:notesMasterIdLst>
-    <p:notesMasterId r:id="rId6"/>
+    <p:notesMasterId r:id="rId12"/>
   </p:notesMasterIdLst>
   <p:sldIdLst>
-    <p:sldId id="256" r:id="rId7"/>
-    <p:sldId id="257" r:id="rId8"/>
-    <p:sldId id="258" r:id="rId9"/>
-    <p:sldId id="259" r:id="rId10"/>
-    <p:sldId id="260" r:id="rId11"/>
-    <p:sldId id="261" r:id="rId12"/>
-    <p:sldId id="262" r:id="rId13"/>
-    <p:sldId id="263" r:id="rId14"/>
-    <p:sldId id="264" r:id="rId15"/>
-    <p:sldId id="265" r:id="rId16"/>
+    <p:sldId id="256" r:id="rId2"/>
+    <p:sldId id="257" r:id="rId3"/>
+    <p:sldId id="258" r:id="rId4"/>
+    <p:sldId id="259" r:id="rId5"/>
+    <p:sldId id="260" r:id="rId6"/>
+    <p:sldId id="261" r:id="rId7"/>
+    <p:sldId id="262" r:id="rId8"/>
+    <p:sldId id="263" r:id="rId9"/>
+    <p:sldId id="264" r:id="rId10"/>
+    <p:sldId id="265" r:id="rId11"/>
   </p:sldIdLst>
-  <p:sldSz cy="5143500" cx="9144000"/>
+  <p:sldSz cx="9144000" cy="5143500" type="screen16x9"/>
   <p:notesSz cx="6858000" cy="9144000"/>
   <p:defaultTextStyle>
-    <a:defPPr lvl="0" marR="0" rtl="0" algn="l">
+    <a:defPPr marR="0" lvl="0" algn="l" rtl="0">
       <a:lnSpc>
         <a:spcPct val="100000"/>
       </a:lnSpc>
@@ -33,7 +33,7 @@
         <a:spcPts val="0"/>
       </a:spcAft>
     </a:defPPr>
-    <a:lvl1pPr lvl="0" marR="0" rtl="0" algn="l">
+    <a:lvl1pPr marR="0" lvl="0" algn="l" rtl="0">
       <a:lnSpc>
         <a:spcPct val="100000"/>
       </a:lnSpc>
@@ -47,7 +47,7 @@
         <a:srgbClr val="000000"/>
       </a:buClr>
       <a:buFont typeface="Arial"/>
-      <a:defRPr b="0" i="0" sz="1400" u="none" cap="none" strike="noStrike">
+      <a:defRPr sz="1400" b="0" i="0" u="none" strike="noStrike" cap="none">
         <a:solidFill>
           <a:srgbClr val="000000"/>
         </a:solidFill>
@@ -57,7 +57,7 @@
         <a:sym typeface="Arial"/>
       </a:defRPr>
     </a:lvl1pPr>
-    <a:lvl2pPr lvl="1" marR="0" rtl="0" algn="l">
+    <a:lvl2pPr marR="0" lvl="1" algn="l" rtl="0">
       <a:lnSpc>
         <a:spcPct val="100000"/>
       </a:lnSpc>
@@ -71,7 +71,7 @@
         <a:srgbClr val="000000"/>
       </a:buClr>
       <a:buFont typeface="Arial"/>
-      <a:defRPr b="0" i="0" sz="1400" u="none" cap="none" strike="noStrike">
+      <a:defRPr sz="1400" b="0" i="0" u="none" strike="noStrike" cap="none">
         <a:solidFill>
           <a:srgbClr val="000000"/>
         </a:solidFill>
@@ -81,7 +81,7 @@
         <a:sym typeface="Arial"/>
       </a:defRPr>
     </a:lvl2pPr>
-    <a:lvl3pPr lvl="2" marR="0" rtl="0" algn="l">
+    <a:lvl3pPr marR="0" lvl="2" algn="l" rtl="0">
       <a:lnSpc>
         <a:spcPct val="100000"/>
       </a:lnSpc>
@@ -95,7 +95,7 @@
         <a:srgbClr val="000000"/>
       </a:buClr>
       <a:buFont typeface="Arial"/>
-      <a:defRPr b="0" i="0" sz="1400" u="none" cap="none" strike="noStrike">
+      <a:defRPr sz="1400" b="0" i="0" u="none" strike="noStrike" cap="none">
         <a:solidFill>
           <a:srgbClr val="000000"/>
         </a:solidFill>
@@ -105,7 +105,7 @@
         <a:sym typeface="Arial"/>
       </a:defRPr>
     </a:lvl3pPr>
-    <a:lvl4pPr lvl="3" marR="0" rtl="0" algn="l">
+    <a:lvl4pPr marR="0" lvl="3" algn="l" rtl="0">
       <a:lnSpc>
         <a:spcPct val="100000"/>
       </a:lnSpc>
@@ -119,7 +119,7 @@
         <a:srgbClr val="000000"/>
       </a:buClr>
       <a:buFont typeface="Arial"/>
-      <a:defRPr b="0" i="0" sz="1400" u="none" cap="none" strike="noStrike">
+      <a:defRPr sz="1400" b="0" i="0" u="none" strike="noStrike" cap="none">
         <a:solidFill>
           <a:srgbClr val="000000"/>
         </a:solidFill>
@@ -129,7 +129,7 @@
         <a:sym typeface="Arial"/>
       </a:defRPr>
     </a:lvl4pPr>
-    <a:lvl5pPr lvl="4" marR="0" rtl="0" algn="l">
+    <a:lvl5pPr marR="0" lvl="4" algn="l" rtl="0">
       <a:lnSpc>
         <a:spcPct val="100000"/>
       </a:lnSpc>
@@ -143,7 +143,7 @@
         <a:srgbClr val="000000"/>
       </a:buClr>
       <a:buFont typeface="Arial"/>
-      <a:defRPr b="0" i="0" sz="1400" u="none" cap="none" strike="noStrike">
+      <a:defRPr sz="1400" b="0" i="0" u="none" strike="noStrike" cap="none">
         <a:solidFill>
           <a:srgbClr val="000000"/>
         </a:solidFill>
@@ -153,7 +153,7 @@
         <a:sym typeface="Arial"/>
       </a:defRPr>
     </a:lvl5pPr>
-    <a:lvl6pPr lvl="5" marR="0" rtl="0" algn="l">
+    <a:lvl6pPr marR="0" lvl="5" algn="l" rtl="0">
       <a:lnSpc>
         <a:spcPct val="100000"/>
       </a:lnSpc>
@@ -167,7 +167,7 @@
         <a:srgbClr val="000000"/>
       </a:buClr>
       <a:buFont typeface="Arial"/>
-      <a:defRPr b="0" i="0" sz="1400" u="none" cap="none" strike="noStrike">
+      <a:defRPr sz="1400" b="0" i="0" u="none" strike="noStrike" cap="none">
         <a:solidFill>
           <a:srgbClr val="000000"/>
         </a:solidFill>
@@ -177,7 +177,7 @@
         <a:sym typeface="Arial"/>
       </a:defRPr>
     </a:lvl6pPr>
-    <a:lvl7pPr lvl="6" marR="0" rtl="0" algn="l">
+    <a:lvl7pPr marR="0" lvl="6" algn="l" rtl="0">
       <a:lnSpc>
         <a:spcPct val="100000"/>
       </a:lnSpc>
@@ -191,7 +191,7 @@
         <a:srgbClr val="000000"/>
       </a:buClr>
       <a:buFont typeface="Arial"/>
-      <a:defRPr b="0" i="0" sz="1400" u="none" cap="none" strike="noStrike">
+      <a:defRPr sz="1400" b="0" i="0" u="none" strike="noStrike" cap="none">
         <a:solidFill>
           <a:srgbClr val="000000"/>
         </a:solidFill>
@@ -201,7 +201,7 @@
         <a:sym typeface="Arial"/>
       </a:defRPr>
     </a:lvl7pPr>
-    <a:lvl8pPr lvl="7" marR="0" rtl="0" algn="l">
+    <a:lvl8pPr marR="0" lvl="7" algn="l" rtl="0">
       <a:lnSpc>
         <a:spcPct val="100000"/>
       </a:lnSpc>
@@ -215,7 +215,7 @@
         <a:srgbClr val="000000"/>
       </a:buClr>
       <a:buFont typeface="Arial"/>
-      <a:defRPr b="0" i="0" sz="1400" u="none" cap="none" strike="noStrike">
+      <a:defRPr sz="1400" b="0" i="0" u="none" strike="noStrike" cap="none">
         <a:solidFill>
           <a:srgbClr val="000000"/>
         </a:solidFill>
@@ -225,7 +225,7 @@
         <a:sym typeface="Arial"/>
       </a:defRPr>
     </a:lvl8pPr>
-    <a:lvl9pPr lvl="8" marR="0" rtl="0" algn="l">
+    <a:lvl9pPr marR="0" lvl="8" algn="l" rtl="0">
       <a:lnSpc>
         <a:spcPct val="100000"/>
       </a:lnSpc>
@@ -239,7 +239,7 @@
         <a:srgbClr val="000000"/>
       </a:buClr>
       <a:buFont typeface="Arial"/>
-      <a:defRPr b="0" i="0" sz="1400" u="none" cap="none" strike="noStrike">
+      <a:defRPr sz="1400" b="0" i="0" u="none" strike="noStrike" cap="none">
         <a:solidFill>
           <a:srgbClr val="000000"/>
         </a:solidFill>
@@ -252,7 +252,7 @@
   </p:defaultTextStyle>
   <p:extLst>
     <p:ext uri="{EFAFB233-063F-42B5-8137-9DF3F51BA10A}">
-      <p15:sldGuideLst>
+      <p15:sldGuideLst xmlns:p15="http://schemas.microsoft.com/office/powerpoint/2012/main">
         <p15:guide id="1" orient="horz" pos="1620">
           <p15:clr>
             <a:srgbClr val="A4A3A4"/>
@@ -270,11 +270,16 @@
 </file>
 
 <file path=ppt/notesMasters/notesMaster1.xml><?xml version="1.0" encoding="utf-8"?>
-<p:notesMaster xmlns:a="http://schemas.openxmlformats.org/drawingml/2006/main" xmlns:r="http://schemas.openxmlformats.org/officeDocument/2006/relationships" xmlns:mc="http://schemas.openxmlformats.org/markup-compatibility/2006" xmlns:mv="urn:schemas-microsoft-com:mac:vml" xmlns:p="http://schemas.openxmlformats.org/presentationml/2006/main" xmlns:c="http://schemas.openxmlformats.org/drawingml/2006/chart" xmlns:dgm="http://schemas.openxmlformats.org/drawingml/2006/diagram" xmlns:o="urn:schemas-microsoft-com:office:office" xmlns:v="urn:schemas-microsoft-com:vml" xmlns:pvml="urn:schemas-microsoft-com:office:powerpoint" xmlns:com="http://schemas.openxmlformats.org/drawingml/2006/compatibility" xmlns:p14="http://schemas.microsoft.com/office/powerpoint/2010/main" xmlns:p15="http://schemas.microsoft.com/office/powerpoint/2012/main" xmlns:ahyp="http://schemas.microsoft.com/office/drawing/2018/hyperlinkcolor">
+<p:notesMaster xmlns:a="http://schemas.openxmlformats.org/drawingml/2006/main" xmlns:r="http://schemas.openxmlformats.org/officeDocument/2006/relationships" xmlns:p="http://schemas.openxmlformats.org/presentationml/2006/main">
   <p:cSld>
+    <p:bg>
+      <p:bgRef idx="1001">
+        <a:schemeClr val="bg1"/>
+      </p:bgRef>
+    </p:bg>
     <p:spTree>
       <p:nvGrpSpPr>
-        <p:cNvPr id="2" name="Shape 2"/>
+        <p:cNvPr id="1" name="Shape 2"/>
         <p:cNvGrpSpPr/>
         <p:nvPr/>
       </p:nvGrpSpPr>
@@ -289,9 +294,11 @@
       <p:sp>
         <p:nvSpPr>
           <p:cNvPr id="3" name="Google Shape;3;n"/>
-          <p:cNvSpPr/>
+          <p:cNvSpPr>
+            <a:spLocks noGrp="1" noRot="1" noChangeAspect="1"/>
+          </p:cNvSpPr>
           <p:nvPr>
-            <p:ph idx="2" type="sldImg"/>
+            <p:ph type="sldImg" idx="2"/>
           </p:nvPr>
         </p:nvSpPr>
         <p:spPr>
@@ -300,9 +307,13 @@
             <a:ext cx="6096075" cy="3429000"/>
           </a:xfrm>
           <a:custGeom>
-            <a:rect b="b" l="l" r="r" t="t"/>
+            <a:avLst/>
+            <a:gdLst/>
+            <a:ahLst/>
+            <a:cxnLst/>
+            <a:rect l="l" t="t" r="r" b="b"/>
             <a:pathLst>
-              <a:path extrusionOk="0" h="120000" w="120000">
+              <a:path w="120000" h="120000" extrusionOk="0">
                 <a:moveTo>
                   <a:pt x="0" y="0"/>
                 </a:moveTo>
@@ -320,23 +331,25 @@
             </a:pathLst>
           </a:custGeom>
           <a:noFill/>
-          <a:ln cap="flat" cmpd="sng" w="9525">
+          <a:ln w="9525" cap="flat" cmpd="sng">
             <a:solidFill>
               <a:srgbClr val="000000"/>
             </a:solidFill>
             <a:prstDash val="solid"/>
             <a:round/>
-            <a:headEnd len="sm" w="sm" type="none"/>
-            <a:tailEnd len="sm" w="sm" type="none"/>
+            <a:headEnd type="none" w="sm" len="sm"/>
+            <a:tailEnd type="none" w="sm" len="sm"/>
           </a:ln>
         </p:spPr>
       </p:sp>
       <p:sp>
         <p:nvSpPr>
           <p:cNvPr id="4" name="Google Shape;4;n"/>
-          <p:cNvSpPr txBox="1"/>
+          <p:cNvSpPr txBox="1">
+            <a:spLocks noGrp="1"/>
+          </p:cNvSpPr>
           <p:nvPr>
-            <p:ph idx="1" type="body"/>
+            <p:ph type="body" idx="1"/>
           </p:nvPr>
         </p:nvSpPr>
         <p:spPr>
@@ -353,11 +366,11 @@
           </a:ln>
         </p:spPr>
         <p:txBody>
-          <a:bodyPr anchorCtr="0" anchor="t" bIns="91425" lIns="91425" spcFirstLastPara="1" rIns="91425" wrap="square" tIns="91425">
+          <a:bodyPr spcFirstLastPara="1" wrap="square" lIns="91425" tIns="91425" rIns="91425" bIns="91425" anchor="t" anchorCtr="0">
             <a:noAutofit/>
           </a:bodyPr>
           <a:lstStyle>
-            <a:lvl1pPr indent="-298450" lvl="0" marL="457200">
+            <a:lvl1pPr marL="457200" lvl="0" indent="-298450">
               <a:spcBef>
                 <a:spcPts val="0"/>
               </a:spcBef>
@@ -368,7 +381,7 @@
               <a:buChar char="●"/>
               <a:defRPr sz="1100"/>
             </a:lvl1pPr>
-            <a:lvl2pPr indent="-298450" lvl="1" marL="914400">
+            <a:lvl2pPr marL="914400" lvl="1" indent="-298450">
               <a:spcBef>
                 <a:spcPts val="0"/>
               </a:spcBef>
@@ -379,7 +392,7 @@
               <a:buChar char="○"/>
               <a:defRPr sz="1100"/>
             </a:lvl2pPr>
-            <a:lvl3pPr indent="-298450" lvl="2" marL="1371600">
+            <a:lvl3pPr marL="1371600" lvl="2" indent="-298450">
               <a:spcBef>
                 <a:spcPts val="0"/>
               </a:spcBef>
@@ -390,7 +403,7 @@
               <a:buChar char="■"/>
               <a:defRPr sz="1100"/>
             </a:lvl3pPr>
-            <a:lvl4pPr indent="-298450" lvl="3" marL="1828800">
+            <a:lvl4pPr marL="1828800" lvl="3" indent="-298450">
               <a:spcBef>
                 <a:spcPts val="0"/>
               </a:spcBef>
@@ -401,7 +414,7 @@
               <a:buChar char="●"/>
               <a:defRPr sz="1100"/>
             </a:lvl4pPr>
-            <a:lvl5pPr indent="-298450" lvl="4" marL="2286000">
+            <a:lvl5pPr marL="2286000" lvl="4" indent="-298450">
               <a:spcBef>
                 <a:spcPts val="0"/>
               </a:spcBef>
@@ -412,7 +425,7 @@
               <a:buChar char="○"/>
               <a:defRPr sz="1100"/>
             </a:lvl5pPr>
-            <a:lvl6pPr indent="-298450" lvl="5" marL="2743200">
+            <a:lvl6pPr marL="2743200" lvl="5" indent="-298450">
               <a:spcBef>
                 <a:spcPts val="0"/>
               </a:spcBef>
@@ -423,7 +436,7 @@
               <a:buChar char="■"/>
               <a:defRPr sz="1100"/>
             </a:lvl6pPr>
-            <a:lvl7pPr indent="-298450" lvl="6" marL="3200400">
+            <a:lvl7pPr marL="3200400" lvl="6" indent="-298450">
               <a:spcBef>
                 <a:spcPts val="0"/>
               </a:spcBef>
@@ -434,7 +447,7 @@
               <a:buChar char="●"/>
               <a:defRPr sz="1100"/>
             </a:lvl7pPr>
-            <a:lvl8pPr indent="-298450" lvl="7" marL="3657600">
+            <a:lvl8pPr marL="3657600" lvl="7" indent="-298450">
               <a:spcBef>
                 <a:spcPts val="0"/>
               </a:spcBef>
@@ -445,7 +458,7 @@
               <a:buChar char="○"/>
               <a:defRPr sz="1100"/>
             </a:lvl8pPr>
-            <a:lvl9pPr indent="-298450" lvl="8" marL="4114800">
+            <a:lvl9pPr marL="4114800" lvl="8" indent="-298450">
               <a:spcBef>
                 <a:spcPts val="0"/>
               </a:spcBef>
@@ -457,14 +470,16 @@
               <a:defRPr sz="1100"/>
             </a:lvl9pPr>
           </a:lstStyle>
-          <a:p/>
+          <a:p>
+            <a:endParaRPr/>
+          </a:p>
         </p:txBody>
       </p:sp>
     </p:spTree>
   </p:cSld>
-  <p:clrMap accent1="accent1" accent2="accent2" accent3="accent3" accent4="accent4" accent5="accent5" accent6="accent6" bg1="lt1" bg2="dk2" tx1="dk1" tx2="lt2" folHlink="folHlink" hlink="hlink"/>
+  <p:clrMap bg1="lt1" tx1="dk1" bg2="dk2" tx2="lt2" accent1="accent1" accent2="accent2" accent3="accent3" accent4="accent4" accent5="accent5" accent6="accent6" hlink="hlink" folHlink="folHlink"/>
   <p:notesStyle>
-    <a:defPPr lvl="0" marR="0" rtl="0" algn="l">
+    <a:defPPr marR="0" lvl="0" algn="l" rtl="0">
       <a:lnSpc>
         <a:spcPct val="100000"/>
       </a:lnSpc>
@@ -475,7 +490,7 @@
         <a:spcPts val="0"/>
       </a:spcAft>
     </a:defPPr>
-    <a:lvl1pPr lvl="0" marR="0" rtl="0" algn="l">
+    <a:lvl1pPr marR="0" lvl="0" algn="l" rtl="0">
       <a:lnSpc>
         <a:spcPct val="100000"/>
       </a:lnSpc>
@@ -489,7 +504,7 @@
         <a:srgbClr val="000000"/>
       </a:buClr>
       <a:buFont typeface="Arial"/>
-      <a:defRPr b="0" i="0" sz="1400" u="none" cap="none" strike="noStrike">
+      <a:defRPr sz="1400" b="0" i="0" u="none" strike="noStrike" cap="none">
         <a:solidFill>
           <a:srgbClr val="000000"/>
         </a:solidFill>
@@ -499,7 +514,7 @@
         <a:sym typeface="Arial"/>
       </a:defRPr>
     </a:lvl1pPr>
-    <a:lvl2pPr lvl="1" marR="0" rtl="0" algn="l">
+    <a:lvl2pPr marR="0" lvl="1" algn="l" rtl="0">
       <a:lnSpc>
         <a:spcPct val="100000"/>
       </a:lnSpc>
@@ -513,7 +528,7 @@
         <a:srgbClr val="000000"/>
       </a:buClr>
       <a:buFont typeface="Arial"/>
-      <a:defRPr b="0" i="0" sz="1400" u="none" cap="none" strike="noStrike">
+      <a:defRPr sz="1400" b="0" i="0" u="none" strike="noStrike" cap="none">
         <a:solidFill>
           <a:srgbClr val="000000"/>
         </a:solidFill>
@@ -523,7 +538,7 @@
         <a:sym typeface="Arial"/>
       </a:defRPr>
     </a:lvl2pPr>
-    <a:lvl3pPr lvl="2" marR="0" rtl="0" algn="l">
+    <a:lvl3pPr marR="0" lvl="2" algn="l" rtl="0">
       <a:lnSpc>
         <a:spcPct val="100000"/>
       </a:lnSpc>
@@ -537,7 +552,7 @@
         <a:srgbClr val="000000"/>
       </a:buClr>
       <a:buFont typeface="Arial"/>
-      <a:defRPr b="0" i="0" sz="1400" u="none" cap="none" strike="noStrike">
+      <a:defRPr sz="1400" b="0" i="0" u="none" strike="noStrike" cap="none">
         <a:solidFill>
           <a:srgbClr val="000000"/>
         </a:solidFill>
@@ -547,7 +562,7 @@
         <a:sym typeface="Arial"/>
       </a:defRPr>
     </a:lvl3pPr>
-    <a:lvl4pPr lvl="3" marR="0" rtl="0" algn="l">
+    <a:lvl4pPr marR="0" lvl="3" algn="l" rtl="0">
       <a:lnSpc>
         <a:spcPct val="100000"/>
       </a:lnSpc>
@@ -561,7 +576,7 @@
         <a:srgbClr val="000000"/>
       </a:buClr>
       <a:buFont typeface="Arial"/>
-      <a:defRPr b="0" i="0" sz="1400" u="none" cap="none" strike="noStrike">
+      <a:defRPr sz="1400" b="0" i="0" u="none" strike="noStrike" cap="none">
         <a:solidFill>
           <a:srgbClr val="000000"/>
         </a:solidFill>
@@ -571,7 +586,7 @@
         <a:sym typeface="Arial"/>
       </a:defRPr>
     </a:lvl4pPr>
-    <a:lvl5pPr lvl="4" marR="0" rtl="0" algn="l">
+    <a:lvl5pPr marR="0" lvl="4" algn="l" rtl="0">
       <a:lnSpc>
         <a:spcPct val="100000"/>
       </a:lnSpc>
@@ -585,7 +600,7 @@
         <a:srgbClr val="000000"/>
       </a:buClr>
       <a:buFont typeface="Arial"/>
-      <a:defRPr b="0" i="0" sz="1400" u="none" cap="none" strike="noStrike">
+      <a:defRPr sz="1400" b="0" i="0" u="none" strike="noStrike" cap="none">
         <a:solidFill>
           <a:srgbClr val="000000"/>
         </a:solidFill>
@@ -595,7 +610,7 @@
         <a:sym typeface="Arial"/>
       </a:defRPr>
     </a:lvl5pPr>
-    <a:lvl6pPr lvl="5" marR="0" rtl="0" algn="l">
+    <a:lvl6pPr marR="0" lvl="5" algn="l" rtl="0">
       <a:lnSpc>
         <a:spcPct val="100000"/>
       </a:lnSpc>
@@ -609,7 +624,7 @@
         <a:srgbClr val="000000"/>
       </a:buClr>
       <a:buFont typeface="Arial"/>
-      <a:defRPr b="0" i="0" sz="1400" u="none" cap="none" strike="noStrike">
+      <a:defRPr sz="1400" b="0" i="0" u="none" strike="noStrike" cap="none">
         <a:solidFill>
           <a:srgbClr val="000000"/>
         </a:solidFill>
@@ -619,7 +634,7 @@
         <a:sym typeface="Arial"/>
       </a:defRPr>
     </a:lvl6pPr>
-    <a:lvl7pPr lvl="6" marR="0" rtl="0" algn="l">
+    <a:lvl7pPr marR="0" lvl="6" algn="l" rtl="0">
       <a:lnSpc>
         <a:spcPct val="100000"/>
       </a:lnSpc>
@@ -633,7 +648,7 @@
         <a:srgbClr val="000000"/>
       </a:buClr>
       <a:buFont typeface="Arial"/>
-      <a:defRPr b="0" i="0" sz="1400" u="none" cap="none" strike="noStrike">
+      <a:defRPr sz="1400" b="0" i="0" u="none" strike="noStrike" cap="none">
         <a:solidFill>
           <a:srgbClr val="000000"/>
         </a:solidFill>
@@ -643,7 +658,7 @@
         <a:sym typeface="Arial"/>
       </a:defRPr>
     </a:lvl7pPr>
-    <a:lvl8pPr lvl="7" marR="0" rtl="0" algn="l">
+    <a:lvl8pPr marR="0" lvl="7" algn="l" rtl="0">
       <a:lnSpc>
         <a:spcPct val="100000"/>
       </a:lnSpc>
@@ -657,7 +672,7 @@
         <a:srgbClr val="000000"/>
       </a:buClr>
       <a:buFont typeface="Arial"/>
-      <a:defRPr b="0" i="0" sz="1400" u="none" cap="none" strike="noStrike">
+      <a:defRPr sz="1400" b="0" i="0" u="none" strike="noStrike" cap="none">
         <a:solidFill>
           <a:srgbClr val="000000"/>
         </a:solidFill>
@@ -667,7 +682,7 @@
         <a:sym typeface="Arial"/>
       </a:defRPr>
     </a:lvl8pPr>
-    <a:lvl9pPr lvl="8" marR="0" rtl="0" algn="l">
+    <a:lvl9pPr marR="0" lvl="8" algn="l" rtl="0">
       <a:lnSpc>
         <a:spcPct val="100000"/>
       </a:lnSpc>
@@ -681,7 +696,7 @@
         <a:srgbClr val="000000"/>
       </a:buClr>
       <a:buFont typeface="Arial"/>
-      <a:defRPr b="0" i="0" sz="1400" u="none" cap="none" strike="noStrike">
+      <a:defRPr sz="1400" b="0" i="0" u="none" strike="noStrike" cap="none">
         <a:solidFill>
           <a:srgbClr val="000000"/>
         </a:solidFill>
@@ -696,11 +711,11 @@
 </file>
 
 <file path=ppt/notesSlides/notesSlide1.xml><?xml version="1.0" encoding="utf-8"?>
-<p:notes xmlns:a="http://schemas.openxmlformats.org/drawingml/2006/main" xmlns:r="http://schemas.openxmlformats.org/officeDocument/2006/relationships" xmlns:mc="http://schemas.openxmlformats.org/markup-compatibility/2006" xmlns:mv="urn:schemas-microsoft-com:mac:vml" xmlns:p="http://schemas.openxmlformats.org/presentationml/2006/main" xmlns:c="http://schemas.openxmlformats.org/drawingml/2006/chart" xmlns:dgm="http://schemas.openxmlformats.org/drawingml/2006/diagram" xmlns:o="urn:schemas-microsoft-com:office:office" xmlns:v="urn:schemas-microsoft-com:vml" xmlns:pvml="urn:schemas-microsoft-com:office:powerpoint" xmlns:com="http://schemas.openxmlformats.org/drawingml/2006/compatibility" xmlns:p14="http://schemas.microsoft.com/office/powerpoint/2010/main" xmlns:p15="http://schemas.microsoft.com/office/powerpoint/2012/main" xmlns:ahyp="http://schemas.microsoft.com/office/drawing/2018/hyperlinkcolor" showMasterPhAnim="0" showMasterSp="0">
+<p:notes xmlns:a="http://schemas.openxmlformats.org/drawingml/2006/main" xmlns:r="http://schemas.openxmlformats.org/officeDocument/2006/relationships" xmlns:p="http://schemas.openxmlformats.org/presentationml/2006/main" showMasterSp="0" showMasterPhAnim="0">
   <p:cSld>
     <p:spTree>
       <p:nvGrpSpPr>
-        <p:cNvPr id="50" name="Shape 50"/>
+        <p:cNvPr id="1" name="Shape 50"/>
         <p:cNvGrpSpPr/>
         <p:nvPr/>
       </p:nvGrpSpPr>
@@ -715,9 +730,11 @@
       <p:sp>
         <p:nvSpPr>
           <p:cNvPr id="51" name="Google Shape;51;g9aa832aee5_0_0:notes"/>
-          <p:cNvSpPr/>
+          <p:cNvSpPr>
+            <a:spLocks noGrp="1" noRot="1" noChangeAspect="1"/>
+          </p:cNvSpPr>
           <p:nvPr>
-            <p:ph idx="2" type="sldImg"/>
+            <p:ph type="sldImg" idx="2"/>
           </p:nvPr>
         </p:nvSpPr>
         <p:spPr>
@@ -726,9 +743,13 @@
             <a:ext cx="6096000" cy="3429000"/>
           </a:xfrm>
           <a:custGeom>
-            <a:rect b="b" l="l" r="r" t="t"/>
+            <a:avLst/>
+            <a:gdLst/>
+            <a:ahLst/>
+            <a:cxnLst/>
+            <a:rect l="l" t="t" r="r" b="b"/>
             <a:pathLst>
-              <a:path extrusionOk="0" h="120000" w="120000">
+              <a:path w="120000" h="120000" extrusionOk="0">
                 <a:moveTo>
                   <a:pt x="0" y="0"/>
                 </a:moveTo>
@@ -750,9 +771,11 @@
       <p:sp>
         <p:nvSpPr>
           <p:cNvPr id="52" name="Google Shape;52;g9aa832aee5_0_0:notes"/>
-          <p:cNvSpPr txBox="1"/>
+          <p:cNvSpPr txBox="1">
+            <a:spLocks noGrp="1"/>
+          </p:cNvSpPr>
           <p:nvPr>
-            <p:ph idx="1" type="body"/>
+            <p:ph type="body" idx="1"/>
           </p:nvPr>
         </p:nvSpPr>
         <p:spPr>
@@ -765,12 +788,12 @@
           </a:prstGeom>
         </p:spPr>
         <p:txBody>
-          <a:bodyPr anchorCtr="0" anchor="t" bIns="91425" lIns="91425" spcFirstLastPara="1" rIns="91425" wrap="square" tIns="91425">
+          <a:bodyPr spcFirstLastPara="1" wrap="square" lIns="91425" tIns="91425" rIns="91425" bIns="91425" anchor="t" anchorCtr="0">
             <a:noAutofit/>
           </a:bodyPr>
           <a:lstStyle/>
           <a:p>
-            <a:pPr indent="0" lvl="0" marL="0" rtl="0" algn="l">
+            <a:pPr marL="0" lvl="0" indent="0" algn="l" rtl="0">
               <a:spcBef>
                 <a:spcPts val="0"/>
               </a:spcBef>
@@ -779,9 +802,6 @@
               </a:spcAft>
               <a:buNone/>
             </a:pPr>
-            <a:r>
-              <a:t/>
-            </a:r>
             <a:endParaRPr/>
           </a:p>
         </p:txBody>
@@ -795,11 +815,11 @@
 </file>
 
 <file path=ppt/notesSlides/notesSlide10.xml><?xml version="1.0" encoding="utf-8"?>
-<p:notes xmlns:a="http://schemas.openxmlformats.org/drawingml/2006/main" xmlns:r="http://schemas.openxmlformats.org/officeDocument/2006/relationships" xmlns:mc="http://schemas.openxmlformats.org/markup-compatibility/2006" xmlns:mv="urn:schemas-microsoft-com:mac:vml" xmlns:p="http://schemas.openxmlformats.org/presentationml/2006/main" xmlns:c="http://schemas.openxmlformats.org/drawingml/2006/chart" xmlns:dgm="http://schemas.openxmlformats.org/drawingml/2006/diagram" xmlns:o="urn:schemas-microsoft-com:office:office" xmlns:v="urn:schemas-microsoft-com:vml" xmlns:pvml="urn:schemas-microsoft-com:office:powerpoint" xmlns:com="http://schemas.openxmlformats.org/drawingml/2006/compatibility" xmlns:p14="http://schemas.microsoft.com/office/powerpoint/2010/main" xmlns:p15="http://schemas.microsoft.com/office/powerpoint/2012/main" xmlns:ahyp="http://schemas.microsoft.com/office/drawing/2018/hyperlinkcolor" showMasterPhAnim="0" showMasterSp="0">
+<p:notes xmlns:a="http://schemas.openxmlformats.org/drawingml/2006/main" xmlns:r="http://schemas.openxmlformats.org/officeDocument/2006/relationships" xmlns:p="http://schemas.openxmlformats.org/presentationml/2006/main" showMasterSp="0" showMasterPhAnim="0">
   <p:cSld>
     <p:spTree>
       <p:nvGrpSpPr>
-        <p:cNvPr id="122" name="Shape 122"/>
+        <p:cNvPr id="1" name="Shape 122"/>
         <p:cNvGrpSpPr/>
         <p:nvPr/>
       </p:nvGrpSpPr>
@@ -814,9 +834,11 @@
       <p:sp>
         <p:nvSpPr>
           <p:cNvPr id="123" name="Google Shape;123;g9aa832aee5_0_12:notes"/>
-          <p:cNvSpPr/>
+          <p:cNvSpPr>
+            <a:spLocks noGrp="1" noRot="1" noChangeAspect="1"/>
+          </p:cNvSpPr>
           <p:nvPr>
-            <p:ph idx="2" type="sldImg"/>
+            <p:ph type="sldImg" idx="2"/>
           </p:nvPr>
         </p:nvSpPr>
         <p:spPr>
@@ -825,9 +847,13 @@
             <a:ext cx="6096000" cy="3429000"/>
           </a:xfrm>
           <a:custGeom>
-            <a:rect b="b" l="l" r="r" t="t"/>
+            <a:avLst/>
+            <a:gdLst/>
+            <a:ahLst/>
+            <a:cxnLst/>
+            <a:rect l="l" t="t" r="r" b="b"/>
             <a:pathLst>
-              <a:path extrusionOk="0" h="120000" w="120000">
+              <a:path w="120000" h="120000" extrusionOk="0">
                 <a:moveTo>
                   <a:pt x="0" y="0"/>
                 </a:moveTo>
@@ -849,9 +875,11 @@
       <p:sp>
         <p:nvSpPr>
           <p:cNvPr id="124" name="Google Shape;124;g9aa832aee5_0_12:notes"/>
-          <p:cNvSpPr txBox="1"/>
+          <p:cNvSpPr txBox="1">
+            <a:spLocks noGrp="1"/>
+          </p:cNvSpPr>
           <p:nvPr>
-            <p:ph idx="1" type="body"/>
+            <p:ph type="body" idx="1"/>
           </p:nvPr>
         </p:nvSpPr>
         <p:spPr>
@@ -864,12 +892,12 @@
           </a:prstGeom>
         </p:spPr>
         <p:txBody>
-          <a:bodyPr anchorCtr="0" anchor="t" bIns="91425" lIns="91425" spcFirstLastPara="1" rIns="91425" wrap="square" tIns="91425">
+          <a:bodyPr spcFirstLastPara="1" wrap="square" lIns="91425" tIns="91425" rIns="91425" bIns="91425" anchor="t" anchorCtr="0">
             <a:noAutofit/>
           </a:bodyPr>
           <a:lstStyle/>
           <a:p>
-            <a:pPr indent="0" lvl="0" marL="0" rtl="0" algn="l">
+            <a:pPr marL="0" lvl="0" indent="0" algn="l" rtl="0">
               <a:spcBef>
                 <a:spcPts val="0"/>
               </a:spcBef>
@@ -878,9 +906,6 @@
               </a:spcAft>
               <a:buNone/>
             </a:pPr>
-            <a:r>
-              <a:t/>
-            </a:r>
             <a:endParaRPr/>
           </a:p>
         </p:txBody>
@@ -894,11 +919,11 @@
 </file>
 
 <file path=ppt/notesSlides/notesSlide2.xml><?xml version="1.0" encoding="utf-8"?>
-<p:notes xmlns:a="http://schemas.openxmlformats.org/drawingml/2006/main" xmlns:r="http://schemas.openxmlformats.org/officeDocument/2006/relationships" xmlns:mc="http://schemas.openxmlformats.org/markup-compatibility/2006" xmlns:mv="urn:schemas-microsoft-com:mac:vml" xmlns:p="http://schemas.openxmlformats.org/presentationml/2006/main" xmlns:c="http://schemas.openxmlformats.org/drawingml/2006/chart" xmlns:dgm="http://schemas.openxmlformats.org/drawingml/2006/diagram" xmlns:o="urn:schemas-microsoft-com:office:office" xmlns:v="urn:schemas-microsoft-com:vml" xmlns:pvml="urn:schemas-microsoft-com:office:powerpoint" xmlns:com="http://schemas.openxmlformats.org/drawingml/2006/compatibility" xmlns:p14="http://schemas.microsoft.com/office/powerpoint/2010/main" xmlns:p15="http://schemas.microsoft.com/office/powerpoint/2012/main" xmlns:ahyp="http://schemas.microsoft.com/office/drawing/2018/hyperlinkcolor" showMasterPhAnim="0" showMasterSp="0">
+<p:notes xmlns:a="http://schemas.openxmlformats.org/drawingml/2006/main" xmlns:r="http://schemas.openxmlformats.org/officeDocument/2006/relationships" xmlns:p="http://schemas.openxmlformats.org/presentationml/2006/main" showMasterSp="0" showMasterPhAnim="0">
   <p:cSld>
     <p:spTree>
       <p:nvGrpSpPr>
-        <p:cNvPr id="57" name="Shape 57"/>
+        <p:cNvPr id="1" name="Shape 57"/>
         <p:cNvGrpSpPr/>
         <p:nvPr/>
       </p:nvGrpSpPr>
@@ -913,9 +938,11 @@
       <p:sp>
         <p:nvSpPr>
           <p:cNvPr id="58" name="Google Shape;58;g9aa832aee5_0_6:notes"/>
-          <p:cNvSpPr/>
+          <p:cNvSpPr>
+            <a:spLocks noGrp="1" noRot="1" noChangeAspect="1"/>
+          </p:cNvSpPr>
           <p:nvPr>
-            <p:ph idx="2" type="sldImg"/>
+            <p:ph type="sldImg" idx="2"/>
           </p:nvPr>
         </p:nvSpPr>
         <p:spPr>
@@ -924,9 +951,13 @@
             <a:ext cx="6096000" cy="3429000"/>
           </a:xfrm>
           <a:custGeom>
-            <a:rect b="b" l="l" r="r" t="t"/>
+            <a:avLst/>
+            <a:gdLst/>
+            <a:ahLst/>
+            <a:cxnLst/>
+            <a:rect l="l" t="t" r="r" b="b"/>
             <a:pathLst>
-              <a:path extrusionOk="0" h="120000" w="120000">
+              <a:path w="120000" h="120000" extrusionOk="0">
                 <a:moveTo>
                   <a:pt x="0" y="0"/>
                 </a:moveTo>
@@ -948,9 +979,11 @@
       <p:sp>
         <p:nvSpPr>
           <p:cNvPr id="59" name="Google Shape;59;g9aa832aee5_0_6:notes"/>
-          <p:cNvSpPr txBox="1"/>
+          <p:cNvSpPr txBox="1">
+            <a:spLocks noGrp="1"/>
+          </p:cNvSpPr>
           <p:nvPr>
-            <p:ph idx="1" type="body"/>
+            <p:ph type="body" idx="1"/>
           </p:nvPr>
         </p:nvSpPr>
         <p:spPr>
@@ -963,12 +996,12 @@
           </a:prstGeom>
         </p:spPr>
         <p:txBody>
-          <a:bodyPr anchorCtr="0" anchor="t" bIns="91425" lIns="91425" spcFirstLastPara="1" rIns="91425" wrap="square" tIns="91425">
+          <a:bodyPr spcFirstLastPara="1" wrap="square" lIns="91425" tIns="91425" rIns="91425" bIns="91425" anchor="t" anchorCtr="0">
             <a:noAutofit/>
           </a:bodyPr>
           <a:lstStyle/>
           <a:p>
-            <a:pPr indent="0" lvl="0" marL="0" rtl="0" algn="l">
+            <a:pPr marL="0" lvl="0" indent="0" algn="l" rtl="0">
               <a:spcBef>
                 <a:spcPts val="0"/>
               </a:spcBef>
@@ -977,9 +1010,6 @@
               </a:spcAft>
               <a:buNone/>
             </a:pPr>
-            <a:r>
-              <a:t/>
-            </a:r>
             <a:endParaRPr/>
           </a:p>
         </p:txBody>
@@ -993,11 +1023,11 @@
 </file>
 
 <file path=ppt/notesSlides/notesSlide3.xml><?xml version="1.0" encoding="utf-8"?>
-<p:notes xmlns:a="http://schemas.openxmlformats.org/drawingml/2006/main" xmlns:r="http://schemas.openxmlformats.org/officeDocument/2006/relationships" xmlns:mc="http://schemas.openxmlformats.org/markup-compatibility/2006" xmlns:mv="urn:schemas-microsoft-com:mac:vml" xmlns:p="http://schemas.openxmlformats.org/presentationml/2006/main" xmlns:c="http://schemas.openxmlformats.org/drawingml/2006/chart" xmlns:dgm="http://schemas.openxmlformats.org/drawingml/2006/diagram" xmlns:o="urn:schemas-microsoft-com:office:office" xmlns:v="urn:schemas-microsoft-com:vml" xmlns:pvml="urn:schemas-microsoft-com:office:powerpoint" xmlns:com="http://schemas.openxmlformats.org/drawingml/2006/compatibility" xmlns:p14="http://schemas.microsoft.com/office/powerpoint/2010/main" xmlns:p15="http://schemas.microsoft.com/office/powerpoint/2012/main" xmlns:ahyp="http://schemas.microsoft.com/office/drawing/2018/hyperlinkcolor" showMasterPhAnim="0" showMasterSp="0">
+<p:notes xmlns:a="http://schemas.openxmlformats.org/drawingml/2006/main" xmlns:r="http://schemas.openxmlformats.org/officeDocument/2006/relationships" xmlns:p="http://schemas.openxmlformats.org/presentationml/2006/main" showMasterSp="0" showMasterPhAnim="0">
   <p:cSld>
     <p:spTree>
       <p:nvGrpSpPr>
-        <p:cNvPr id="64" name="Shape 64"/>
+        <p:cNvPr id="1" name="Shape 64"/>
         <p:cNvGrpSpPr/>
         <p:nvPr/>
       </p:nvGrpSpPr>
@@ -1012,9 +1042,11 @@
       <p:sp>
         <p:nvSpPr>
           <p:cNvPr id="65" name="Google Shape;65;ga3b87679f7_0_0:notes"/>
-          <p:cNvSpPr/>
+          <p:cNvSpPr>
+            <a:spLocks noGrp="1" noRot="1" noChangeAspect="1"/>
+          </p:cNvSpPr>
           <p:nvPr>
-            <p:ph idx="2" type="sldImg"/>
+            <p:ph type="sldImg" idx="2"/>
           </p:nvPr>
         </p:nvSpPr>
         <p:spPr>
@@ -1023,9 +1055,13 @@
             <a:ext cx="6096000" cy="3429000"/>
           </a:xfrm>
           <a:custGeom>
-            <a:rect b="b" l="l" r="r" t="t"/>
+            <a:avLst/>
+            <a:gdLst/>
+            <a:ahLst/>
+            <a:cxnLst/>
+            <a:rect l="l" t="t" r="r" b="b"/>
             <a:pathLst>
-              <a:path extrusionOk="0" h="120000" w="120000">
+              <a:path w="120000" h="120000" extrusionOk="0">
                 <a:moveTo>
                   <a:pt x="0" y="0"/>
                 </a:moveTo>
@@ -1047,9 +1083,11 @@
       <p:sp>
         <p:nvSpPr>
           <p:cNvPr id="66" name="Google Shape;66;ga3b87679f7_0_0:notes"/>
-          <p:cNvSpPr txBox="1"/>
+          <p:cNvSpPr txBox="1">
+            <a:spLocks noGrp="1"/>
+          </p:cNvSpPr>
           <p:nvPr>
-            <p:ph idx="1" type="body"/>
+            <p:ph type="body" idx="1"/>
           </p:nvPr>
         </p:nvSpPr>
         <p:spPr>
@@ -1062,12 +1100,12 @@
           </a:prstGeom>
         </p:spPr>
         <p:txBody>
-          <a:bodyPr anchorCtr="0" anchor="t" bIns="91425" lIns="91425" spcFirstLastPara="1" rIns="91425" wrap="square" tIns="91425">
+          <a:bodyPr spcFirstLastPara="1" wrap="square" lIns="91425" tIns="91425" rIns="91425" bIns="91425" anchor="t" anchorCtr="0">
             <a:noAutofit/>
           </a:bodyPr>
           <a:lstStyle/>
           <a:p>
-            <a:pPr indent="0" lvl="0" marL="0" rtl="0" algn="l">
+            <a:pPr marL="0" lvl="0" indent="0" algn="l" rtl="0">
               <a:spcBef>
                 <a:spcPts val="0"/>
               </a:spcBef>
@@ -1076,9 +1114,6 @@
               </a:spcAft>
               <a:buNone/>
             </a:pPr>
-            <a:r>
-              <a:t/>
-            </a:r>
             <a:endParaRPr/>
           </a:p>
         </p:txBody>
@@ -1092,11 +1127,11 @@
 </file>
 
 <file path=ppt/notesSlides/notesSlide4.xml><?xml version="1.0" encoding="utf-8"?>
-<p:notes xmlns:a="http://schemas.openxmlformats.org/drawingml/2006/main" xmlns:r="http://schemas.openxmlformats.org/officeDocument/2006/relationships" xmlns:mc="http://schemas.openxmlformats.org/markup-compatibility/2006" xmlns:mv="urn:schemas-microsoft-com:mac:vml" xmlns:p="http://schemas.openxmlformats.org/presentationml/2006/main" xmlns:c="http://schemas.openxmlformats.org/drawingml/2006/chart" xmlns:dgm="http://schemas.openxmlformats.org/drawingml/2006/diagram" xmlns:o="urn:schemas-microsoft-com:office:office" xmlns:v="urn:schemas-microsoft-com:vml" xmlns:pvml="urn:schemas-microsoft-com:office:powerpoint" xmlns:com="http://schemas.openxmlformats.org/drawingml/2006/compatibility" xmlns:p14="http://schemas.microsoft.com/office/powerpoint/2010/main" xmlns:p15="http://schemas.microsoft.com/office/powerpoint/2012/main" xmlns:ahyp="http://schemas.microsoft.com/office/drawing/2018/hyperlinkcolor" showMasterPhAnim="0" showMasterSp="0">
+<p:notes xmlns:a="http://schemas.openxmlformats.org/drawingml/2006/main" xmlns:r="http://schemas.openxmlformats.org/officeDocument/2006/relationships" xmlns:p="http://schemas.openxmlformats.org/presentationml/2006/main" showMasterSp="0" showMasterPhAnim="0">
   <p:cSld>
     <p:spTree>
       <p:nvGrpSpPr>
-        <p:cNvPr id="79" name="Shape 79"/>
+        <p:cNvPr id="1" name="Shape 79"/>
         <p:cNvGrpSpPr/>
         <p:nvPr/>
       </p:nvGrpSpPr>
@@ -1111,20 +1146,26 @@
       <p:sp>
         <p:nvSpPr>
           <p:cNvPr id="80" name="Google Shape;80;ga3b87679f7_0_17:notes"/>
-          <p:cNvSpPr/>
+          <p:cNvSpPr>
+            <a:spLocks noGrp="1" noRot="1" noChangeAspect="1"/>
+          </p:cNvSpPr>
           <p:nvPr>
-            <p:ph idx="2" type="sldImg"/>
+            <p:ph type="sldImg" idx="2"/>
           </p:nvPr>
         </p:nvSpPr>
         <p:spPr>
           <a:xfrm>
-            <a:off x="381300" y="685800"/>
+            <a:off x="381000" y="685800"/>
             <a:ext cx="6096000" cy="3429000"/>
           </a:xfrm>
           <a:custGeom>
-            <a:rect b="b" l="l" r="r" t="t"/>
+            <a:avLst/>
+            <a:gdLst/>
+            <a:ahLst/>
+            <a:cxnLst/>
+            <a:rect l="l" t="t" r="r" b="b"/>
             <a:pathLst>
-              <a:path extrusionOk="0" h="120000" w="120000">
+              <a:path w="120000" h="120000" extrusionOk="0">
                 <a:moveTo>
                   <a:pt x="0" y="0"/>
                 </a:moveTo>
@@ -1146,9 +1187,11 @@
       <p:sp>
         <p:nvSpPr>
           <p:cNvPr id="81" name="Google Shape;81;ga3b87679f7_0_17:notes"/>
-          <p:cNvSpPr txBox="1"/>
+          <p:cNvSpPr txBox="1">
+            <a:spLocks noGrp="1"/>
+          </p:cNvSpPr>
           <p:nvPr>
-            <p:ph idx="1" type="body"/>
+            <p:ph type="body" idx="1"/>
           </p:nvPr>
         </p:nvSpPr>
         <p:spPr>
@@ -1161,12 +1204,12 @@
           </a:prstGeom>
         </p:spPr>
         <p:txBody>
-          <a:bodyPr anchorCtr="0" anchor="t" bIns="91425" lIns="91425" spcFirstLastPara="1" rIns="91425" wrap="square" tIns="91425">
+          <a:bodyPr spcFirstLastPara="1" wrap="square" lIns="91425" tIns="91425" rIns="91425" bIns="91425" anchor="t" anchorCtr="0">
             <a:noAutofit/>
           </a:bodyPr>
           <a:lstStyle/>
           <a:p>
-            <a:pPr indent="0" lvl="0" marL="0" rtl="0" algn="l">
+            <a:pPr marL="0" lvl="0" indent="0" algn="l" rtl="0">
               <a:spcBef>
                 <a:spcPts val="0"/>
               </a:spcBef>
@@ -1175,9 +1218,6 @@
               </a:spcAft>
               <a:buNone/>
             </a:pPr>
-            <a:r>
-              <a:t/>
-            </a:r>
             <a:endParaRPr/>
           </a:p>
         </p:txBody>
@@ -1191,11 +1231,11 @@
 </file>
 
 <file path=ppt/notesSlides/notesSlide5.xml><?xml version="1.0" encoding="utf-8"?>
-<p:notes xmlns:a="http://schemas.openxmlformats.org/drawingml/2006/main" xmlns:r="http://schemas.openxmlformats.org/officeDocument/2006/relationships" xmlns:mc="http://schemas.openxmlformats.org/markup-compatibility/2006" xmlns:mv="urn:schemas-microsoft-com:mac:vml" xmlns:p="http://schemas.openxmlformats.org/presentationml/2006/main" xmlns:c="http://schemas.openxmlformats.org/drawingml/2006/chart" xmlns:dgm="http://schemas.openxmlformats.org/drawingml/2006/diagram" xmlns:o="urn:schemas-microsoft-com:office:office" xmlns:v="urn:schemas-microsoft-com:vml" xmlns:pvml="urn:schemas-microsoft-com:office:powerpoint" xmlns:com="http://schemas.openxmlformats.org/drawingml/2006/compatibility" xmlns:p14="http://schemas.microsoft.com/office/powerpoint/2010/main" xmlns:p15="http://schemas.microsoft.com/office/powerpoint/2012/main" xmlns:ahyp="http://schemas.microsoft.com/office/drawing/2018/hyperlinkcolor" showMasterPhAnim="0" showMasterSp="0">
+<p:notes xmlns:a="http://schemas.openxmlformats.org/drawingml/2006/main" xmlns:r="http://schemas.openxmlformats.org/officeDocument/2006/relationships" xmlns:p="http://schemas.openxmlformats.org/presentationml/2006/main" showMasterSp="0" showMasterPhAnim="0">
   <p:cSld>
     <p:spTree>
       <p:nvGrpSpPr>
-        <p:cNvPr id="86" name="Shape 86"/>
+        <p:cNvPr id="1" name="Shape 86"/>
         <p:cNvGrpSpPr/>
         <p:nvPr/>
       </p:nvGrpSpPr>
@@ -1210,9 +1250,11 @@
       <p:sp>
         <p:nvSpPr>
           <p:cNvPr id="87" name="Google Shape;87;ga3b87679f7_0_26:notes"/>
-          <p:cNvSpPr/>
+          <p:cNvSpPr>
+            <a:spLocks noGrp="1" noRot="1" noChangeAspect="1"/>
+          </p:cNvSpPr>
           <p:nvPr>
-            <p:ph idx="2" type="sldImg"/>
+            <p:ph type="sldImg" idx="2"/>
           </p:nvPr>
         </p:nvSpPr>
         <p:spPr>
@@ -1221,9 +1263,13 @@
             <a:ext cx="6096000" cy="3429000"/>
           </a:xfrm>
           <a:custGeom>
-            <a:rect b="b" l="l" r="r" t="t"/>
+            <a:avLst/>
+            <a:gdLst/>
+            <a:ahLst/>
+            <a:cxnLst/>
+            <a:rect l="l" t="t" r="r" b="b"/>
             <a:pathLst>
-              <a:path extrusionOk="0" h="120000" w="120000">
+              <a:path w="120000" h="120000" extrusionOk="0">
                 <a:moveTo>
                   <a:pt x="0" y="0"/>
                 </a:moveTo>
@@ -1245,9 +1291,11 @@
       <p:sp>
         <p:nvSpPr>
           <p:cNvPr id="88" name="Google Shape;88;ga3b87679f7_0_26:notes"/>
-          <p:cNvSpPr txBox="1"/>
+          <p:cNvSpPr txBox="1">
+            <a:spLocks noGrp="1"/>
+          </p:cNvSpPr>
           <p:nvPr>
-            <p:ph idx="1" type="body"/>
+            <p:ph type="body" idx="1"/>
           </p:nvPr>
         </p:nvSpPr>
         <p:spPr>
@@ -1260,12 +1308,12 @@
           </a:prstGeom>
         </p:spPr>
         <p:txBody>
-          <a:bodyPr anchorCtr="0" anchor="t" bIns="91425" lIns="91425" spcFirstLastPara="1" rIns="91425" wrap="square" tIns="91425">
+          <a:bodyPr spcFirstLastPara="1" wrap="square" lIns="91425" tIns="91425" rIns="91425" bIns="91425" anchor="t" anchorCtr="0">
             <a:noAutofit/>
           </a:bodyPr>
           <a:lstStyle/>
           <a:p>
-            <a:pPr indent="0" lvl="0" marL="0" rtl="0" algn="l">
+            <a:pPr marL="0" lvl="0" indent="0" algn="l" rtl="0">
               <a:spcBef>
                 <a:spcPts val="0"/>
               </a:spcBef>
@@ -1274,9 +1322,6 @@
               </a:spcAft>
               <a:buNone/>
             </a:pPr>
-            <a:r>
-              <a:t/>
-            </a:r>
             <a:endParaRPr/>
           </a:p>
         </p:txBody>
@@ -1290,11 +1335,11 @@
 </file>
 
 <file path=ppt/notesSlides/notesSlide6.xml><?xml version="1.0" encoding="utf-8"?>
-<p:notes xmlns:a="http://schemas.openxmlformats.org/drawingml/2006/main" xmlns:r="http://schemas.openxmlformats.org/officeDocument/2006/relationships" xmlns:mc="http://schemas.openxmlformats.org/markup-compatibility/2006" xmlns:mv="urn:schemas-microsoft-com:mac:vml" xmlns:p="http://schemas.openxmlformats.org/presentationml/2006/main" xmlns:c="http://schemas.openxmlformats.org/drawingml/2006/chart" xmlns:dgm="http://schemas.openxmlformats.org/drawingml/2006/diagram" xmlns:o="urn:schemas-microsoft-com:office:office" xmlns:v="urn:schemas-microsoft-com:vml" xmlns:pvml="urn:schemas-microsoft-com:office:powerpoint" xmlns:com="http://schemas.openxmlformats.org/drawingml/2006/compatibility" xmlns:p14="http://schemas.microsoft.com/office/powerpoint/2010/main" xmlns:p15="http://schemas.microsoft.com/office/powerpoint/2012/main" xmlns:ahyp="http://schemas.microsoft.com/office/drawing/2018/hyperlinkcolor" showMasterPhAnim="0" showMasterSp="0">
+<p:notes xmlns:a="http://schemas.openxmlformats.org/drawingml/2006/main" xmlns:r="http://schemas.openxmlformats.org/officeDocument/2006/relationships" xmlns:p="http://schemas.openxmlformats.org/presentationml/2006/main" showMasterSp="0" showMasterPhAnim="0">
   <p:cSld>
     <p:spTree>
       <p:nvGrpSpPr>
-        <p:cNvPr id="93" name="Shape 93"/>
+        <p:cNvPr id="1" name="Shape 93"/>
         <p:cNvGrpSpPr/>
         <p:nvPr/>
       </p:nvGrpSpPr>
@@ -1309,9 +1354,11 @@
       <p:sp>
         <p:nvSpPr>
           <p:cNvPr id="94" name="Google Shape;94;ga3b87679f7_0_31:notes"/>
-          <p:cNvSpPr/>
+          <p:cNvSpPr>
+            <a:spLocks noGrp="1" noRot="1" noChangeAspect="1"/>
+          </p:cNvSpPr>
           <p:nvPr>
-            <p:ph idx="2" type="sldImg"/>
+            <p:ph type="sldImg" idx="2"/>
           </p:nvPr>
         </p:nvSpPr>
         <p:spPr>
@@ -1320,9 +1367,13 @@
             <a:ext cx="6096000" cy="3429000"/>
           </a:xfrm>
           <a:custGeom>
-            <a:rect b="b" l="l" r="r" t="t"/>
+            <a:avLst/>
+            <a:gdLst/>
+            <a:ahLst/>
+            <a:cxnLst/>
+            <a:rect l="l" t="t" r="r" b="b"/>
             <a:pathLst>
-              <a:path extrusionOk="0" h="120000" w="120000">
+              <a:path w="120000" h="120000" extrusionOk="0">
                 <a:moveTo>
                   <a:pt x="0" y="0"/>
                 </a:moveTo>
@@ -1344,9 +1395,11 @@
       <p:sp>
         <p:nvSpPr>
           <p:cNvPr id="95" name="Google Shape;95;ga3b87679f7_0_31:notes"/>
-          <p:cNvSpPr txBox="1"/>
+          <p:cNvSpPr txBox="1">
+            <a:spLocks noGrp="1"/>
+          </p:cNvSpPr>
           <p:nvPr>
-            <p:ph idx="1" type="body"/>
+            <p:ph type="body" idx="1"/>
           </p:nvPr>
         </p:nvSpPr>
         <p:spPr>
@@ -1359,12 +1412,12 @@
           </a:prstGeom>
         </p:spPr>
         <p:txBody>
-          <a:bodyPr anchorCtr="0" anchor="t" bIns="91425" lIns="91425" spcFirstLastPara="1" rIns="91425" wrap="square" tIns="91425">
+          <a:bodyPr spcFirstLastPara="1" wrap="square" lIns="91425" tIns="91425" rIns="91425" bIns="91425" anchor="t" anchorCtr="0">
             <a:noAutofit/>
           </a:bodyPr>
           <a:lstStyle/>
           <a:p>
-            <a:pPr indent="0" lvl="0" marL="0" rtl="0" algn="l">
+            <a:pPr marL="0" lvl="0" indent="0" algn="l" rtl="0">
               <a:spcBef>
                 <a:spcPts val="0"/>
               </a:spcBef>
@@ -1373,9 +1426,6 @@
               </a:spcAft>
               <a:buNone/>
             </a:pPr>
-            <a:r>
-              <a:t/>
-            </a:r>
             <a:endParaRPr/>
           </a:p>
         </p:txBody>
@@ -1389,11 +1439,11 @@
 </file>
 
 <file path=ppt/notesSlides/notesSlide7.xml><?xml version="1.0" encoding="utf-8"?>
-<p:notes xmlns:a="http://schemas.openxmlformats.org/drawingml/2006/main" xmlns:r="http://schemas.openxmlformats.org/officeDocument/2006/relationships" xmlns:mc="http://schemas.openxmlformats.org/markup-compatibility/2006" xmlns:mv="urn:schemas-microsoft-com:mac:vml" xmlns:p="http://schemas.openxmlformats.org/presentationml/2006/main" xmlns:c="http://schemas.openxmlformats.org/drawingml/2006/chart" xmlns:dgm="http://schemas.openxmlformats.org/drawingml/2006/diagram" xmlns:o="urn:schemas-microsoft-com:office:office" xmlns:v="urn:schemas-microsoft-com:vml" xmlns:pvml="urn:schemas-microsoft-com:office:powerpoint" xmlns:com="http://schemas.openxmlformats.org/drawingml/2006/compatibility" xmlns:p14="http://schemas.microsoft.com/office/powerpoint/2010/main" xmlns:p15="http://schemas.microsoft.com/office/powerpoint/2012/main" xmlns:ahyp="http://schemas.microsoft.com/office/drawing/2018/hyperlinkcolor" showMasterPhAnim="0" showMasterSp="0">
+<p:notes xmlns:a="http://schemas.openxmlformats.org/drawingml/2006/main" xmlns:r="http://schemas.openxmlformats.org/officeDocument/2006/relationships" xmlns:p="http://schemas.openxmlformats.org/presentationml/2006/main" showMasterSp="0" showMasterPhAnim="0">
   <p:cSld>
     <p:spTree>
       <p:nvGrpSpPr>
-        <p:cNvPr id="100" name="Shape 100"/>
+        <p:cNvPr id="1" name="Shape 100"/>
         <p:cNvGrpSpPr/>
         <p:nvPr/>
       </p:nvGrpSpPr>
@@ -1408,9 +1458,11 @@
       <p:sp>
         <p:nvSpPr>
           <p:cNvPr id="101" name="Google Shape;101;ga3b87679f7_0_36:notes"/>
-          <p:cNvSpPr/>
+          <p:cNvSpPr>
+            <a:spLocks noGrp="1" noRot="1" noChangeAspect="1"/>
+          </p:cNvSpPr>
           <p:nvPr>
-            <p:ph idx="2" type="sldImg"/>
+            <p:ph type="sldImg" idx="2"/>
           </p:nvPr>
         </p:nvSpPr>
         <p:spPr>
@@ -1419,9 +1471,13 @@
             <a:ext cx="6096000" cy="3429000"/>
           </a:xfrm>
           <a:custGeom>
-            <a:rect b="b" l="l" r="r" t="t"/>
+            <a:avLst/>
+            <a:gdLst/>
+            <a:ahLst/>
+            <a:cxnLst/>
+            <a:rect l="l" t="t" r="r" b="b"/>
             <a:pathLst>
-              <a:path extrusionOk="0" h="120000" w="120000">
+              <a:path w="120000" h="120000" extrusionOk="0">
                 <a:moveTo>
                   <a:pt x="0" y="0"/>
                 </a:moveTo>
@@ -1443,9 +1499,11 @@
       <p:sp>
         <p:nvSpPr>
           <p:cNvPr id="102" name="Google Shape;102;ga3b87679f7_0_36:notes"/>
-          <p:cNvSpPr txBox="1"/>
+          <p:cNvSpPr txBox="1">
+            <a:spLocks noGrp="1"/>
+          </p:cNvSpPr>
           <p:nvPr>
-            <p:ph idx="1" type="body"/>
+            <p:ph type="body" idx="1"/>
           </p:nvPr>
         </p:nvSpPr>
         <p:spPr>
@@ -1458,12 +1516,12 @@
           </a:prstGeom>
         </p:spPr>
         <p:txBody>
-          <a:bodyPr anchorCtr="0" anchor="t" bIns="91425" lIns="91425" spcFirstLastPara="1" rIns="91425" wrap="square" tIns="91425">
+          <a:bodyPr spcFirstLastPara="1" wrap="square" lIns="91425" tIns="91425" rIns="91425" bIns="91425" anchor="t" anchorCtr="0">
             <a:noAutofit/>
           </a:bodyPr>
           <a:lstStyle/>
           <a:p>
-            <a:pPr indent="0" lvl="0" marL="0" rtl="0" algn="l">
+            <a:pPr marL="0" lvl="0" indent="0" algn="l" rtl="0">
               <a:spcBef>
                 <a:spcPts val="0"/>
               </a:spcBef>
@@ -1472,9 +1530,6 @@
               </a:spcAft>
               <a:buNone/>
             </a:pPr>
-            <a:r>
-              <a:t/>
-            </a:r>
             <a:endParaRPr/>
           </a:p>
         </p:txBody>
@@ -1488,11 +1543,11 @@
 </file>
 
 <file path=ppt/notesSlides/notesSlide8.xml><?xml version="1.0" encoding="utf-8"?>
-<p:notes xmlns:a="http://schemas.openxmlformats.org/drawingml/2006/main" xmlns:r="http://schemas.openxmlformats.org/officeDocument/2006/relationships" xmlns:mc="http://schemas.openxmlformats.org/markup-compatibility/2006" xmlns:mv="urn:schemas-microsoft-com:mac:vml" xmlns:p="http://schemas.openxmlformats.org/presentationml/2006/main" xmlns:c="http://schemas.openxmlformats.org/drawingml/2006/chart" xmlns:dgm="http://schemas.openxmlformats.org/drawingml/2006/diagram" xmlns:o="urn:schemas-microsoft-com:office:office" xmlns:v="urn:schemas-microsoft-com:vml" xmlns:pvml="urn:schemas-microsoft-com:office:powerpoint" xmlns:com="http://schemas.openxmlformats.org/drawingml/2006/compatibility" xmlns:p14="http://schemas.microsoft.com/office/powerpoint/2010/main" xmlns:p15="http://schemas.microsoft.com/office/powerpoint/2012/main" xmlns:ahyp="http://schemas.microsoft.com/office/drawing/2018/hyperlinkcolor" showMasterPhAnim="0" showMasterSp="0">
+<p:notes xmlns:a="http://schemas.openxmlformats.org/drawingml/2006/main" xmlns:r="http://schemas.openxmlformats.org/officeDocument/2006/relationships" xmlns:p="http://schemas.openxmlformats.org/presentationml/2006/main" showMasterSp="0" showMasterPhAnim="0">
   <p:cSld>
     <p:spTree>
       <p:nvGrpSpPr>
-        <p:cNvPr id="107" name="Shape 107"/>
+        <p:cNvPr id="1" name="Shape 107"/>
         <p:cNvGrpSpPr/>
         <p:nvPr/>
       </p:nvGrpSpPr>
@@ -1507,9 +1562,11 @@
       <p:sp>
         <p:nvSpPr>
           <p:cNvPr id="108" name="Google Shape;108;ga3b87679f7_0_41:notes"/>
-          <p:cNvSpPr/>
+          <p:cNvSpPr>
+            <a:spLocks noGrp="1" noRot="1" noChangeAspect="1"/>
+          </p:cNvSpPr>
           <p:nvPr>
-            <p:ph idx="2" type="sldImg"/>
+            <p:ph type="sldImg" idx="2"/>
           </p:nvPr>
         </p:nvSpPr>
         <p:spPr>
@@ -1518,9 +1575,13 @@
             <a:ext cx="6096000" cy="3429000"/>
           </a:xfrm>
           <a:custGeom>
-            <a:rect b="b" l="l" r="r" t="t"/>
+            <a:avLst/>
+            <a:gdLst/>
+            <a:ahLst/>
+            <a:cxnLst/>
+            <a:rect l="l" t="t" r="r" b="b"/>
             <a:pathLst>
-              <a:path extrusionOk="0" h="120000" w="120000">
+              <a:path w="120000" h="120000" extrusionOk="0">
                 <a:moveTo>
                   <a:pt x="0" y="0"/>
                 </a:moveTo>
@@ -1542,9 +1603,11 @@
       <p:sp>
         <p:nvSpPr>
           <p:cNvPr id="109" name="Google Shape;109;ga3b87679f7_0_41:notes"/>
-          <p:cNvSpPr txBox="1"/>
+          <p:cNvSpPr txBox="1">
+            <a:spLocks noGrp="1"/>
+          </p:cNvSpPr>
           <p:nvPr>
-            <p:ph idx="1" type="body"/>
+            <p:ph type="body" idx="1"/>
           </p:nvPr>
         </p:nvSpPr>
         <p:spPr>
@@ -1557,12 +1620,12 @@
           </a:prstGeom>
         </p:spPr>
         <p:txBody>
-          <a:bodyPr anchorCtr="0" anchor="t" bIns="91425" lIns="91425" spcFirstLastPara="1" rIns="91425" wrap="square" tIns="91425">
+          <a:bodyPr spcFirstLastPara="1" wrap="square" lIns="91425" tIns="91425" rIns="91425" bIns="91425" anchor="t" anchorCtr="0">
             <a:noAutofit/>
           </a:bodyPr>
           <a:lstStyle/>
           <a:p>
-            <a:pPr indent="0" lvl="0" marL="0" rtl="0" algn="l">
+            <a:pPr marL="0" lvl="0" indent="0" algn="l" rtl="0">
               <a:spcBef>
                 <a:spcPts val="0"/>
               </a:spcBef>
@@ -1571,9 +1634,6 @@
               </a:spcAft>
               <a:buNone/>
             </a:pPr>
-            <a:r>
-              <a:t/>
-            </a:r>
             <a:endParaRPr/>
           </a:p>
         </p:txBody>
@@ -1587,11 +1647,11 @@
 </file>
 
 <file path=ppt/notesSlides/notesSlide9.xml><?xml version="1.0" encoding="utf-8"?>
-<p:notes xmlns:a="http://schemas.openxmlformats.org/drawingml/2006/main" xmlns:r="http://schemas.openxmlformats.org/officeDocument/2006/relationships" xmlns:mc="http://schemas.openxmlformats.org/markup-compatibility/2006" xmlns:mv="urn:schemas-microsoft-com:mac:vml" xmlns:p="http://schemas.openxmlformats.org/presentationml/2006/main" xmlns:c="http://schemas.openxmlformats.org/drawingml/2006/chart" xmlns:dgm="http://schemas.openxmlformats.org/drawingml/2006/diagram" xmlns:o="urn:schemas-microsoft-com:office:office" xmlns:v="urn:schemas-microsoft-com:vml" xmlns:pvml="urn:schemas-microsoft-com:office:powerpoint" xmlns:com="http://schemas.openxmlformats.org/drawingml/2006/compatibility" xmlns:p14="http://schemas.microsoft.com/office/powerpoint/2010/main" xmlns:p15="http://schemas.microsoft.com/office/powerpoint/2012/main" xmlns:ahyp="http://schemas.microsoft.com/office/drawing/2018/hyperlinkcolor" showMasterPhAnim="0" showMasterSp="0">
+<p:notes xmlns:a="http://schemas.openxmlformats.org/drawingml/2006/main" xmlns:r="http://schemas.openxmlformats.org/officeDocument/2006/relationships" xmlns:p="http://schemas.openxmlformats.org/presentationml/2006/main" showMasterSp="0" showMasterPhAnim="0">
   <p:cSld>
     <p:spTree>
       <p:nvGrpSpPr>
-        <p:cNvPr id="114" name="Shape 114"/>
+        <p:cNvPr id="1" name="Shape 114"/>
         <p:cNvGrpSpPr/>
         <p:nvPr/>
       </p:nvGrpSpPr>
@@ -1606,9 +1666,11 @@
       <p:sp>
         <p:nvSpPr>
           <p:cNvPr id="115" name="Google Shape;115;ga416a90859_0_0:notes"/>
-          <p:cNvSpPr/>
+          <p:cNvSpPr>
+            <a:spLocks noGrp="1" noRot="1" noChangeAspect="1"/>
+          </p:cNvSpPr>
           <p:nvPr>
-            <p:ph idx="2" type="sldImg"/>
+            <p:ph type="sldImg" idx="2"/>
           </p:nvPr>
         </p:nvSpPr>
         <p:spPr>
@@ -1617,9 +1679,13 @@
             <a:ext cx="6096000" cy="3429000"/>
           </a:xfrm>
           <a:custGeom>
-            <a:rect b="b" l="l" r="r" t="t"/>
+            <a:avLst/>
+            <a:gdLst/>
+            <a:ahLst/>
+            <a:cxnLst/>
+            <a:rect l="l" t="t" r="r" b="b"/>
             <a:pathLst>
-              <a:path extrusionOk="0" h="120000" w="120000">
+              <a:path w="120000" h="120000" extrusionOk="0">
                 <a:moveTo>
                   <a:pt x="0" y="0"/>
                 </a:moveTo>
@@ -1641,9 +1707,11 @@
       <p:sp>
         <p:nvSpPr>
           <p:cNvPr id="116" name="Google Shape;116;ga416a90859_0_0:notes"/>
-          <p:cNvSpPr txBox="1"/>
+          <p:cNvSpPr txBox="1">
+            <a:spLocks noGrp="1"/>
+          </p:cNvSpPr>
           <p:nvPr>
-            <p:ph idx="1" type="body"/>
+            <p:ph type="body" idx="1"/>
           </p:nvPr>
         </p:nvSpPr>
         <p:spPr>
@@ -1656,12 +1724,12 @@
           </a:prstGeom>
         </p:spPr>
         <p:txBody>
-          <a:bodyPr anchorCtr="0" anchor="t" bIns="91425" lIns="91425" spcFirstLastPara="1" rIns="91425" wrap="square" tIns="91425">
+          <a:bodyPr spcFirstLastPara="1" wrap="square" lIns="91425" tIns="91425" rIns="91425" bIns="91425" anchor="t" anchorCtr="0">
             <a:noAutofit/>
           </a:bodyPr>
           <a:lstStyle/>
           <a:p>
-            <a:pPr indent="0" lvl="0" marL="0" rtl="0" algn="l">
+            <a:pPr marL="0" lvl="0" indent="0" algn="l" rtl="0">
               <a:spcBef>
                 <a:spcPts val="0"/>
               </a:spcBef>
@@ -1670,9 +1738,6 @@
               </a:spcAft>
               <a:buNone/>
             </a:pPr>
-            <a:r>
-              <a:t/>
-            </a:r>
             <a:endParaRPr/>
           </a:p>
         </p:txBody>
@@ -1686,11 +1751,11 @@
 </file>
 
 <file path=ppt/slideLayouts/slideLayout1.xml><?xml version="1.0" encoding="utf-8"?>
-<p:sldLayout xmlns:a="http://schemas.openxmlformats.org/drawingml/2006/main" xmlns:r="http://schemas.openxmlformats.org/officeDocument/2006/relationships" xmlns:mc="http://schemas.openxmlformats.org/markup-compatibility/2006" xmlns:mv="urn:schemas-microsoft-com:mac:vml" xmlns:p="http://schemas.openxmlformats.org/presentationml/2006/main" xmlns:c="http://schemas.openxmlformats.org/drawingml/2006/chart" xmlns:dgm="http://schemas.openxmlformats.org/drawingml/2006/diagram" xmlns:o="urn:schemas-microsoft-com:office:office" xmlns:v="urn:schemas-microsoft-com:vml" xmlns:pvml="urn:schemas-microsoft-com:office:powerpoint" xmlns:com="http://schemas.openxmlformats.org/drawingml/2006/compatibility" xmlns:p14="http://schemas.microsoft.com/office/powerpoint/2010/main" xmlns:p15="http://schemas.microsoft.com/office/powerpoint/2012/main" xmlns:ahyp="http://schemas.microsoft.com/office/drawing/2018/hyperlinkcolor" matchingName="Title slide" type="title">
+<p:sldLayout xmlns:a="http://schemas.openxmlformats.org/drawingml/2006/main" xmlns:r="http://schemas.openxmlformats.org/officeDocument/2006/relationships" xmlns:p="http://schemas.openxmlformats.org/presentationml/2006/main" matchingName="Title slide" type="title">
   <p:cSld name="TITLE">
     <p:spTree>
       <p:nvGrpSpPr>
-        <p:cNvPr id="9" name="Shape 9"/>
+        <p:cNvPr id="1" name="Shape 9"/>
         <p:cNvGrpSpPr/>
         <p:nvPr/>
       </p:nvGrpSpPr>
@@ -1705,7 +1770,9 @@
       <p:sp>
         <p:nvSpPr>
           <p:cNvPr id="10" name="Google Shape;10;p2"/>
-          <p:cNvSpPr txBox="1"/>
+          <p:cNvSpPr txBox="1">
+            <a:spLocks noGrp="1"/>
+          </p:cNvSpPr>
           <p:nvPr>
             <p:ph type="ctrTitle"/>
           </p:nvPr>
@@ -1720,7 +1787,7 @@
           </a:prstGeom>
         </p:spPr>
         <p:txBody>
-          <a:bodyPr anchorCtr="0" anchor="b" bIns="91425" lIns="91425" spcFirstLastPara="1" rIns="91425" wrap="square" tIns="91425">
+          <a:bodyPr spcFirstLastPara="1" wrap="square" lIns="91425" tIns="91425" rIns="91425" bIns="91425" anchor="b" anchorCtr="0">
             <a:noAutofit/>
           </a:bodyPr>
           <a:lstStyle>
@@ -1824,15 +1891,19 @@
               <a:defRPr sz="5200"/>
             </a:lvl9pPr>
           </a:lstStyle>
-          <a:p/>
+          <a:p>
+            <a:endParaRPr/>
+          </a:p>
         </p:txBody>
       </p:sp>
       <p:sp>
         <p:nvSpPr>
           <p:cNvPr id="11" name="Google Shape;11;p2"/>
-          <p:cNvSpPr txBox="1"/>
+          <p:cNvSpPr txBox="1">
+            <a:spLocks noGrp="1"/>
+          </p:cNvSpPr>
           <p:nvPr>
-            <p:ph idx="1" type="subTitle"/>
+            <p:ph type="subTitle" idx="1"/>
           </p:nvPr>
         </p:nvSpPr>
         <p:spPr>
@@ -1845,7 +1916,7 @@
           </a:prstGeom>
         </p:spPr>
         <p:txBody>
-          <a:bodyPr anchorCtr="0" anchor="t" bIns="91425" lIns="91425" spcFirstLastPara="1" rIns="91425" wrap="square" tIns="91425">
+          <a:bodyPr spcFirstLastPara="1" wrap="square" lIns="91425" tIns="91425" rIns="91425" bIns="91425" anchor="t" anchorCtr="0">
             <a:noAutofit/>
           </a:bodyPr>
           <a:lstStyle>
@@ -1976,15 +2047,19 @@
               <a:defRPr sz="2800"/>
             </a:lvl9pPr>
           </a:lstStyle>
-          <a:p/>
+          <a:p>
+            <a:endParaRPr/>
+          </a:p>
         </p:txBody>
       </p:sp>
       <p:sp>
         <p:nvSpPr>
           <p:cNvPr id="12" name="Google Shape;12;p2"/>
-          <p:cNvSpPr txBox="1"/>
+          <p:cNvSpPr txBox="1">
+            <a:spLocks noGrp="1"/>
+          </p:cNvSpPr>
           <p:nvPr>
-            <p:ph idx="12" type="sldNum"/>
+            <p:ph type="sldNum" idx="12"/>
           </p:nvPr>
         </p:nvSpPr>
         <p:spPr>
@@ -1997,7 +2072,7 @@
           </a:prstGeom>
         </p:spPr>
         <p:txBody>
-          <a:bodyPr anchorCtr="0" anchor="ctr" bIns="91425" lIns="91425" spcFirstLastPara="1" rIns="91425" wrap="square" tIns="91425">
+          <a:bodyPr spcFirstLastPara="1" wrap="square" lIns="91425" tIns="91425" rIns="91425" bIns="91425" anchor="ctr" anchorCtr="0">
             <a:noAutofit/>
           </a:bodyPr>
           <a:lstStyle>
@@ -2039,7 +2114,7 @@
             </a:lvl9pPr>
           </a:lstStyle>
           <a:p>
-            <a:pPr indent="0" lvl="0" marL="0" rtl="0" algn="r">
+            <a:pPr marL="0" lvl="0" indent="0" algn="r" rtl="0">
               <a:spcBef>
                 <a:spcPts val="0"/>
               </a:spcBef>
@@ -2065,11 +2140,11 @@
 </file>
 
 <file path=ppt/slideLayouts/slideLayout10.xml><?xml version="1.0" encoding="utf-8"?>
-<p:sldLayout xmlns:a="http://schemas.openxmlformats.org/drawingml/2006/main" xmlns:r="http://schemas.openxmlformats.org/officeDocument/2006/relationships" xmlns:mc="http://schemas.openxmlformats.org/markup-compatibility/2006" xmlns:mv="urn:schemas-microsoft-com:mac:vml" xmlns:p="http://schemas.openxmlformats.org/presentationml/2006/main" xmlns:c="http://schemas.openxmlformats.org/drawingml/2006/chart" xmlns:dgm="http://schemas.openxmlformats.org/drawingml/2006/diagram" xmlns:o="urn:schemas-microsoft-com:office:office" xmlns:v="urn:schemas-microsoft-com:vml" xmlns:pvml="urn:schemas-microsoft-com:office:powerpoint" xmlns:com="http://schemas.openxmlformats.org/drawingml/2006/compatibility" xmlns:p14="http://schemas.microsoft.com/office/powerpoint/2010/main" xmlns:p15="http://schemas.microsoft.com/office/powerpoint/2012/main" xmlns:ahyp="http://schemas.microsoft.com/office/drawing/2018/hyperlinkcolor" matchingName="Big number">
+<p:sldLayout xmlns:a="http://schemas.openxmlformats.org/drawingml/2006/main" xmlns:r="http://schemas.openxmlformats.org/officeDocument/2006/relationships" xmlns:p="http://schemas.openxmlformats.org/presentationml/2006/main" matchingName="Big number">
   <p:cSld name="BIG_NUMBER">
     <p:spTree>
       <p:nvGrpSpPr>
-        <p:cNvPr id="44" name="Shape 44"/>
+        <p:cNvPr id="1" name="Shape 44"/>
         <p:cNvGrpSpPr/>
         <p:nvPr/>
       </p:nvGrpSpPr>
@@ -2084,9 +2159,11 @@
       <p:sp>
         <p:nvSpPr>
           <p:cNvPr id="45" name="Google Shape;45;p11"/>
-          <p:cNvSpPr txBox="1"/>
+          <p:cNvSpPr txBox="1">
+            <a:spLocks noGrp="1"/>
+          </p:cNvSpPr>
           <p:nvPr>
-            <p:ph hasCustomPrompt="1" type="title"/>
+            <p:ph type="title" hasCustomPrompt="1"/>
           </p:nvPr>
         </p:nvSpPr>
         <p:spPr>
@@ -2099,7 +2176,7 @@
           </a:prstGeom>
         </p:spPr>
         <p:txBody>
-          <a:bodyPr anchorCtr="0" anchor="b" bIns="91425" lIns="91425" spcFirstLastPara="1" rIns="91425" wrap="square" tIns="91425">
+          <a:bodyPr spcFirstLastPara="1" wrap="square" lIns="91425" tIns="91425" rIns="91425" bIns="91425" anchor="b" anchorCtr="0">
             <a:noAutofit/>
           </a:bodyPr>
           <a:lstStyle>
@@ -2213,9 +2290,11 @@
       <p:sp>
         <p:nvSpPr>
           <p:cNvPr id="46" name="Google Shape;46;p11"/>
-          <p:cNvSpPr txBox="1"/>
+          <p:cNvSpPr txBox="1">
+            <a:spLocks noGrp="1"/>
+          </p:cNvSpPr>
           <p:nvPr>
-            <p:ph idx="1" type="body"/>
+            <p:ph type="body" idx="1"/>
           </p:nvPr>
         </p:nvSpPr>
         <p:spPr>
@@ -2228,11 +2307,11 @@
           </a:prstGeom>
         </p:spPr>
         <p:txBody>
-          <a:bodyPr anchorCtr="0" anchor="t" bIns="91425" lIns="91425" spcFirstLastPara="1" rIns="91425" wrap="square" tIns="91425">
+          <a:bodyPr spcFirstLastPara="1" wrap="square" lIns="91425" tIns="91425" rIns="91425" bIns="91425" anchor="t" anchorCtr="0">
             <a:noAutofit/>
           </a:bodyPr>
           <a:lstStyle>
-            <a:lvl1pPr indent="-342900" lvl="0" marL="457200" algn="ctr">
+            <a:lvl1pPr marL="457200" lvl="0" indent="-342900" algn="ctr">
               <a:spcBef>
                 <a:spcPts val="0"/>
               </a:spcBef>
@@ -2243,7 +2322,7 @@
               <a:buChar char="●"/>
               <a:defRPr/>
             </a:lvl1pPr>
-            <a:lvl2pPr indent="-317500" lvl="1" marL="914400" algn="ctr">
+            <a:lvl2pPr marL="914400" lvl="1" indent="-317500" algn="ctr">
               <a:spcBef>
                 <a:spcPts val="1600"/>
               </a:spcBef>
@@ -2254,7 +2333,7 @@
               <a:buChar char="○"/>
               <a:defRPr/>
             </a:lvl2pPr>
-            <a:lvl3pPr indent="-317500" lvl="2" marL="1371600" algn="ctr">
+            <a:lvl3pPr marL="1371600" lvl="2" indent="-317500" algn="ctr">
               <a:spcBef>
                 <a:spcPts val="1600"/>
               </a:spcBef>
@@ -2265,7 +2344,7 @@
               <a:buChar char="■"/>
               <a:defRPr/>
             </a:lvl3pPr>
-            <a:lvl4pPr indent="-317500" lvl="3" marL="1828800" algn="ctr">
+            <a:lvl4pPr marL="1828800" lvl="3" indent="-317500" algn="ctr">
               <a:spcBef>
                 <a:spcPts val="1600"/>
               </a:spcBef>
@@ -2276,7 +2355,7 @@
               <a:buChar char="●"/>
               <a:defRPr/>
             </a:lvl4pPr>
-            <a:lvl5pPr indent="-317500" lvl="4" marL="2286000" algn="ctr">
+            <a:lvl5pPr marL="2286000" lvl="4" indent="-317500" algn="ctr">
               <a:spcBef>
                 <a:spcPts val="1600"/>
               </a:spcBef>
@@ -2287,7 +2366,7 @@
               <a:buChar char="○"/>
               <a:defRPr/>
             </a:lvl5pPr>
-            <a:lvl6pPr indent="-317500" lvl="5" marL="2743200" algn="ctr">
+            <a:lvl6pPr marL="2743200" lvl="5" indent="-317500" algn="ctr">
               <a:spcBef>
                 <a:spcPts val="1600"/>
               </a:spcBef>
@@ -2298,7 +2377,7 @@
               <a:buChar char="■"/>
               <a:defRPr/>
             </a:lvl6pPr>
-            <a:lvl7pPr indent="-317500" lvl="6" marL="3200400" algn="ctr">
+            <a:lvl7pPr marL="3200400" lvl="6" indent="-317500" algn="ctr">
               <a:spcBef>
                 <a:spcPts val="1600"/>
               </a:spcBef>
@@ -2309,7 +2388,7 @@
               <a:buChar char="●"/>
               <a:defRPr/>
             </a:lvl7pPr>
-            <a:lvl8pPr indent="-317500" lvl="7" marL="3657600" algn="ctr">
+            <a:lvl8pPr marL="3657600" lvl="7" indent="-317500" algn="ctr">
               <a:spcBef>
                 <a:spcPts val="1600"/>
               </a:spcBef>
@@ -2320,7 +2399,7 @@
               <a:buChar char="○"/>
               <a:defRPr/>
             </a:lvl8pPr>
-            <a:lvl9pPr indent="-317500" lvl="8" marL="4114800" algn="ctr">
+            <a:lvl9pPr marL="4114800" lvl="8" indent="-317500" algn="ctr">
               <a:spcBef>
                 <a:spcPts val="1600"/>
               </a:spcBef>
@@ -2332,15 +2411,19 @@
               <a:defRPr/>
             </a:lvl9pPr>
           </a:lstStyle>
-          <a:p/>
+          <a:p>
+            <a:endParaRPr/>
+          </a:p>
         </p:txBody>
       </p:sp>
       <p:sp>
         <p:nvSpPr>
           <p:cNvPr id="47" name="Google Shape;47;p11"/>
-          <p:cNvSpPr txBox="1"/>
+          <p:cNvSpPr txBox="1">
+            <a:spLocks noGrp="1"/>
+          </p:cNvSpPr>
           <p:nvPr>
-            <p:ph idx="12" type="sldNum"/>
+            <p:ph type="sldNum" idx="12"/>
           </p:nvPr>
         </p:nvSpPr>
         <p:spPr>
@@ -2353,7 +2436,7 @@
           </a:prstGeom>
         </p:spPr>
         <p:txBody>
-          <a:bodyPr anchorCtr="0" anchor="ctr" bIns="91425" lIns="91425" spcFirstLastPara="1" rIns="91425" wrap="square" tIns="91425">
+          <a:bodyPr spcFirstLastPara="1" wrap="square" lIns="91425" tIns="91425" rIns="91425" bIns="91425" anchor="ctr" anchorCtr="0">
             <a:noAutofit/>
           </a:bodyPr>
           <a:lstStyle>
@@ -2395,7 +2478,7 @@
             </a:lvl9pPr>
           </a:lstStyle>
           <a:p>
-            <a:pPr indent="0" lvl="0" marL="0" rtl="0" algn="r">
+            <a:pPr marL="0" lvl="0" indent="0" algn="r" rtl="0">
               <a:spcBef>
                 <a:spcPts val="0"/>
               </a:spcBef>
@@ -2421,11 +2504,11 @@
 </file>
 
 <file path=ppt/slideLayouts/slideLayout11.xml><?xml version="1.0" encoding="utf-8"?>
-<p:sldLayout xmlns:a="http://schemas.openxmlformats.org/drawingml/2006/main" xmlns:r="http://schemas.openxmlformats.org/officeDocument/2006/relationships" xmlns:mc="http://schemas.openxmlformats.org/markup-compatibility/2006" xmlns:mv="urn:schemas-microsoft-com:mac:vml" xmlns:p="http://schemas.openxmlformats.org/presentationml/2006/main" xmlns:c="http://schemas.openxmlformats.org/drawingml/2006/chart" xmlns:dgm="http://schemas.openxmlformats.org/drawingml/2006/diagram" xmlns:o="urn:schemas-microsoft-com:office:office" xmlns:v="urn:schemas-microsoft-com:vml" xmlns:pvml="urn:schemas-microsoft-com:office:powerpoint" xmlns:com="http://schemas.openxmlformats.org/drawingml/2006/compatibility" xmlns:p14="http://schemas.microsoft.com/office/powerpoint/2010/main" xmlns:p15="http://schemas.microsoft.com/office/powerpoint/2012/main" xmlns:ahyp="http://schemas.microsoft.com/office/drawing/2018/hyperlinkcolor" matchingName="Blank" type="blank">
+<p:sldLayout xmlns:a="http://schemas.openxmlformats.org/drawingml/2006/main" xmlns:r="http://schemas.openxmlformats.org/officeDocument/2006/relationships" xmlns:p="http://schemas.openxmlformats.org/presentationml/2006/main" matchingName="Blank" type="blank">
   <p:cSld name="BLANK">
     <p:spTree>
       <p:nvGrpSpPr>
-        <p:cNvPr id="48" name="Shape 48"/>
+        <p:cNvPr id="1" name="Shape 48"/>
         <p:cNvGrpSpPr/>
         <p:nvPr/>
       </p:nvGrpSpPr>
@@ -2440,9 +2523,11 @@
       <p:sp>
         <p:nvSpPr>
           <p:cNvPr id="49" name="Google Shape;49;p12"/>
-          <p:cNvSpPr txBox="1"/>
+          <p:cNvSpPr txBox="1">
+            <a:spLocks noGrp="1"/>
+          </p:cNvSpPr>
           <p:nvPr>
-            <p:ph idx="12" type="sldNum"/>
+            <p:ph type="sldNum" idx="12"/>
           </p:nvPr>
         </p:nvSpPr>
         <p:spPr>
@@ -2455,7 +2540,7 @@
           </a:prstGeom>
         </p:spPr>
         <p:txBody>
-          <a:bodyPr anchorCtr="0" anchor="ctr" bIns="91425" lIns="91425" spcFirstLastPara="1" rIns="91425" wrap="square" tIns="91425">
+          <a:bodyPr spcFirstLastPara="1" wrap="square" lIns="91425" tIns="91425" rIns="91425" bIns="91425" anchor="ctr" anchorCtr="0">
             <a:noAutofit/>
           </a:bodyPr>
           <a:lstStyle>
@@ -2497,7 +2582,7 @@
             </a:lvl9pPr>
           </a:lstStyle>
           <a:p>
-            <a:pPr indent="0" lvl="0" marL="0" rtl="0" algn="r">
+            <a:pPr marL="0" lvl="0" indent="0" algn="r" rtl="0">
               <a:spcBef>
                 <a:spcPts val="0"/>
               </a:spcBef>
@@ -2523,11 +2608,11 @@
 </file>
 
 <file path=ppt/slideLayouts/slideLayout2.xml><?xml version="1.0" encoding="utf-8"?>
-<p:sldLayout xmlns:a="http://schemas.openxmlformats.org/drawingml/2006/main" xmlns:r="http://schemas.openxmlformats.org/officeDocument/2006/relationships" xmlns:mc="http://schemas.openxmlformats.org/markup-compatibility/2006" xmlns:mv="urn:schemas-microsoft-com:mac:vml" xmlns:p="http://schemas.openxmlformats.org/presentationml/2006/main" xmlns:c="http://schemas.openxmlformats.org/drawingml/2006/chart" xmlns:dgm="http://schemas.openxmlformats.org/drawingml/2006/diagram" xmlns:o="urn:schemas-microsoft-com:office:office" xmlns:v="urn:schemas-microsoft-com:vml" xmlns:pvml="urn:schemas-microsoft-com:office:powerpoint" xmlns:com="http://schemas.openxmlformats.org/drawingml/2006/compatibility" xmlns:p14="http://schemas.microsoft.com/office/powerpoint/2010/main" xmlns:p15="http://schemas.microsoft.com/office/powerpoint/2012/main" xmlns:ahyp="http://schemas.microsoft.com/office/drawing/2018/hyperlinkcolor" matchingName="Section header" type="secHead">
+<p:sldLayout xmlns:a="http://schemas.openxmlformats.org/drawingml/2006/main" xmlns:r="http://schemas.openxmlformats.org/officeDocument/2006/relationships" xmlns:p="http://schemas.openxmlformats.org/presentationml/2006/main" matchingName="Section header" type="secHead">
   <p:cSld name="SECTION_HEADER">
     <p:spTree>
       <p:nvGrpSpPr>
-        <p:cNvPr id="13" name="Shape 13"/>
+        <p:cNvPr id="1" name="Shape 13"/>
         <p:cNvGrpSpPr/>
         <p:nvPr/>
       </p:nvGrpSpPr>
@@ -2542,7 +2627,9 @@
       <p:sp>
         <p:nvSpPr>
           <p:cNvPr id="14" name="Google Shape;14;p3"/>
-          <p:cNvSpPr txBox="1"/>
+          <p:cNvSpPr txBox="1">
+            <a:spLocks noGrp="1"/>
+          </p:cNvSpPr>
           <p:nvPr>
             <p:ph type="title"/>
           </p:nvPr>
@@ -2557,7 +2644,7 @@
           </a:prstGeom>
         </p:spPr>
         <p:txBody>
-          <a:bodyPr anchorCtr="0" anchor="ctr" bIns="91425" lIns="91425" spcFirstLastPara="1" rIns="91425" wrap="square" tIns="91425">
+          <a:bodyPr spcFirstLastPara="1" wrap="square" lIns="91425" tIns="91425" rIns="91425" bIns="91425" anchor="ctr" anchorCtr="0">
             <a:noAutofit/>
           </a:bodyPr>
           <a:lstStyle>
@@ -2661,15 +2748,19 @@
               <a:defRPr sz="3600"/>
             </a:lvl9pPr>
           </a:lstStyle>
-          <a:p/>
+          <a:p>
+            <a:endParaRPr/>
+          </a:p>
         </p:txBody>
       </p:sp>
       <p:sp>
         <p:nvSpPr>
           <p:cNvPr id="15" name="Google Shape;15;p3"/>
-          <p:cNvSpPr txBox="1"/>
+          <p:cNvSpPr txBox="1">
+            <a:spLocks noGrp="1"/>
+          </p:cNvSpPr>
           <p:nvPr>
-            <p:ph idx="12" type="sldNum"/>
+            <p:ph type="sldNum" idx="12"/>
           </p:nvPr>
         </p:nvSpPr>
         <p:spPr>
@@ -2682,7 +2773,7 @@
           </a:prstGeom>
         </p:spPr>
         <p:txBody>
-          <a:bodyPr anchorCtr="0" anchor="ctr" bIns="91425" lIns="91425" spcFirstLastPara="1" rIns="91425" wrap="square" tIns="91425">
+          <a:bodyPr spcFirstLastPara="1" wrap="square" lIns="91425" tIns="91425" rIns="91425" bIns="91425" anchor="ctr" anchorCtr="0">
             <a:noAutofit/>
           </a:bodyPr>
           <a:lstStyle>
@@ -2724,7 +2815,7 @@
             </a:lvl9pPr>
           </a:lstStyle>
           <a:p>
-            <a:pPr indent="0" lvl="0" marL="0" rtl="0" algn="r">
+            <a:pPr marL="0" lvl="0" indent="0" algn="r" rtl="0">
               <a:spcBef>
                 <a:spcPts val="0"/>
               </a:spcBef>
@@ -2750,11 +2841,11 @@
 </file>
 
 <file path=ppt/slideLayouts/slideLayout3.xml><?xml version="1.0" encoding="utf-8"?>
-<p:sldLayout xmlns:a="http://schemas.openxmlformats.org/drawingml/2006/main" xmlns:r="http://schemas.openxmlformats.org/officeDocument/2006/relationships" xmlns:mc="http://schemas.openxmlformats.org/markup-compatibility/2006" xmlns:mv="urn:schemas-microsoft-com:mac:vml" xmlns:p="http://schemas.openxmlformats.org/presentationml/2006/main" xmlns:c="http://schemas.openxmlformats.org/drawingml/2006/chart" xmlns:dgm="http://schemas.openxmlformats.org/drawingml/2006/diagram" xmlns:o="urn:schemas-microsoft-com:office:office" xmlns:v="urn:schemas-microsoft-com:vml" xmlns:pvml="urn:schemas-microsoft-com:office:powerpoint" xmlns:com="http://schemas.openxmlformats.org/drawingml/2006/compatibility" xmlns:p14="http://schemas.microsoft.com/office/powerpoint/2010/main" xmlns:p15="http://schemas.microsoft.com/office/powerpoint/2012/main" xmlns:ahyp="http://schemas.microsoft.com/office/drawing/2018/hyperlinkcolor" matchingName="Title and body" type="tx">
+<p:sldLayout xmlns:a="http://schemas.openxmlformats.org/drawingml/2006/main" xmlns:r="http://schemas.openxmlformats.org/officeDocument/2006/relationships" xmlns:p="http://schemas.openxmlformats.org/presentationml/2006/main" matchingName="Title and body" type="tx">
   <p:cSld name="TITLE_AND_BODY">
     <p:spTree>
       <p:nvGrpSpPr>
-        <p:cNvPr id="16" name="Shape 16"/>
+        <p:cNvPr id="1" name="Shape 16"/>
         <p:cNvGrpSpPr/>
         <p:nvPr/>
       </p:nvGrpSpPr>
@@ -2769,7 +2860,9 @@
       <p:sp>
         <p:nvSpPr>
           <p:cNvPr id="17" name="Google Shape;17;p4"/>
-          <p:cNvSpPr txBox="1"/>
+          <p:cNvSpPr txBox="1">
+            <a:spLocks noGrp="1"/>
+          </p:cNvSpPr>
           <p:nvPr>
             <p:ph type="title"/>
           </p:nvPr>
@@ -2784,7 +2877,7 @@
           </a:prstGeom>
         </p:spPr>
         <p:txBody>
-          <a:bodyPr anchorCtr="0" anchor="t" bIns="91425" lIns="91425" spcFirstLastPara="1" rIns="91425" wrap="square" tIns="91425">
+          <a:bodyPr spcFirstLastPara="1" wrap="square" lIns="91425" tIns="91425" rIns="91425" bIns="91425" anchor="t" anchorCtr="0">
             <a:noAutofit/>
           </a:bodyPr>
           <a:lstStyle>
@@ -2888,15 +2981,19 @@
               <a:defRPr/>
             </a:lvl9pPr>
           </a:lstStyle>
-          <a:p/>
+          <a:p>
+            <a:endParaRPr/>
+          </a:p>
         </p:txBody>
       </p:sp>
       <p:sp>
         <p:nvSpPr>
           <p:cNvPr id="18" name="Google Shape;18;p4"/>
-          <p:cNvSpPr txBox="1"/>
+          <p:cNvSpPr txBox="1">
+            <a:spLocks noGrp="1"/>
+          </p:cNvSpPr>
           <p:nvPr>
-            <p:ph idx="1" type="body"/>
+            <p:ph type="body" idx="1"/>
           </p:nvPr>
         </p:nvSpPr>
         <p:spPr>
@@ -2909,11 +3006,11 @@
           </a:prstGeom>
         </p:spPr>
         <p:txBody>
-          <a:bodyPr anchorCtr="0" anchor="t" bIns="91425" lIns="91425" spcFirstLastPara="1" rIns="91425" wrap="square" tIns="91425">
+          <a:bodyPr spcFirstLastPara="1" wrap="square" lIns="91425" tIns="91425" rIns="91425" bIns="91425" anchor="t" anchorCtr="0">
             <a:noAutofit/>
           </a:bodyPr>
           <a:lstStyle>
-            <a:lvl1pPr indent="-342900" lvl="0" marL="457200">
+            <a:lvl1pPr marL="457200" lvl="0" indent="-342900">
               <a:spcBef>
                 <a:spcPts val="0"/>
               </a:spcBef>
@@ -2924,7 +3021,7 @@
               <a:buChar char="●"/>
               <a:defRPr/>
             </a:lvl1pPr>
-            <a:lvl2pPr indent="-317500" lvl="1" marL="914400">
+            <a:lvl2pPr marL="914400" lvl="1" indent="-317500">
               <a:spcBef>
                 <a:spcPts val="1600"/>
               </a:spcBef>
@@ -2935,7 +3032,7 @@
               <a:buChar char="○"/>
               <a:defRPr/>
             </a:lvl2pPr>
-            <a:lvl3pPr indent="-317500" lvl="2" marL="1371600">
+            <a:lvl3pPr marL="1371600" lvl="2" indent="-317500">
               <a:spcBef>
                 <a:spcPts val="1600"/>
               </a:spcBef>
@@ -2946,7 +3043,7 @@
               <a:buChar char="■"/>
               <a:defRPr/>
             </a:lvl3pPr>
-            <a:lvl4pPr indent="-317500" lvl="3" marL="1828800">
+            <a:lvl4pPr marL="1828800" lvl="3" indent="-317500">
               <a:spcBef>
                 <a:spcPts val="1600"/>
               </a:spcBef>
@@ -2957,7 +3054,7 @@
               <a:buChar char="●"/>
               <a:defRPr/>
             </a:lvl4pPr>
-            <a:lvl5pPr indent="-317500" lvl="4" marL="2286000">
+            <a:lvl5pPr marL="2286000" lvl="4" indent="-317500">
               <a:spcBef>
                 <a:spcPts val="1600"/>
               </a:spcBef>
@@ -2968,7 +3065,7 @@
               <a:buChar char="○"/>
               <a:defRPr/>
             </a:lvl5pPr>
-            <a:lvl6pPr indent="-317500" lvl="5" marL="2743200">
+            <a:lvl6pPr marL="2743200" lvl="5" indent="-317500">
               <a:spcBef>
                 <a:spcPts val="1600"/>
               </a:spcBef>
@@ -2979,7 +3076,7 @@
               <a:buChar char="■"/>
               <a:defRPr/>
             </a:lvl6pPr>
-            <a:lvl7pPr indent="-317500" lvl="6" marL="3200400">
+            <a:lvl7pPr marL="3200400" lvl="6" indent="-317500">
               <a:spcBef>
                 <a:spcPts val="1600"/>
               </a:spcBef>
@@ -2990,7 +3087,7 @@
               <a:buChar char="●"/>
               <a:defRPr/>
             </a:lvl7pPr>
-            <a:lvl8pPr indent="-317500" lvl="7" marL="3657600">
+            <a:lvl8pPr marL="3657600" lvl="7" indent="-317500">
               <a:spcBef>
                 <a:spcPts val="1600"/>
               </a:spcBef>
@@ -3001,7 +3098,7 @@
               <a:buChar char="○"/>
               <a:defRPr/>
             </a:lvl8pPr>
-            <a:lvl9pPr indent="-317500" lvl="8" marL="4114800">
+            <a:lvl9pPr marL="4114800" lvl="8" indent="-317500">
               <a:spcBef>
                 <a:spcPts val="1600"/>
               </a:spcBef>
@@ -3013,15 +3110,19 @@
               <a:defRPr/>
             </a:lvl9pPr>
           </a:lstStyle>
-          <a:p/>
+          <a:p>
+            <a:endParaRPr/>
+          </a:p>
         </p:txBody>
       </p:sp>
       <p:sp>
         <p:nvSpPr>
           <p:cNvPr id="19" name="Google Shape;19;p4"/>
-          <p:cNvSpPr txBox="1"/>
+          <p:cNvSpPr txBox="1">
+            <a:spLocks noGrp="1"/>
+          </p:cNvSpPr>
           <p:nvPr>
-            <p:ph idx="12" type="sldNum"/>
+            <p:ph type="sldNum" idx="12"/>
           </p:nvPr>
         </p:nvSpPr>
         <p:spPr>
@@ -3034,7 +3135,7 @@
           </a:prstGeom>
         </p:spPr>
         <p:txBody>
-          <a:bodyPr anchorCtr="0" anchor="ctr" bIns="91425" lIns="91425" spcFirstLastPara="1" rIns="91425" wrap="square" tIns="91425">
+          <a:bodyPr spcFirstLastPara="1" wrap="square" lIns="91425" tIns="91425" rIns="91425" bIns="91425" anchor="ctr" anchorCtr="0">
             <a:noAutofit/>
           </a:bodyPr>
           <a:lstStyle>
@@ -3076,7 +3177,7 @@
             </a:lvl9pPr>
           </a:lstStyle>
           <a:p>
-            <a:pPr indent="0" lvl="0" marL="0" rtl="0" algn="r">
+            <a:pPr marL="0" lvl="0" indent="0" algn="r" rtl="0">
               <a:spcBef>
                 <a:spcPts val="0"/>
               </a:spcBef>
@@ -3102,11 +3203,11 @@
 </file>
 
 <file path=ppt/slideLayouts/slideLayout4.xml><?xml version="1.0" encoding="utf-8"?>
-<p:sldLayout xmlns:a="http://schemas.openxmlformats.org/drawingml/2006/main" xmlns:r="http://schemas.openxmlformats.org/officeDocument/2006/relationships" xmlns:mc="http://schemas.openxmlformats.org/markup-compatibility/2006" xmlns:mv="urn:schemas-microsoft-com:mac:vml" xmlns:p="http://schemas.openxmlformats.org/presentationml/2006/main" xmlns:c="http://schemas.openxmlformats.org/drawingml/2006/chart" xmlns:dgm="http://schemas.openxmlformats.org/drawingml/2006/diagram" xmlns:o="urn:schemas-microsoft-com:office:office" xmlns:v="urn:schemas-microsoft-com:vml" xmlns:pvml="urn:schemas-microsoft-com:office:powerpoint" xmlns:com="http://schemas.openxmlformats.org/drawingml/2006/compatibility" xmlns:p14="http://schemas.microsoft.com/office/powerpoint/2010/main" xmlns:p15="http://schemas.microsoft.com/office/powerpoint/2012/main" xmlns:ahyp="http://schemas.microsoft.com/office/drawing/2018/hyperlinkcolor" matchingName="Title and two columns" type="twoColTx">
+<p:sldLayout xmlns:a="http://schemas.openxmlformats.org/drawingml/2006/main" xmlns:r="http://schemas.openxmlformats.org/officeDocument/2006/relationships" xmlns:p="http://schemas.openxmlformats.org/presentationml/2006/main" matchingName="Title and two columns" type="twoColTx">
   <p:cSld name="TITLE_AND_TWO_COLUMNS">
     <p:spTree>
       <p:nvGrpSpPr>
-        <p:cNvPr id="20" name="Shape 20"/>
+        <p:cNvPr id="1" name="Shape 20"/>
         <p:cNvGrpSpPr/>
         <p:nvPr/>
       </p:nvGrpSpPr>
@@ -3121,7 +3222,9 @@
       <p:sp>
         <p:nvSpPr>
           <p:cNvPr id="21" name="Google Shape;21;p5"/>
-          <p:cNvSpPr txBox="1"/>
+          <p:cNvSpPr txBox="1">
+            <a:spLocks noGrp="1"/>
+          </p:cNvSpPr>
           <p:nvPr>
             <p:ph type="title"/>
           </p:nvPr>
@@ -3136,7 +3239,7 @@
           </a:prstGeom>
         </p:spPr>
         <p:txBody>
-          <a:bodyPr anchorCtr="0" anchor="t" bIns="91425" lIns="91425" spcFirstLastPara="1" rIns="91425" wrap="square" tIns="91425">
+          <a:bodyPr spcFirstLastPara="1" wrap="square" lIns="91425" tIns="91425" rIns="91425" bIns="91425" anchor="t" anchorCtr="0">
             <a:noAutofit/>
           </a:bodyPr>
           <a:lstStyle>
@@ -3240,15 +3343,19 @@
               <a:defRPr/>
             </a:lvl9pPr>
           </a:lstStyle>
-          <a:p/>
+          <a:p>
+            <a:endParaRPr/>
+          </a:p>
         </p:txBody>
       </p:sp>
       <p:sp>
         <p:nvSpPr>
           <p:cNvPr id="22" name="Google Shape;22;p5"/>
-          <p:cNvSpPr txBox="1"/>
+          <p:cNvSpPr txBox="1">
+            <a:spLocks noGrp="1"/>
+          </p:cNvSpPr>
           <p:nvPr>
-            <p:ph idx="1" type="body"/>
+            <p:ph type="body" idx="1"/>
           </p:nvPr>
         </p:nvSpPr>
         <p:spPr>
@@ -3261,11 +3368,11 @@
           </a:prstGeom>
         </p:spPr>
         <p:txBody>
-          <a:bodyPr anchorCtr="0" anchor="t" bIns="91425" lIns="91425" spcFirstLastPara="1" rIns="91425" wrap="square" tIns="91425">
+          <a:bodyPr spcFirstLastPara="1" wrap="square" lIns="91425" tIns="91425" rIns="91425" bIns="91425" anchor="t" anchorCtr="0">
             <a:noAutofit/>
           </a:bodyPr>
           <a:lstStyle>
-            <a:lvl1pPr indent="-317500" lvl="0" marL="457200">
+            <a:lvl1pPr marL="457200" lvl="0" indent="-317500">
               <a:spcBef>
                 <a:spcPts val="0"/>
               </a:spcBef>
@@ -3276,7 +3383,7 @@
               <a:buChar char="●"/>
               <a:defRPr sz="1400"/>
             </a:lvl1pPr>
-            <a:lvl2pPr indent="-304800" lvl="1" marL="914400">
+            <a:lvl2pPr marL="914400" lvl="1" indent="-304800">
               <a:spcBef>
                 <a:spcPts val="1600"/>
               </a:spcBef>
@@ -3287,7 +3394,7 @@
               <a:buChar char="○"/>
               <a:defRPr sz="1200"/>
             </a:lvl2pPr>
-            <a:lvl3pPr indent="-304800" lvl="2" marL="1371600">
+            <a:lvl3pPr marL="1371600" lvl="2" indent="-304800">
               <a:spcBef>
                 <a:spcPts val="1600"/>
               </a:spcBef>
@@ -3298,7 +3405,7 @@
               <a:buChar char="■"/>
               <a:defRPr sz="1200"/>
             </a:lvl3pPr>
-            <a:lvl4pPr indent="-304800" lvl="3" marL="1828800">
+            <a:lvl4pPr marL="1828800" lvl="3" indent="-304800">
               <a:spcBef>
                 <a:spcPts val="1600"/>
               </a:spcBef>
@@ -3309,7 +3416,7 @@
               <a:buChar char="●"/>
               <a:defRPr sz="1200"/>
             </a:lvl4pPr>
-            <a:lvl5pPr indent="-304800" lvl="4" marL="2286000">
+            <a:lvl5pPr marL="2286000" lvl="4" indent="-304800">
               <a:spcBef>
                 <a:spcPts val="1600"/>
               </a:spcBef>
@@ -3320,7 +3427,7 @@
               <a:buChar char="○"/>
               <a:defRPr sz="1200"/>
             </a:lvl5pPr>
-            <a:lvl6pPr indent="-304800" lvl="5" marL="2743200">
+            <a:lvl6pPr marL="2743200" lvl="5" indent="-304800">
               <a:spcBef>
                 <a:spcPts val="1600"/>
               </a:spcBef>
@@ -3331,7 +3438,7 @@
               <a:buChar char="■"/>
               <a:defRPr sz="1200"/>
             </a:lvl6pPr>
-            <a:lvl7pPr indent="-304800" lvl="6" marL="3200400">
+            <a:lvl7pPr marL="3200400" lvl="6" indent="-304800">
               <a:spcBef>
                 <a:spcPts val="1600"/>
               </a:spcBef>
@@ -3342,7 +3449,7 @@
               <a:buChar char="●"/>
               <a:defRPr sz="1200"/>
             </a:lvl7pPr>
-            <a:lvl8pPr indent="-304800" lvl="7" marL="3657600">
+            <a:lvl8pPr marL="3657600" lvl="7" indent="-304800">
               <a:spcBef>
                 <a:spcPts val="1600"/>
               </a:spcBef>
@@ -3353,7 +3460,7 @@
               <a:buChar char="○"/>
               <a:defRPr sz="1200"/>
             </a:lvl8pPr>
-            <a:lvl9pPr indent="-304800" lvl="8" marL="4114800">
+            <a:lvl9pPr marL="4114800" lvl="8" indent="-304800">
               <a:spcBef>
                 <a:spcPts val="1600"/>
               </a:spcBef>
@@ -3365,15 +3472,19 @@
               <a:defRPr sz="1200"/>
             </a:lvl9pPr>
           </a:lstStyle>
-          <a:p/>
+          <a:p>
+            <a:endParaRPr/>
+          </a:p>
         </p:txBody>
       </p:sp>
       <p:sp>
         <p:nvSpPr>
           <p:cNvPr id="23" name="Google Shape;23;p5"/>
-          <p:cNvSpPr txBox="1"/>
+          <p:cNvSpPr txBox="1">
+            <a:spLocks noGrp="1"/>
+          </p:cNvSpPr>
           <p:nvPr>
-            <p:ph idx="2" type="body"/>
+            <p:ph type="body" idx="2"/>
           </p:nvPr>
         </p:nvSpPr>
         <p:spPr>
@@ -3386,11 +3497,11 @@
           </a:prstGeom>
         </p:spPr>
         <p:txBody>
-          <a:bodyPr anchorCtr="0" anchor="t" bIns="91425" lIns="91425" spcFirstLastPara="1" rIns="91425" wrap="square" tIns="91425">
+          <a:bodyPr spcFirstLastPara="1" wrap="square" lIns="91425" tIns="91425" rIns="91425" bIns="91425" anchor="t" anchorCtr="0">
             <a:noAutofit/>
           </a:bodyPr>
           <a:lstStyle>
-            <a:lvl1pPr indent="-317500" lvl="0" marL="457200">
+            <a:lvl1pPr marL="457200" lvl="0" indent="-317500">
               <a:spcBef>
                 <a:spcPts val="0"/>
               </a:spcBef>
@@ -3401,7 +3512,7 @@
               <a:buChar char="●"/>
               <a:defRPr sz="1400"/>
             </a:lvl1pPr>
-            <a:lvl2pPr indent="-304800" lvl="1" marL="914400">
+            <a:lvl2pPr marL="914400" lvl="1" indent="-304800">
               <a:spcBef>
                 <a:spcPts val="1600"/>
               </a:spcBef>
@@ -3412,7 +3523,7 @@
               <a:buChar char="○"/>
               <a:defRPr sz="1200"/>
             </a:lvl2pPr>
-            <a:lvl3pPr indent="-304800" lvl="2" marL="1371600">
+            <a:lvl3pPr marL="1371600" lvl="2" indent="-304800">
               <a:spcBef>
                 <a:spcPts val="1600"/>
               </a:spcBef>
@@ -3423,7 +3534,7 @@
               <a:buChar char="■"/>
               <a:defRPr sz="1200"/>
             </a:lvl3pPr>
-            <a:lvl4pPr indent="-304800" lvl="3" marL="1828800">
+            <a:lvl4pPr marL="1828800" lvl="3" indent="-304800">
               <a:spcBef>
                 <a:spcPts val="1600"/>
               </a:spcBef>
@@ -3434,7 +3545,7 @@
               <a:buChar char="●"/>
               <a:defRPr sz="1200"/>
             </a:lvl4pPr>
-            <a:lvl5pPr indent="-304800" lvl="4" marL="2286000">
+            <a:lvl5pPr marL="2286000" lvl="4" indent="-304800">
               <a:spcBef>
                 <a:spcPts val="1600"/>
               </a:spcBef>
@@ -3445,7 +3556,7 @@
               <a:buChar char="○"/>
               <a:defRPr sz="1200"/>
             </a:lvl5pPr>
-            <a:lvl6pPr indent="-304800" lvl="5" marL="2743200">
+            <a:lvl6pPr marL="2743200" lvl="5" indent="-304800">
               <a:spcBef>
                 <a:spcPts val="1600"/>
               </a:spcBef>
@@ -3456,7 +3567,7 @@
               <a:buChar char="■"/>
               <a:defRPr sz="1200"/>
             </a:lvl6pPr>
-            <a:lvl7pPr indent="-304800" lvl="6" marL="3200400">
+            <a:lvl7pPr marL="3200400" lvl="6" indent="-304800">
               <a:spcBef>
                 <a:spcPts val="1600"/>
               </a:spcBef>
@@ -3467,7 +3578,7 @@
               <a:buChar char="●"/>
               <a:defRPr sz="1200"/>
             </a:lvl7pPr>
-            <a:lvl8pPr indent="-304800" lvl="7" marL="3657600">
+            <a:lvl8pPr marL="3657600" lvl="7" indent="-304800">
               <a:spcBef>
                 <a:spcPts val="1600"/>
               </a:spcBef>
@@ -3478,7 +3589,7 @@
               <a:buChar char="○"/>
               <a:defRPr sz="1200"/>
             </a:lvl8pPr>
-            <a:lvl9pPr indent="-304800" lvl="8" marL="4114800">
+            <a:lvl9pPr marL="4114800" lvl="8" indent="-304800">
               <a:spcBef>
                 <a:spcPts val="1600"/>
               </a:spcBef>
@@ -3490,15 +3601,19 @@
               <a:defRPr sz="1200"/>
             </a:lvl9pPr>
           </a:lstStyle>
-          <a:p/>
+          <a:p>
+            <a:endParaRPr/>
+          </a:p>
         </p:txBody>
       </p:sp>
       <p:sp>
         <p:nvSpPr>
           <p:cNvPr id="24" name="Google Shape;24;p5"/>
-          <p:cNvSpPr txBox="1"/>
+          <p:cNvSpPr txBox="1">
+            <a:spLocks noGrp="1"/>
+          </p:cNvSpPr>
           <p:nvPr>
-            <p:ph idx="12" type="sldNum"/>
+            <p:ph type="sldNum" idx="12"/>
           </p:nvPr>
         </p:nvSpPr>
         <p:spPr>
@@ -3511,7 +3626,7 @@
           </a:prstGeom>
         </p:spPr>
         <p:txBody>
-          <a:bodyPr anchorCtr="0" anchor="ctr" bIns="91425" lIns="91425" spcFirstLastPara="1" rIns="91425" wrap="square" tIns="91425">
+          <a:bodyPr spcFirstLastPara="1" wrap="square" lIns="91425" tIns="91425" rIns="91425" bIns="91425" anchor="ctr" anchorCtr="0">
             <a:noAutofit/>
           </a:bodyPr>
           <a:lstStyle>
@@ -3553,7 +3668,7 @@
             </a:lvl9pPr>
           </a:lstStyle>
           <a:p>
-            <a:pPr indent="0" lvl="0" marL="0" rtl="0" algn="r">
+            <a:pPr marL="0" lvl="0" indent="0" algn="r" rtl="0">
               <a:spcBef>
                 <a:spcPts val="0"/>
               </a:spcBef>
@@ -3579,11 +3694,11 @@
 </file>
 
 <file path=ppt/slideLayouts/slideLayout5.xml><?xml version="1.0" encoding="utf-8"?>
-<p:sldLayout xmlns:a="http://schemas.openxmlformats.org/drawingml/2006/main" xmlns:r="http://schemas.openxmlformats.org/officeDocument/2006/relationships" xmlns:mc="http://schemas.openxmlformats.org/markup-compatibility/2006" xmlns:mv="urn:schemas-microsoft-com:mac:vml" xmlns:p="http://schemas.openxmlformats.org/presentationml/2006/main" xmlns:c="http://schemas.openxmlformats.org/drawingml/2006/chart" xmlns:dgm="http://schemas.openxmlformats.org/drawingml/2006/diagram" xmlns:o="urn:schemas-microsoft-com:office:office" xmlns:v="urn:schemas-microsoft-com:vml" xmlns:pvml="urn:schemas-microsoft-com:office:powerpoint" xmlns:com="http://schemas.openxmlformats.org/drawingml/2006/compatibility" xmlns:p14="http://schemas.microsoft.com/office/powerpoint/2010/main" xmlns:p15="http://schemas.microsoft.com/office/powerpoint/2012/main" xmlns:ahyp="http://schemas.microsoft.com/office/drawing/2018/hyperlinkcolor" matchingName="Title only" type="titleOnly">
+<p:sldLayout xmlns:a="http://schemas.openxmlformats.org/drawingml/2006/main" xmlns:r="http://schemas.openxmlformats.org/officeDocument/2006/relationships" xmlns:p="http://schemas.openxmlformats.org/presentationml/2006/main" matchingName="Title only" type="titleOnly">
   <p:cSld name="TITLE_ONLY">
     <p:spTree>
       <p:nvGrpSpPr>
-        <p:cNvPr id="25" name="Shape 25"/>
+        <p:cNvPr id="1" name="Shape 25"/>
         <p:cNvGrpSpPr/>
         <p:nvPr/>
       </p:nvGrpSpPr>
@@ -3598,7 +3713,9 @@
       <p:sp>
         <p:nvSpPr>
           <p:cNvPr id="26" name="Google Shape;26;p6"/>
-          <p:cNvSpPr txBox="1"/>
+          <p:cNvSpPr txBox="1">
+            <a:spLocks noGrp="1"/>
+          </p:cNvSpPr>
           <p:nvPr>
             <p:ph type="title"/>
           </p:nvPr>
@@ -3613,7 +3730,7 @@
           </a:prstGeom>
         </p:spPr>
         <p:txBody>
-          <a:bodyPr anchorCtr="0" anchor="t" bIns="91425" lIns="91425" spcFirstLastPara="1" rIns="91425" wrap="square" tIns="91425">
+          <a:bodyPr spcFirstLastPara="1" wrap="square" lIns="91425" tIns="91425" rIns="91425" bIns="91425" anchor="t" anchorCtr="0">
             <a:noAutofit/>
           </a:bodyPr>
           <a:lstStyle>
@@ -3717,15 +3834,19 @@
               <a:defRPr/>
             </a:lvl9pPr>
           </a:lstStyle>
-          <a:p/>
+          <a:p>
+            <a:endParaRPr/>
+          </a:p>
         </p:txBody>
       </p:sp>
       <p:sp>
         <p:nvSpPr>
           <p:cNvPr id="27" name="Google Shape;27;p6"/>
-          <p:cNvSpPr txBox="1"/>
+          <p:cNvSpPr txBox="1">
+            <a:spLocks noGrp="1"/>
+          </p:cNvSpPr>
           <p:nvPr>
-            <p:ph idx="12" type="sldNum"/>
+            <p:ph type="sldNum" idx="12"/>
           </p:nvPr>
         </p:nvSpPr>
         <p:spPr>
@@ -3738,7 +3859,7 @@
           </a:prstGeom>
         </p:spPr>
         <p:txBody>
-          <a:bodyPr anchorCtr="0" anchor="ctr" bIns="91425" lIns="91425" spcFirstLastPara="1" rIns="91425" wrap="square" tIns="91425">
+          <a:bodyPr spcFirstLastPara="1" wrap="square" lIns="91425" tIns="91425" rIns="91425" bIns="91425" anchor="ctr" anchorCtr="0">
             <a:noAutofit/>
           </a:bodyPr>
           <a:lstStyle>
@@ -3780,7 +3901,7 @@
             </a:lvl9pPr>
           </a:lstStyle>
           <a:p>
-            <a:pPr indent="0" lvl="0" marL="0" rtl="0" algn="r">
+            <a:pPr marL="0" lvl="0" indent="0" algn="r" rtl="0">
               <a:spcBef>
                 <a:spcPts val="0"/>
               </a:spcBef>
@@ -3806,11 +3927,11 @@
 </file>
 
 <file path=ppt/slideLayouts/slideLayout6.xml><?xml version="1.0" encoding="utf-8"?>
-<p:sldLayout xmlns:a="http://schemas.openxmlformats.org/drawingml/2006/main" xmlns:r="http://schemas.openxmlformats.org/officeDocument/2006/relationships" xmlns:mc="http://schemas.openxmlformats.org/markup-compatibility/2006" xmlns:mv="urn:schemas-microsoft-com:mac:vml" xmlns:p="http://schemas.openxmlformats.org/presentationml/2006/main" xmlns:c="http://schemas.openxmlformats.org/drawingml/2006/chart" xmlns:dgm="http://schemas.openxmlformats.org/drawingml/2006/diagram" xmlns:o="urn:schemas-microsoft-com:office:office" xmlns:v="urn:schemas-microsoft-com:vml" xmlns:pvml="urn:schemas-microsoft-com:office:powerpoint" xmlns:com="http://schemas.openxmlformats.org/drawingml/2006/compatibility" xmlns:p14="http://schemas.microsoft.com/office/powerpoint/2010/main" xmlns:p15="http://schemas.microsoft.com/office/powerpoint/2012/main" xmlns:ahyp="http://schemas.microsoft.com/office/drawing/2018/hyperlinkcolor" matchingName="One column text">
+<p:sldLayout xmlns:a="http://schemas.openxmlformats.org/drawingml/2006/main" xmlns:r="http://schemas.openxmlformats.org/officeDocument/2006/relationships" xmlns:p="http://schemas.openxmlformats.org/presentationml/2006/main" matchingName="One column text">
   <p:cSld name="ONE_COLUMN_TEXT">
     <p:spTree>
       <p:nvGrpSpPr>
-        <p:cNvPr id="28" name="Shape 28"/>
+        <p:cNvPr id="1" name="Shape 28"/>
         <p:cNvGrpSpPr/>
         <p:nvPr/>
       </p:nvGrpSpPr>
@@ -3825,7 +3946,9 @@
       <p:sp>
         <p:nvSpPr>
           <p:cNvPr id="29" name="Google Shape;29;p7"/>
-          <p:cNvSpPr txBox="1"/>
+          <p:cNvSpPr txBox="1">
+            <a:spLocks noGrp="1"/>
+          </p:cNvSpPr>
           <p:nvPr>
             <p:ph type="title"/>
           </p:nvPr>
@@ -3840,7 +3963,7 @@
           </a:prstGeom>
         </p:spPr>
         <p:txBody>
-          <a:bodyPr anchorCtr="0" anchor="b" bIns="91425" lIns="91425" spcFirstLastPara="1" rIns="91425" wrap="square" tIns="91425">
+          <a:bodyPr spcFirstLastPara="1" wrap="square" lIns="91425" tIns="91425" rIns="91425" bIns="91425" anchor="b" anchorCtr="0">
             <a:noAutofit/>
           </a:bodyPr>
           <a:lstStyle>
@@ -3944,15 +4067,19 @@
               <a:defRPr sz="2400"/>
             </a:lvl9pPr>
           </a:lstStyle>
-          <a:p/>
+          <a:p>
+            <a:endParaRPr/>
+          </a:p>
         </p:txBody>
       </p:sp>
       <p:sp>
         <p:nvSpPr>
           <p:cNvPr id="30" name="Google Shape;30;p7"/>
-          <p:cNvSpPr txBox="1"/>
+          <p:cNvSpPr txBox="1">
+            <a:spLocks noGrp="1"/>
+          </p:cNvSpPr>
           <p:nvPr>
-            <p:ph idx="1" type="body"/>
+            <p:ph type="body" idx="1"/>
           </p:nvPr>
         </p:nvSpPr>
         <p:spPr>
@@ -3965,11 +4092,11 @@
           </a:prstGeom>
         </p:spPr>
         <p:txBody>
-          <a:bodyPr anchorCtr="0" anchor="t" bIns="91425" lIns="91425" spcFirstLastPara="1" rIns="91425" wrap="square" tIns="91425">
+          <a:bodyPr spcFirstLastPara="1" wrap="square" lIns="91425" tIns="91425" rIns="91425" bIns="91425" anchor="t" anchorCtr="0">
             <a:noAutofit/>
           </a:bodyPr>
           <a:lstStyle>
-            <a:lvl1pPr indent="-304800" lvl="0" marL="457200">
+            <a:lvl1pPr marL="457200" lvl="0" indent="-304800">
               <a:spcBef>
                 <a:spcPts val="0"/>
               </a:spcBef>
@@ -3980,7 +4107,7 @@
               <a:buChar char="●"/>
               <a:defRPr sz="1200"/>
             </a:lvl1pPr>
-            <a:lvl2pPr indent="-304800" lvl="1" marL="914400">
+            <a:lvl2pPr marL="914400" lvl="1" indent="-304800">
               <a:spcBef>
                 <a:spcPts val="1600"/>
               </a:spcBef>
@@ -3991,7 +4118,7 @@
               <a:buChar char="○"/>
               <a:defRPr sz="1200"/>
             </a:lvl2pPr>
-            <a:lvl3pPr indent="-304800" lvl="2" marL="1371600">
+            <a:lvl3pPr marL="1371600" lvl="2" indent="-304800">
               <a:spcBef>
                 <a:spcPts val="1600"/>
               </a:spcBef>
@@ -4002,7 +4129,7 @@
               <a:buChar char="■"/>
               <a:defRPr sz="1200"/>
             </a:lvl3pPr>
-            <a:lvl4pPr indent="-304800" lvl="3" marL="1828800">
+            <a:lvl4pPr marL="1828800" lvl="3" indent="-304800">
               <a:spcBef>
                 <a:spcPts val="1600"/>
               </a:spcBef>
@@ -4013,7 +4140,7 @@
               <a:buChar char="●"/>
               <a:defRPr sz="1200"/>
             </a:lvl4pPr>
-            <a:lvl5pPr indent="-304800" lvl="4" marL="2286000">
+            <a:lvl5pPr marL="2286000" lvl="4" indent="-304800">
               <a:spcBef>
                 <a:spcPts val="1600"/>
               </a:spcBef>
@@ -4024,7 +4151,7 @@
               <a:buChar char="○"/>
               <a:defRPr sz="1200"/>
             </a:lvl5pPr>
-            <a:lvl6pPr indent="-304800" lvl="5" marL="2743200">
+            <a:lvl6pPr marL="2743200" lvl="5" indent="-304800">
               <a:spcBef>
                 <a:spcPts val="1600"/>
               </a:spcBef>
@@ -4035,7 +4162,7 @@
               <a:buChar char="■"/>
               <a:defRPr sz="1200"/>
             </a:lvl6pPr>
-            <a:lvl7pPr indent="-304800" lvl="6" marL="3200400">
+            <a:lvl7pPr marL="3200400" lvl="6" indent="-304800">
               <a:spcBef>
                 <a:spcPts val="1600"/>
               </a:spcBef>
@@ -4046,7 +4173,7 @@
               <a:buChar char="●"/>
               <a:defRPr sz="1200"/>
             </a:lvl7pPr>
-            <a:lvl8pPr indent="-304800" lvl="7" marL="3657600">
+            <a:lvl8pPr marL="3657600" lvl="7" indent="-304800">
               <a:spcBef>
                 <a:spcPts val="1600"/>
               </a:spcBef>
@@ -4057,7 +4184,7 @@
               <a:buChar char="○"/>
               <a:defRPr sz="1200"/>
             </a:lvl8pPr>
-            <a:lvl9pPr indent="-304800" lvl="8" marL="4114800">
+            <a:lvl9pPr marL="4114800" lvl="8" indent="-304800">
               <a:spcBef>
                 <a:spcPts val="1600"/>
               </a:spcBef>
@@ -4069,15 +4196,19 @@
               <a:defRPr sz="1200"/>
             </a:lvl9pPr>
           </a:lstStyle>
-          <a:p/>
+          <a:p>
+            <a:endParaRPr/>
+          </a:p>
         </p:txBody>
       </p:sp>
       <p:sp>
         <p:nvSpPr>
           <p:cNvPr id="31" name="Google Shape;31;p7"/>
-          <p:cNvSpPr txBox="1"/>
+          <p:cNvSpPr txBox="1">
+            <a:spLocks noGrp="1"/>
+          </p:cNvSpPr>
           <p:nvPr>
-            <p:ph idx="12" type="sldNum"/>
+            <p:ph type="sldNum" idx="12"/>
           </p:nvPr>
         </p:nvSpPr>
         <p:spPr>
@@ -4090,7 +4221,7 @@
           </a:prstGeom>
         </p:spPr>
         <p:txBody>
-          <a:bodyPr anchorCtr="0" anchor="ctr" bIns="91425" lIns="91425" spcFirstLastPara="1" rIns="91425" wrap="square" tIns="91425">
+          <a:bodyPr spcFirstLastPara="1" wrap="square" lIns="91425" tIns="91425" rIns="91425" bIns="91425" anchor="ctr" anchorCtr="0">
             <a:noAutofit/>
           </a:bodyPr>
           <a:lstStyle>
@@ -4132,7 +4263,7 @@
             </a:lvl9pPr>
           </a:lstStyle>
           <a:p>
-            <a:pPr indent="0" lvl="0" marL="0" rtl="0" algn="r">
+            <a:pPr marL="0" lvl="0" indent="0" algn="r" rtl="0">
               <a:spcBef>
                 <a:spcPts val="0"/>
               </a:spcBef>
@@ -4158,11 +4289,11 @@
 </file>
 
 <file path=ppt/slideLayouts/slideLayout7.xml><?xml version="1.0" encoding="utf-8"?>
-<p:sldLayout xmlns:a="http://schemas.openxmlformats.org/drawingml/2006/main" xmlns:r="http://schemas.openxmlformats.org/officeDocument/2006/relationships" xmlns:mc="http://schemas.openxmlformats.org/markup-compatibility/2006" xmlns:mv="urn:schemas-microsoft-com:mac:vml" xmlns:p="http://schemas.openxmlformats.org/presentationml/2006/main" xmlns:c="http://schemas.openxmlformats.org/drawingml/2006/chart" xmlns:dgm="http://schemas.openxmlformats.org/drawingml/2006/diagram" xmlns:o="urn:schemas-microsoft-com:office:office" xmlns:v="urn:schemas-microsoft-com:vml" xmlns:pvml="urn:schemas-microsoft-com:office:powerpoint" xmlns:com="http://schemas.openxmlformats.org/drawingml/2006/compatibility" xmlns:p14="http://schemas.microsoft.com/office/powerpoint/2010/main" xmlns:p15="http://schemas.microsoft.com/office/powerpoint/2012/main" xmlns:ahyp="http://schemas.microsoft.com/office/drawing/2018/hyperlinkcolor" matchingName="Main point">
+<p:sldLayout xmlns:a="http://schemas.openxmlformats.org/drawingml/2006/main" xmlns:r="http://schemas.openxmlformats.org/officeDocument/2006/relationships" xmlns:p="http://schemas.openxmlformats.org/presentationml/2006/main" matchingName="Main point">
   <p:cSld name="MAIN_POINT">
     <p:spTree>
       <p:nvGrpSpPr>
-        <p:cNvPr id="32" name="Shape 32"/>
+        <p:cNvPr id="1" name="Shape 32"/>
         <p:cNvGrpSpPr/>
         <p:nvPr/>
       </p:nvGrpSpPr>
@@ -4177,7 +4308,9 @@
       <p:sp>
         <p:nvSpPr>
           <p:cNvPr id="33" name="Google Shape;33;p8"/>
-          <p:cNvSpPr txBox="1"/>
+          <p:cNvSpPr txBox="1">
+            <a:spLocks noGrp="1"/>
+          </p:cNvSpPr>
           <p:nvPr>
             <p:ph type="title"/>
           </p:nvPr>
@@ -4192,7 +4325,7 @@
           </a:prstGeom>
         </p:spPr>
         <p:txBody>
-          <a:bodyPr anchorCtr="0" anchor="ctr" bIns="91425" lIns="91425" spcFirstLastPara="1" rIns="91425" wrap="square" tIns="91425">
+          <a:bodyPr spcFirstLastPara="1" wrap="square" lIns="91425" tIns="91425" rIns="91425" bIns="91425" anchor="ctr" anchorCtr="0">
             <a:noAutofit/>
           </a:bodyPr>
           <a:lstStyle>
@@ -4296,15 +4429,19 @@
               <a:defRPr sz="4800"/>
             </a:lvl9pPr>
           </a:lstStyle>
-          <a:p/>
+          <a:p>
+            <a:endParaRPr/>
+          </a:p>
         </p:txBody>
       </p:sp>
       <p:sp>
         <p:nvSpPr>
           <p:cNvPr id="34" name="Google Shape;34;p8"/>
-          <p:cNvSpPr txBox="1"/>
+          <p:cNvSpPr txBox="1">
+            <a:spLocks noGrp="1"/>
+          </p:cNvSpPr>
           <p:nvPr>
-            <p:ph idx="12" type="sldNum"/>
+            <p:ph type="sldNum" idx="12"/>
           </p:nvPr>
         </p:nvSpPr>
         <p:spPr>
@@ -4317,7 +4454,7 @@
           </a:prstGeom>
         </p:spPr>
         <p:txBody>
-          <a:bodyPr anchorCtr="0" anchor="ctr" bIns="91425" lIns="91425" spcFirstLastPara="1" rIns="91425" wrap="square" tIns="91425">
+          <a:bodyPr spcFirstLastPara="1" wrap="square" lIns="91425" tIns="91425" rIns="91425" bIns="91425" anchor="ctr" anchorCtr="0">
             <a:noAutofit/>
           </a:bodyPr>
           <a:lstStyle>
@@ -4359,7 +4496,7 @@
             </a:lvl9pPr>
           </a:lstStyle>
           <a:p>
-            <a:pPr indent="0" lvl="0" marL="0" rtl="0" algn="r">
+            <a:pPr marL="0" lvl="0" indent="0" algn="r" rtl="0">
               <a:spcBef>
                 <a:spcPts val="0"/>
               </a:spcBef>
@@ -4385,11 +4522,11 @@
 </file>
 
 <file path=ppt/slideLayouts/slideLayout8.xml><?xml version="1.0" encoding="utf-8"?>
-<p:sldLayout xmlns:a="http://schemas.openxmlformats.org/drawingml/2006/main" xmlns:r="http://schemas.openxmlformats.org/officeDocument/2006/relationships" xmlns:mc="http://schemas.openxmlformats.org/markup-compatibility/2006" xmlns:mv="urn:schemas-microsoft-com:mac:vml" xmlns:p="http://schemas.openxmlformats.org/presentationml/2006/main" xmlns:c="http://schemas.openxmlformats.org/drawingml/2006/chart" xmlns:dgm="http://schemas.openxmlformats.org/drawingml/2006/diagram" xmlns:o="urn:schemas-microsoft-com:office:office" xmlns:v="urn:schemas-microsoft-com:vml" xmlns:pvml="urn:schemas-microsoft-com:office:powerpoint" xmlns:com="http://schemas.openxmlformats.org/drawingml/2006/compatibility" xmlns:p14="http://schemas.microsoft.com/office/powerpoint/2010/main" xmlns:p15="http://schemas.microsoft.com/office/powerpoint/2012/main" xmlns:ahyp="http://schemas.microsoft.com/office/drawing/2018/hyperlinkcolor" matchingName="Section title and description">
+<p:sldLayout xmlns:a="http://schemas.openxmlformats.org/drawingml/2006/main" xmlns:r="http://schemas.openxmlformats.org/officeDocument/2006/relationships" xmlns:p="http://schemas.openxmlformats.org/presentationml/2006/main" matchingName="Section title and description">
   <p:cSld name="SECTION_TITLE_AND_DESCRIPTION">
     <p:spTree>
       <p:nvGrpSpPr>
-        <p:cNvPr id="35" name="Shape 35"/>
+        <p:cNvPr id="1" name="Shape 35"/>
         <p:cNvGrpSpPr/>
         <p:nvPr/>
       </p:nvGrpSpPr>
@@ -4423,12 +4560,12 @@
           </a:ln>
         </p:spPr>
         <p:txBody>
-          <a:bodyPr anchorCtr="0" anchor="ctr" bIns="91425" lIns="91425" spcFirstLastPara="1" rIns="91425" wrap="square" tIns="91425">
+          <a:bodyPr spcFirstLastPara="1" wrap="square" lIns="91425" tIns="91425" rIns="91425" bIns="91425" anchor="ctr" anchorCtr="0">
             <a:noAutofit/>
           </a:bodyPr>
           <a:lstStyle/>
           <a:p>
-            <a:pPr indent="0" lvl="0" marL="0" rtl="0" algn="l">
+            <a:pPr marL="0" lvl="0" indent="0" algn="l" rtl="0">
               <a:spcBef>
                 <a:spcPts val="0"/>
               </a:spcBef>
@@ -4437,9 +4574,6 @@
               </a:spcAft>
               <a:buNone/>
             </a:pPr>
-            <a:r>
-              <a:t/>
-            </a:r>
             <a:endParaRPr/>
           </a:p>
         </p:txBody>
@@ -4447,7 +4581,9 @@
       <p:sp>
         <p:nvSpPr>
           <p:cNvPr id="37" name="Google Shape;37;p9"/>
-          <p:cNvSpPr txBox="1"/>
+          <p:cNvSpPr txBox="1">
+            <a:spLocks noGrp="1"/>
+          </p:cNvSpPr>
           <p:nvPr>
             <p:ph type="title"/>
           </p:nvPr>
@@ -4462,7 +4598,7 @@
           </a:prstGeom>
         </p:spPr>
         <p:txBody>
-          <a:bodyPr anchorCtr="0" anchor="b" bIns="91425" lIns="91425" spcFirstLastPara="1" rIns="91425" wrap="square" tIns="91425">
+          <a:bodyPr spcFirstLastPara="1" wrap="square" lIns="91425" tIns="91425" rIns="91425" bIns="91425" anchor="b" anchorCtr="0">
             <a:noAutofit/>
           </a:bodyPr>
           <a:lstStyle>
@@ -4566,15 +4702,19 @@
               <a:defRPr sz="4200"/>
             </a:lvl9pPr>
           </a:lstStyle>
-          <a:p/>
+          <a:p>
+            <a:endParaRPr/>
+          </a:p>
         </p:txBody>
       </p:sp>
       <p:sp>
         <p:nvSpPr>
           <p:cNvPr id="38" name="Google Shape;38;p9"/>
-          <p:cNvSpPr txBox="1"/>
+          <p:cNvSpPr txBox="1">
+            <a:spLocks noGrp="1"/>
+          </p:cNvSpPr>
           <p:nvPr>
-            <p:ph idx="1" type="subTitle"/>
+            <p:ph type="subTitle" idx="1"/>
           </p:nvPr>
         </p:nvSpPr>
         <p:spPr>
@@ -4587,7 +4727,7 @@
           </a:prstGeom>
         </p:spPr>
         <p:txBody>
-          <a:bodyPr anchorCtr="0" anchor="t" bIns="91425" lIns="91425" spcFirstLastPara="1" rIns="91425" wrap="square" tIns="91425">
+          <a:bodyPr spcFirstLastPara="1" wrap="square" lIns="91425" tIns="91425" rIns="91425" bIns="91425" anchor="t" anchorCtr="0">
             <a:noAutofit/>
           </a:bodyPr>
           <a:lstStyle>
@@ -4718,15 +4858,19 @@
               <a:defRPr sz="2100"/>
             </a:lvl9pPr>
           </a:lstStyle>
-          <a:p/>
+          <a:p>
+            <a:endParaRPr/>
+          </a:p>
         </p:txBody>
       </p:sp>
       <p:sp>
         <p:nvSpPr>
           <p:cNvPr id="39" name="Google Shape;39;p9"/>
-          <p:cNvSpPr txBox="1"/>
+          <p:cNvSpPr txBox="1">
+            <a:spLocks noGrp="1"/>
+          </p:cNvSpPr>
           <p:nvPr>
-            <p:ph idx="2" type="body"/>
+            <p:ph type="body" idx="2"/>
           </p:nvPr>
         </p:nvSpPr>
         <p:spPr>
@@ -4739,11 +4883,11 @@
           </a:prstGeom>
         </p:spPr>
         <p:txBody>
-          <a:bodyPr anchorCtr="0" anchor="ctr" bIns="91425" lIns="91425" spcFirstLastPara="1" rIns="91425" wrap="square" tIns="91425">
+          <a:bodyPr spcFirstLastPara="1" wrap="square" lIns="91425" tIns="91425" rIns="91425" bIns="91425" anchor="ctr" anchorCtr="0">
             <a:noAutofit/>
           </a:bodyPr>
           <a:lstStyle>
-            <a:lvl1pPr indent="-342900" lvl="0" marL="457200">
+            <a:lvl1pPr marL="457200" lvl="0" indent="-342900">
               <a:spcBef>
                 <a:spcPts val="0"/>
               </a:spcBef>
@@ -4754,7 +4898,7 @@
               <a:buChar char="●"/>
               <a:defRPr/>
             </a:lvl1pPr>
-            <a:lvl2pPr indent="-317500" lvl="1" marL="914400">
+            <a:lvl2pPr marL="914400" lvl="1" indent="-317500">
               <a:spcBef>
                 <a:spcPts val="1600"/>
               </a:spcBef>
@@ -4765,7 +4909,7 @@
               <a:buChar char="○"/>
               <a:defRPr/>
             </a:lvl2pPr>
-            <a:lvl3pPr indent="-317500" lvl="2" marL="1371600">
+            <a:lvl3pPr marL="1371600" lvl="2" indent="-317500">
               <a:spcBef>
                 <a:spcPts val="1600"/>
               </a:spcBef>
@@ -4776,7 +4920,7 @@
               <a:buChar char="■"/>
               <a:defRPr/>
             </a:lvl3pPr>
-            <a:lvl4pPr indent="-317500" lvl="3" marL="1828800">
+            <a:lvl4pPr marL="1828800" lvl="3" indent="-317500">
               <a:spcBef>
                 <a:spcPts val="1600"/>
               </a:spcBef>
@@ -4787,7 +4931,7 @@
               <a:buChar char="●"/>
               <a:defRPr/>
             </a:lvl4pPr>
-            <a:lvl5pPr indent="-317500" lvl="4" marL="2286000">
+            <a:lvl5pPr marL="2286000" lvl="4" indent="-317500">
               <a:spcBef>
                 <a:spcPts val="1600"/>
               </a:spcBef>
@@ -4798,7 +4942,7 @@
               <a:buChar char="○"/>
               <a:defRPr/>
             </a:lvl5pPr>
-            <a:lvl6pPr indent="-317500" lvl="5" marL="2743200">
+            <a:lvl6pPr marL="2743200" lvl="5" indent="-317500">
               <a:spcBef>
                 <a:spcPts val="1600"/>
               </a:spcBef>
@@ -4809,7 +4953,7 @@
               <a:buChar char="■"/>
               <a:defRPr/>
             </a:lvl6pPr>
-            <a:lvl7pPr indent="-317500" lvl="6" marL="3200400">
+            <a:lvl7pPr marL="3200400" lvl="6" indent="-317500">
               <a:spcBef>
                 <a:spcPts val="1600"/>
               </a:spcBef>
@@ -4820,7 +4964,7 @@
               <a:buChar char="●"/>
               <a:defRPr/>
             </a:lvl7pPr>
-            <a:lvl8pPr indent="-317500" lvl="7" marL="3657600">
+            <a:lvl8pPr marL="3657600" lvl="7" indent="-317500">
               <a:spcBef>
                 <a:spcPts val="1600"/>
               </a:spcBef>
@@ -4831,7 +4975,7 @@
               <a:buChar char="○"/>
               <a:defRPr/>
             </a:lvl8pPr>
-            <a:lvl9pPr indent="-317500" lvl="8" marL="4114800">
+            <a:lvl9pPr marL="4114800" lvl="8" indent="-317500">
               <a:spcBef>
                 <a:spcPts val="1600"/>
               </a:spcBef>
@@ -4843,15 +4987,19 @@
               <a:defRPr/>
             </a:lvl9pPr>
           </a:lstStyle>
-          <a:p/>
+          <a:p>
+            <a:endParaRPr/>
+          </a:p>
         </p:txBody>
       </p:sp>
       <p:sp>
         <p:nvSpPr>
           <p:cNvPr id="40" name="Google Shape;40;p9"/>
-          <p:cNvSpPr txBox="1"/>
+          <p:cNvSpPr txBox="1">
+            <a:spLocks noGrp="1"/>
+          </p:cNvSpPr>
           <p:nvPr>
-            <p:ph idx="12" type="sldNum"/>
+            <p:ph type="sldNum" idx="12"/>
           </p:nvPr>
         </p:nvSpPr>
         <p:spPr>
@@ -4864,7 +5012,7 @@
           </a:prstGeom>
         </p:spPr>
         <p:txBody>
-          <a:bodyPr anchorCtr="0" anchor="ctr" bIns="91425" lIns="91425" spcFirstLastPara="1" rIns="91425" wrap="square" tIns="91425">
+          <a:bodyPr spcFirstLastPara="1" wrap="square" lIns="91425" tIns="91425" rIns="91425" bIns="91425" anchor="ctr" anchorCtr="0">
             <a:noAutofit/>
           </a:bodyPr>
           <a:lstStyle>
@@ -4906,7 +5054,7 @@
             </a:lvl9pPr>
           </a:lstStyle>
           <a:p>
-            <a:pPr indent="0" lvl="0" marL="0" rtl="0" algn="r">
+            <a:pPr marL="0" lvl="0" indent="0" algn="r" rtl="0">
               <a:spcBef>
                 <a:spcPts val="0"/>
               </a:spcBef>
@@ -4932,11 +5080,11 @@
 </file>
 
 <file path=ppt/slideLayouts/slideLayout9.xml><?xml version="1.0" encoding="utf-8"?>
-<p:sldLayout xmlns:a="http://schemas.openxmlformats.org/drawingml/2006/main" xmlns:r="http://schemas.openxmlformats.org/officeDocument/2006/relationships" xmlns:mc="http://schemas.openxmlformats.org/markup-compatibility/2006" xmlns:mv="urn:schemas-microsoft-com:mac:vml" xmlns:p="http://schemas.openxmlformats.org/presentationml/2006/main" xmlns:c="http://schemas.openxmlformats.org/drawingml/2006/chart" xmlns:dgm="http://schemas.openxmlformats.org/drawingml/2006/diagram" xmlns:o="urn:schemas-microsoft-com:office:office" xmlns:v="urn:schemas-microsoft-com:vml" xmlns:pvml="urn:schemas-microsoft-com:office:powerpoint" xmlns:com="http://schemas.openxmlformats.org/drawingml/2006/compatibility" xmlns:p14="http://schemas.microsoft.com/office/powerpoint/2010/main" xmlns:p15="http://schemas.microsoft.com/office/powerpoint/2012/main" xmlns:ahyp="http://schemas.microsoft.com/office/drawing/2018/hyperlinkcolor" matchingName="Caption">
+<p:sldLayout xmlns:a="http://schemas.openxmlformats.org/drawingml/2006/main" xmlns:r="http://schemas.openxmlformats.org/officeDocument/2006/relationships" xmlns:p="http://schemas.openxmlformats.org/presentationml/2006/main" matchingName="Caption">
   <p:cSld name="CAPTION_ONLY">
     <p:spTree>
       <p:nvGrpSpPr>
-        <p:cNvPr id="41" name="Shape 41"/>
+        <p:cNvPr id="1" name="Shape 41"/>
         <p:cNvGrpSpPr/>
         <p:nvPr/>
       </p:nvGrpSpPr>
@@ -4951,9 +5099,11 @@
       <p:sp>
         <p:nvSpPr>
           <p:cNvPr id="42" name="Google Shape;42;p10"/>
-          <p:cNvSpPr txBox="1"/>
+          <p:cNvSpPr txBox="1">
+            <a:spLocks noGrp="1"/>
+          </p:cNvSpPr>
           <p:nvPr>
-            <p:ph idx="1" type="body"/>
+            <p:ph type="body" idx="1"/>
           </p:nvPr>
         </p:nvSpPr>
         <p:spPr>
@@ -4966,11 +5116,11 @@
           </a:prstGeom>
         </p:spPr>
         <p:txBody>
-          <a:bodyPr anchorCtr="0" anchor="ctr" bIns="91425" lIns="91425" spcFirstLastPara="1" rIns="91425" wrap="square" tIns="91425">
+          <a:bodyPr spcFirstLastPara="1" wrap="square" lIns="91425" tIns="91425" rIns="91425" bIns="91425" anchor="ctr" anchorCtr="0">
             <a:noAutofit/>
           </a:bodyPr>
           <a:lstStyle>
-            <a:lvl1pPr indent="-228600" lvl="0" marL="457200">
+            <a:lvl1pPr marL="457200" lvl="0" indent="-228600">
               <a:lnSpc>
                 <a:spcPct val="100000"/>
               </a:lnSpc>
@@ -4985,15 +5135,19 @@
               <a:defRPr/>
             </a:lvl1pPr>
           </a:lstStyle>
-          <a:p/>
+          <a:p>
+            <a:endParaRPr/>
+          </a:p>
         </p:txBody>
       </p:sp>
       <p:sp>
         <p:nvSpPr>
           <p:cNvPr id="43" name="Google Shape;43;p10"/>
-          <p:cNvSpPr txBox="1"/>
+          <p:cNvSpPr txBox="1">
+            <a:spLocks noGrp="1"/>
+          </p:cNvSpPr>
           <p:nvPr>
-            <p:ph idx="12" type="sldNum"/>
+            <p:ph type="sldNum" idx="12"/>
           </p:nvPr>
         </p:nvSpPr>
         <p:spPr>
@@ -5006,7 +5160,7 @@
           </a:prstGeom>
         </p:spPr>
         <p:txBody>
-          <a:bodyPr anchorCtr="0" anchor="ctr" bIns="91425" lIns="91425" spcFirstLastPara="1" rIns="91425" wrap="square" tIns="91425">
+          <a:bodyPr spcFirstLastPara="1" wrap="square" lIns="91425" tIns="91425" rIns="91425" bIns="91425" anchor="ctr" anchorCtr="0">
             <a:noAutofit/>
           </a:bodyPr>
           <a:lstStyle>
@@ -5048,7 +5202,7 @@
             </a:lvl9pPr>
           </a:lstStyle>
           <a:p>
-            <a:pPr indent="0" lvl="0" marL="0" rtl="0" algn="r">
+            <a:pPr marL="0" lvl="0" indent="0" algn="r" rtl="0">
               <a:spcBef>
                 <a:spcPts val="0"/>
               </a:spcBef>
@@ -5074,18 +5228,19 @@
 </file>
 
 <file path=ppt/slideMasters/slideMaster1.xml><?xml version="1.0" encoding="utf-8"?>
-<p:sldMaster xmlns:a="http://schemas.openxmlformats.org/drawingml/2006/main" xmlns:r="http://schemas.openxmlformats.org/officeDocument/2006/relationships" xmlns:mc="http://schemas.openxmlformats.org/markup-compatibility/2006" xmlns:mv="urn:schemas-microsoft-com:mac:vml" xmlns:p="http://schemas.openxmlformats.org/presentationml/2006/main" xmlns:c="http://schemas.openxmlformats.org/drawingml/2006/chart" xmlns:dgm="http://schemas.openxmlformats.org/drawingml/2006/diagram" xmlns:o="urn:schemas-microsoft-com:office:office" xmlns:v="urn:schemas-microsoft-com:vml" xmlns:pvml="urn:schemas-microsoft-com:office:powerpoint" xmlns:com="http://schemas.openxmlformats.org/drawingml/2006/compatibility" xmlns:p14="http://schemas.microsoft.com/office/powerpoint/2010/main" xmlns:p15="http://schemas.microsoft.com/office/powerpoint/2012/main" xmlns:ahyp="http://schemas.microsoft.com/office/drawing/2018/hyperlinkcolor">
+<p:sldMaster xmlns:a="http://schemas.openxmlformats.org/drawingml/2006/main" xmlns:r="http://schemas.openxmlformats.org/officeDocument/2006/relationships" xmlns:p="http://schemas.openxmlformats.org/presentationml/2006/main">
   <p:cSld name="simple-light-2">
     <p:bg>
       <p:bgPr>
         <a:solidFill>
           <a:schemeClr val="lt1"/>
         </a:solidFill>
+        <a:effectLst/>
       </p:bgPr>
     </p:bg>
     <p:spTree>
       <p:nvGrpSpPr>
-        <p:cNvPr id="5" name="Shape 5"/>
+        <p:cNvPr id="1" name="Shape 5"/>
         <p:cNvGrpSpPr/>
         <p:nvPr/>
       </p:nvGrpSpPr>
@@ -5100,7 +5255,9 @@
       <p:sp>
         <p:nvSpPr>
           <p:cNvPr id="6" name="Google Shape;6;p1"/>
-          <p:cNvSpPr txBox="1"/>
+          <p:cNvSpPr txBox="1">
+            <a:spLocks noGrp="1"/>
+          </p:cNvSpPr>
           <p:nvPr>
             <p:ph type="title"/>
           </p:nvPr>
@@ -5119,7 +5276,7 @@
           </a:ln>
         </p:spPr>
         <p:txBody>
-          <a:bodyPr anchorCtr="0" anchor="t" bIns="91425" lIns="91425" spcFirstLastPara="1" rIns="91425" wrap="square" tIns="91425">
+          <a:bodyPr spcFirstLastPara="1" wrap="square" lIns="91425" tIns="91425" rIns="91425" bIns="91425" anchor="t" anchorCtr="0">
             <a:noAutofit/>
           </a:bodyPr>
           <a:lstStyle>
@@ -5286,15 +5443,19 @@
               </a:defRPr>
             </a:lvl9pPr>
           </a:lstStyle>
-          <a:p/>
+          <a:p>
+            <a:endParaRPr/>
+          </a:p>
         </p:txBody>
       </p:sp>
       <p:sp>
         <p:nvSpPr>
           <p:cNvPr id="7" name="Google Shape;7;p1"/>
-          <p:cNvSpPr txBox="1"/>
+          <p:cNvSpPr txBox="1">
+            <a:spLocks noGrp="1"/>
+          </p:cNvSpPr>
           <p:nvPr>
-            <p:ph idx="1" type="body"/>
+            <p:ph type="body" idx="1"/>
           </p:nvPr>
         </p:nvSpPr>
         <p:spPr>
@@ -5311,11 +5472,11 @@
           </a:ln>
         </p:spPr>
         <p:txBody>
-          <a:bodyPr anchorCtr="0" anchor="t" bIns="91425" lIns="91425" spcFirstLastPara="1" rIns="91425" wrap="square" tIns="91425">
+          <a:bodyPr spcFirstLastPara="1" wrap="square" lIns="91425" tIns="91425" rIns="91425" bIns="91425" anchor="t" anchorCtr="0">
             <a:noAutofit/>
           </a:bodyPr>
           <a:lstStyle>
-            <a:lvl1pPr indent="-342900" lvl="0" marL="457200">
+            <a:lvl1pPr marL="457200" lvl="0" indent="-342900">
               <a:lnSpc>
                 <a:spcPct val="115000"/>
               </a:lnSpc>
@@ -5336,7 +5497,7 @@
                 </a:solidFill>
               </a:defRPr>
             </a:lvl1pPr>
-            <a:lvl2pPr indent="-317500" lvl="1" marL="914400">
+            <a:lvl2pPr marL="914400" lvl="1" indent="-317500">
               <a:lnSpc>
                 <a:spcPct val="115000"/>
               </a:lnSpc>
@@ -5357,7 +5518,7 @@
                 </a:solidFill>
               </a:defRPr>
             </a:lvl2pPr>
-            <a:lvl3pPr indent="-317500" lvl="2" marL="1371600">
+            <a:lvl3pPr marL="1371600" lvl="2" indent="-317500">
               <a:lnSpc>
                 <a:spcPct val="115000"/>
               </a:lnSpc>
@@ -5378,7 +5539,7 @@
                 </a:solidFill>
               </a:defRPr>
             </a:lvl3pPr>
-            <a:lvl4pPr indent="-317500" lvl="3" marL="1828800">
+            <a:lvl4pPr marL="1828800" lvl="3" indent="-317500">
               <a:lnSpc>
                 <a:spcPct val="115000"/>
               </a:lnSpc>
@@ -5399,7 +5560,7 @@
                 </a:solidFill>
               </a:defRPr>
             </a:lvl4pPr>
-            <a:lvl5pPr indent="-317500" lvl="4" marL="2286000">
+            <a:lvl5pPr marL="2286000" lvl="4" indent="-317500">
               <a:lnSpc>
                 <a:spcPct val="115000"/>
               </a:lnSpc>
@@ -5420,7 +5581,7 @@
                 </a:solidFill>
               </a:defRPr>
             </a:lvl5pPr>
-            <a:lvl6pPr indent="-317500" lvl="5" marL="2743200">
+            <a:lvl6pPr marL="2743200" lvl="5" indent="-317500">
               <a:lnSpc>
                 <a:spcPct val="115000"/>
               </a:lnSpc>
@@ -5441,7 +5602,7 @@
                 </a:solidFill>
               </a:defRPr>
             </a:lvl6pPr>
-            <a:lvl7pPr indent="-317500" lvl="6" marL="3200400">
+            <a:lvl7pPr marL="3200400" lvl="6" indent="-317500">
               <a:lnSpc>
                 <a:spcPct val="115000"/>
               </a:lnSpc>
@@ -5462,7 +5623,7 @@
                 </a:solidFill>
               </a:defRPr>
             </a:lvl7pPr>
-            <a:lvl8pPr indent="-317500" lvl="7" marL="3657600">
+            <a:lvl8pPr marL="3657600" lvl="7" indent="-317500">
               <a:lnSpc>
                 <a:spcPct val="115000"/>
               </a:lnSpc>
@@ -5483,7 +5644,7 @@
                 </a:solidFill>
               </a:defRPr>
             </a:lvl8pPr>
-            <a:lvl9pPr indent="-317500" lvl="8" marL="4114800">
+            <a:lvl9pPr marL="4114800" lvl="8" indent="-317500">
               <a:lnSpc>
                 <a:spcPct val="115000"/>
               </a:lnSpc>
@@ -5505,15 +5666,19 @@
               </a:defRPr>
             </a:lvl9pPr>
           </a:lstStyle>
-          <a:p/>
+          <a:p>
+            <a:endParaRPr/>
+          </a:p>
         </p:txBody>
       </p:sp>
       <p:sp>
         <p:nvSpPr>
           <p:cNvPr id="8" name="Google Shape;8;p1"/>
-          <p:cNvSpPr txBox="1"/>
+          <p:cNvSpPr txBox="1">
+            <a:spLocks noGrp="1"/>
+          </p:cNvSpPr>
           <p:nvPr>
-            <p:ph idx="12" type="sldNum"/>
+            <p:ph type="sldNum" idx="12"/>
           </p:nvPr>
         </p:nvSpPr>
         <p:spPr>
@@ -5530,7 +5695,7 @@
           </a:ln>
         </p:spPr>
         <p:txBody>
-          <a:bodyPr anchorCtr="0" anchor="ctr" bIns="91425" lIns="91425" spcFirstLastPara="1" rIns="91425" wrap="square" tIns="91425">
+          <a:bodyPr spcFirstLastPara="1" wrap="square" lIns="91425" tIns="91425" rIns="91425" bIns="91425" anchor="ctr" anchorCtr="0">
             <a:noAutofit/>
           </a:bodyPr>
           <a:lstStyle>
@@ -5608,7 +5773,7 @@
             </a:lvl9pPr>
           </a:lstStyle>
           <a:p>
-            <a:pPr indent="0" lvl="0" marL="0" rtl="0" algn="r">
+            <a:pPr marL="0" lvl="0" indent="0" algn="r" rtl="0">
               <a:spcBef>
                 <a:spcPts val="0"/>
               </a:spcBef>
@@ -5627,7 +5792,7 @@
       </p:sp>
     </p:spTree>
   </p:cSld>
-  <p:clrMap accent1="accent1" accent2="accent2" accent3="accent3" accent4="accent4" accent5="accent5" accent6="accent6" bg1="lt1" bg2="dk2" tx1="dk1" tx2="lt2" folHlink="folHlink" hlink="hlink"/>
+  <p:clrMap bg1="lt1" tx1="dk1" bg2="dk2" tx2="lt2" accent1="accent1" accent2="accent2" accent3="accent3" accent4="accent4" accent5="accent5" accent6="accent6" hlink="hlink" folHlink="folHlink"/>
   <p:sldLayoutIdLst>
     <p:sldLayoutId id="2147483648" r:id="rId1"/>
     <p:sldLayoutId id="2147483649" r:id="rId2"/>
@@ -5641,10 +5806,10 @@
     <p:sldLayoutId id="2147483657" r:id="rId10"/>
     <p:sldLayoutId id="2147483658" r:id="rId11"/>
   </p:sldLayoutIdLst>
-  <p:hf dt="0" ftr="0" hdr="0" sldNum="0"/>
+  <p:hf sldNum="0" hdr="0" ftr="0" dt="0"/>
   <p:txStyles>
     <p:titleStyle>
-      <a:defPPr lvl="0" marR="0" rtl="0" algn="l">
+      <a:defPPr marR="0" lvl="0" algn="l" rtl="0">
         <a:lnSpc>
           <a:spcPct val="100000"/>
         </a:lnSpc>
@@ -5655,7 +5820,7 @@
           <a:spcPts val="0"/>
         </a:spcAft>
       </a:defPPr>
-      <a:lvl1pPr lvl="0" marR="0" rtl="0" algn="l">
+      <a:lvl1pPr marR="0" lvl="0" algn="l" rtl="0">
         <a:lnSpc>
           <a:spcPct val="100000"/>
         </a:lnSpc>
@@ -5669,7 +5834,7 @@
           <a:srgbClr val="000000"/>
         </a:buClr>
         <a:buFont typeface="Arial"/>
-        <a:defRPr b="0" i="0" sz="1400" u="none" cap="none" strike="noStrike">
+        <a:defRPr sz="1400" b="0" i="0" u="none" strike="noStrike" cap="none">
           <a:solidFill>
             <a:srgbClr val="000000"/>
           </a:solidFill>
@@ -5679,7 +5844,7 @@
           <a:sym typeface="Arial"/>
         </a:defRPr>
       </a:lvl1pPr>
-      <a:lvl2pPr lvl="1" marR="0" rtl="0" algn="l">
+      <a:lvl2pPr marR="0" lvl="1" algn="l" rtl="0">
         <a:lnSpc>
           <a:spcPct val="100000"/>
         </a:lnSpc>
@@ -5693,7 +5858,7 @@
           <a:srgbClr val="000000"/>
         </a:buClr>
         <a:buFont typeface="Arial"/>
-        <a:defRPr b="0" i="0" sz="1400" u="none" cap="none" strike="noStrike">
+        <a:defRPr sz="1400" b="0" i="0" u="none" strike="noStrike" cap="none">
           <a:solidFill>
             <a:srgbClr val="000000"/>
           </a:solidFill>
@@ -5703,7 +5868,7 @@
           <a:sym typeface="Arial"/>
         </a:defRPr>
       </a:lvl2pPr>
-      <a:lvl3pPr lvl="2" marR="0" rtl="0" algn="l">
+      <a:lvl3pPr marR="0" lvl="2" algn="l" rtl="0">
         <a:lnSpc>
           <a:spcPct val="100000"/>
         </a:lnSpc>
@@ -5717,7 +5882,7 @@
           <a:srgbClr val="000000"/>
         </a:buClr>
         <a:buFont typeface="Arial"/>
-        <a:defRPr b="0" i="0" sz="1400" u="none" cap="none" strike="noStrike">
+        <a:defRPr sz="1400" b="0" i="0" u="none" strike="noStrike" cap="none">
           <a:solidFill>
             <a:srgbClr val="000000"/>
           </a:solidFill>
@@ -5727,7 +5892,7 @@
           <a:sym typeface="Arial"/>
         </a:defRPr>
       </a:lvl3pPr>
-      <a:lvl4pPr lvl="3" marR="0" rtl="0" algn="l">
+      <a:lvl4pPr marR="0" lvl="3" algn="l" rtl="0">
         <a:lnSpc>
           <a:spcPct val="100000"/>
         </a:lnSpc>
@@ -5741,7 +5906,7 @@
           <a:srgbClr val="000000"/>
         </a:buClr>
         <a:buFont typeface="Arial"/>
-        <a:defRPr b="0" i="0" sz="1400" u="none" cap="none" strike="noStrike">
+        <a:defRPr sz="1400" b="0" i="0" u="none" strike="noStrike" cap="none">
           <a:solidFill>
             <a:srgbClr val="000000"/>
           </a:solidFill>
@@ -5751,7 +5916,7 @@
           <a:sym typeface="Arial"/>
         </a:defRPr>
       </a:lvl4pPr>
-      <a:lvl5pPr lvl="4" marR="0" rtl="0" algn="l">
+      <a:lvl5pPr marR="0" lvl="4" algn="l" rtl="0">
         <a:lnSpc>
           <a:spcPct val="100000"/>
         </a:lnSpc>
@@ -5765,7 +5930,7 @@
           <a:srgbClr val="000000"/>
         </a:buClr>
         <a:buFont typeface="Arial"/>
-        <a:defRPr b="0" i="0" sz="1400" u="none" cap="none" strike="noStrike">
+        <a:defRPr sz="1400" b="0" i="0" u="none" strike="noStrike" cap="none">
           <a:solidFill>
             <a:srgbClr val="000000"/>
           </a:solidFill>
@@ -5775,7 +5940,7 @@
           <a:sym typeface="Arial"/>
         </a:defRPr>
       </a:lvl5pPr>
-      <a:lvl6pPr lvl="5" marR="0" rtl="0" algn="l">
+      <a:lvl6pPr marR="0" lvl="5" algn="l" rtl="0">
         <a:lnSpc>
           <a:spcPct val="100000"/>
         </a:lnSpc>
@@ -5789,7 +5954,7 @@
           <a:srgbClr val="000000"/>
         </a:buClr>
         <a:buFont typeface="Arial"/>
-        <a:defRPr b="0" i="0" sz="1400" u="none" cap="none" strike="noStrike">
+        <a:defRPr sz="1400" b="0" i="0" u="none" strike="noStrike" cap="none">
           <a:solidFill>
             <a:srgbClr val="000000"/>
           </a:solidFill>
@@ -5799,7 +5964,7 @@
           <a:sym typeface="Arial"/>
         </a:defRPr>
       </a:lvl6pPr>
-      <a:lvl7pPr lvl="6" marR="0" rtl="0" algn="l">
+      <a:lvl7pPr marR="0" lvl="6" algn="l" rtl="0">
         <a:lnSpc>
           <a:spcPct val="100000"/>
         </a:lnSpc>
@@ -5813,7 +5978,7 @@
           <a:srgbClr val="000000"/>
         </a:buClr>
         <a:buFont typeface="Arial"/>
-        <a:defRPr b="0" i="0" sz="1400" u="none" cap="none" strike="noStrike">
+        <a:defRPr sz="1400" b="0" i="0" u="none" strike="noStrike" cap="none">
           <a:solidFill>
             <a:srgbClr val="000000"/>
           </a:solidFill>
@@ -5823,7 +5988,7 @@
           <a:sym typeface="Arial"/>
         </a:defRPr>
       </a:lvl7pPr>
-      <a:lvl8pPr lvl="7" marR="0" rtl="0" algn="l">
+      <a:lvl8pPr marR="0" lvl="7" algn="l" rtl="0">
         <a:lnSpc>
           <a:spcPct val="100000"/>
         </a:lnSpc>
@@ -5837,7 +6002,7 @@
           <a:srgbClr val="000000"/>
         </a:buClr>
         <a:buFont typeface="Arial"/>
-        <a:defRPr b="0" i="0" sz="1400" u="none" cap="none" strike="noStrike">
+        <a:defRPr sz="1400" b="0" i="0" u="none" strike="noStrike" cap="none">
           <a:solidFill>
             <a:srgbClr val="000000"/>
           </a:solidFill>
@@ -5847,7 +6012,7 @@
           <a:sym typeface="Arial"/>
         </a:defRPr>
       </a:lvl8pPr>
-      <a:lvl9pPr lvl="8" marR="0" rtl="0" algn="l">
+      <a:lvl9pPr marR="0" lvl="8" algn="l" rtl="0">
         <a:lnSpc>
           <a:spcPct val="100000"/>
         </a:lnSpc>
@@ -5861,7 +6026,7 @@
           <a:srgbClr val="000000"/>
         </a:buClr>
         <a:buFont typeface="Arial"/>
-        <a:defRPr b="0" i="0" sz="1400" u="none" cap="none" strike="noStrike">
+        <a:defRPr sz="1400" b="0" i="0" u="none" strike="noStrike" cap="none">
           <a:solidFill>
             <a:srgbClr val="000000"/>
           </a:solidFill>
@@ -5873,7 +6038,7 @@
       </a:lvl9pPr>
     </p:titleStyle>
     <p:bodyStyle>
-      <a:defPPr lvl="0" marR="0" rtl="0" algn="l">
+      <a:defPPr marR="0" lvl="0" algn="l" rtl="0">
         <a:lnSpc>
           <a:spcPct val="100000"/>
         </a:lnSpc>
@@ -5884,7 +6049,7 @@
           <a:spcPts val="0"/>
         </a:spcAft>
       </a:defPPr>
-      <a:lvl1pPr lvl="0" marR="0" rtl="0" algn="l">
+      <a:lvl1pPr marR="0" lvl="0" algn="l" rtl="0">
         <a:lnSpc>
           <a:spcPct val="100000"/>
         </a:lnSpc>
@@ -5898,7 +6063,7 @@
           <a:srgbClr val="000000"/>
         </a:buClr>
         <a:buFont typeface="Arial"/>
-        <a:defRPr b="0" i="0" sz="1400" u="none" cap="none" strike="noStrike">
+        <a:defRPr sz="1400" b="0" i="0" u="none" strike="noStrike" cap="none">
           <a:solidFill>
             <a:srgbClr val="000000"/>
           </a:solidFill>
@@ -5908,7 +6073,7 @@
           <a:sym typeface="Arial"/>
         </a:defRPr>
       </a:lvl1pPr>
-      <a:lvl2pPr lvl="1" marR="0" rtl="0" algn="l">
+      <a:lvl2pPr marR="0" lvl="1" algn="l" rtl="0">
         <a:lnSpc>
           <a:spcPct val="100000"/>
         </a:lnSpc>
@@ -5922,7 +6087,7 @@
           <a:srgbClr val="000000"/>
         </a:buClr>
         <a:buFont typeface="Arial"/>
-        <a:defRPr b="0" i="0" sz="1400" u="none" cap="none" strike="noStrike">
+        <a:defRPr sz="1400" b="0" i="0" u="none" strike="noStrike" cap="none">
           <a:solidFill>
             <a:srgbClr val="000000"/>
           </a:solidFill>
@@ -5932,7 +6097,7 @@
           <a:sym typeface="Arial"/>
         </a:defRPr>
       </a:lvl2pPr>
-      <a:lvl3pPr lvl="2" marR="0" rtl="0" algn="l">
+      <a:lvl3pPr marR="0" lvl="2" algn="l" rtl="0">
         <a:lnSpc>
           <a:spcPct val="100000"/>
         </a:lnSpc>
@@ -5946,7 +6111,7 @@
           <a:srgbClr val="000000"/>
         </a:buClr>
         <a:buFont typeface="Arial"/>
-        <a:defRPr b="0" i="0" sz="1400" u="none" cap="none" strike="noStrike">
+        <a:defRPr sz="1400" b="0" i="0" u="none" strike="noStrike" cap="none">
           <a:solidFill>
             <a:srgbClr val="000000"/>
           </a:solidFill>
@@ -5956,7 +6121,7 @@
           <a:sym typeface="Arial"/>
         </a:defRPr>
       </a:lvl3pPr>
-      <a:lvl4pPr lvl="3" marR="0" rtl="0" algn="l">
+      <a:lvl4pPr marR="0" lvl="3" algn="l" rtl="0">
         <a:lnSpc>
           <a:spcPct val="100000"/>
         </a:lnSpc>
@@ -5970,7 +6135,7 @@
           <a:srgbClr val="000000"/>
         </a:buClr>
         <a:buFont typeface="Arial"/>
-        <a:defRPr b="0" i="0" sz="1400" u="none" cap="none" strike="noStrike">
+        <a:defRPr sz="1400" b="0" i="0" u="none" strike="noStrike" cap="none">
           <a:solidFill>
             <a:srgbClr val="000000"/>
           </a:solidFill>
@@ -5980,7 +6145,7 @@
           <a:sym typeface="Arial"/>
         </a:defRPr>
       </a:lvl4pPr>
-      <a:lvl5pPr lvl="4" marR="0" rtl="0" algn="l">
+      <a:lvl5pPr marR="0" lvl="4" algn="l" rtl="0">
         <a:lnSpc>
           <a:spcPct val="100000"/>
         </a:lnSpc>
@@ -5994,7 +6159,7 @@
           <a:srgbClr val="000000"/>
         </a:buClr>
         <a:buFont typeface="Arial"/>
-        <a:defRPr b="0" i="0" sz="1400" u="none" cap="none" strike="noStrike">
+        <a:defRPr sz="1400" b="0" i="0" u="none" strike="noStrike" cap="none">
           <a:solidFill>
             <a:srgbClr val="000000"/>
           </a:solidFill>
@@ -6004,7 +6169,7 @@
           <a:sym typeface="Arial"/>
         </a:defRPr>
       </a:lvl5pPr>
-      <a:lvl6pPr lvl="5" marR="0" rtl="0" algn="l">
+      <a:lvl6pPr marR="0" lvl="5" algn="l" rtl="0">
         <a:lnSpc>
           <a:spcPct val="100000"/>
         </a:lnSpc>
@@ -6018,7 +6183,7 @@
           <a:srgbClr val="000000"/>
         </a:buClr>
         <a:buFont typeface="Arial"/>
-        <a:defRPr b="0" i="0" sz="1400" u="none" cap="none" strike="noStrike">
+        <a:defRPr sz="1400" b="0" i="0" u="none" strike="noStrike" cap="none">
           <a:solidFill>
             <a:srgbClr val="000000"/>
           </a:solidFill>
@@ -6028,7 +6193,7 @@
           <a:sym typeface="Arial"/>
         </a:defRPr>
       </a:lvl6pPr>
-      <a:lvl7pPr lvl="6" marR="0" rtl="0" algn="l">
+      <a:lvl7pPr marR="0" lvl="6" algn="l" rtl="0">
         <a:lnSpc>
           <a:spcPct val="100000"/>
         </a:lnSpc>
@@ -6042,7 +6207,7 @@
           <a:srgbClr val="000000"/>
         </a:buClr>
         <a:buFont typeface="Arial"/>
-        <a:defRPr b="0" i="0" sz="1400" u="none" cap="none" strike="noStrike">
+        <a:defRPr sz="1400" b="0" i="0" u="none" strike="noStrike" cap="none">
           <a:solidFill>
             <a:srgbClr val="000000"/>
           </a:solidFill>
@@ -6052,7 +6217,7 @@
           <a:sym typeface="Arial"/>
         </a:defRPr>
       </a:lvl7pPr>
-      <a:lvl8pPr lvl="7" marR="0" rtl="0" algn="l">
+      <a:lvl8pPr marR="0" lvl="7" algn="l" rtl="0">
         <a:lnSpc>
           <a:spcPct val="100000"/>
         </a:lnSpc>
@@ -6066,7 +6231,7 @@
           <a:srgbClr val="000000"/>
         </a:buClr>
         <a:buFont typeface="Arial"/>
-        <a:defRPr b="0" i="0" sz="1400" u="none" cap="none" strike="noStrike">
+        <a:defRPr sz="1400" b="0" i="0" u="none" strike="noStrike" cap="none">
           <a:solidFill>
             <a:srgbClr val="000000"/>
           </a:solidFill>
@@ -6076,7 +6241,7 @@
           <a:sym typeface="Arial"/>
         </a:defRPr>
       </a:lvl8pPr>
-      <a:lvl9pPr lvl="8" marR="0" rtl="0" algn="l">
+      <a:lvl9pPr marR="0" lvl="8" algn="l" rtl="0">
         <a:lnSpc>
           <a:spcPct val="100000"/>
         </a:lnSpc>
@@ -6090,7 +6255,7 @@
           <a:srgbClr val="000000"/>
         </a:buClr>
         <a:buFont typeface="Arial"/>
-        <a:defRPr b="0" i="0" sz="1400" u="none" cap="none" strike="noStrike">
+        <a:defRPr sz="1400" b="0" i="0" u="none" strike="noStrike" cap="none">
           <a:solidFill>
             <a:srgbClr val="000000"/>
           </a:solidFill>
@@ -6102,7 +6267,7 @@
       </a:lvl9pPr>
     </p:bodyStyle>
     <p:otherStyle>
-      <a:defPPr lvl="0" marR="0" rtl="0" algn="l">
+      <a:defPPr marR="0" lvl="0" algn="l" rtl="0">
         <a:lnSpc>
           <a:spcPct val="100000"/>
         </a:lnSpc>
@@ -6113,7 +6278,7 @@
           <a:spcPts val="0"/>
         </a:spcAft>
       </a:defPPr>
-      <a:lvl1pPr lvl="0" marR="0" rtl="0" algn="l">
+      <a:lvl1pPr marR="0" lvl="0" algn="l" rtl="0">
         <a:lnSpc>
           <a:spcPct val="100000"/>
         </a:lnSpc>
@@ -6127,7 +6292,7 @@
           <a:srgbClr val="000000"/>
         </a:buClr>
         <a:buFont typeface="Arial"/>
-        <a:defRPr b="0" i="0" sz="1400" u="none" cap="none" strike="noStrike">
+        <a:defRPr sz="1400" b="0" i="0" u="none" strike="noStrike" cap="none">
           <a:solidFill>
             <a:srgbClr val="000000"/>
           </a:solidFill>
@@ -6137,7 +6302,7 @@
           <a:sym typeface="Arial"/>
         </a:defRPr>
       </a:lvl1pPr>
-      <a:lvl2pPr lvl="1" marR="0" rtl="0" algn="l">
+      <a:lvl2pPr marR="0" lvl="1" algn="l" rtl="0">
         <a:lnSpc>
           <a:spcPct val="100000"/>
         </a:lnSpc>
@@ -6151,7 +6316,7 @@
           <a:srgbClr val="000000"/>
         </a:buClr>
         <a:buFont typeface="Arial"/>
-        <a:defRPr b="0" i="0" sz="1400" u="none" cap="none" strike="noStrike">
+        <a:defRPr sz="1400" b="0" i="0" u="none" strike="noStrike" cap="none">
           <a:solidFill>
             <a:srgbClr val="000000"/>
           </a:solidFill>
@@ -6161,7 +6326,7 @@
           <a:sym typeface="Arial"/>
         </a:defRPr>
       </a:lvl2pPr>
-      <a:lvl3pPr lvl="2" marR="0" rtl="0" algn="l">
+      <a:lvl3pPr marR="0" lvl="2" algn="l" rtl="0">
         <a:lnSpc>
           <a:spcPct val="100000"/>
         </a:lnSpc>
@@ -6175,7 +6340,7 @@
           <a:srgbClr val="000000"/>
         </a:buClr>
         <a:buFont typeface="Arial"/>
-        <a:defRPr b="0" i="0" sz="1400" u="none" cap="none" strike="noStrike">
+        <a:defRPr sz="1400" b="0" i="0" u="none" strike="noStrike" cap="none">
           <a:solidFill>
             <a:srgbClr val="000000"/>
           </a:solidFill>
@@ -6185,7 +6350,7 @@
           <a:sym typeface="Arial"/>
         </a:defRPr>
       </a:lvl3pPr>
-      <a:lvl4pPr lvl="3" marR="0" rtl="0" algn="l">
+      <a:lvl4pPr marR="0" lvl="3" algn="l" rtl="0">
         <a:lnSpc>
           <a:spcPct val="100000"/>
         </a:lnSpc>
@@ -6199,7 +6364,7 @@
           <a:srgbClr val="000000"/>
         </a:buClr>
         <a:buFont typeface="Arial"/>
-        <a:defRPr b="0" i="0" sz="1400" u="none" cap="none" strike="noStrike">
+        <a:defRPr sz="1400" b="0" i="0" u="none" strike="noStrike" cap="none">
           <a:solidFill>
             <a:srgbClr val="000000"/>
           </a:solidFill>
@@ -6209,7 +6374,7 @@
           <a:sym typeface="Arial"/>
         </a:defRPr>
       </a:lvl4pPr>
-      <a:lvl5pPr lvl="4" marR="0" rtl="0" algn="l">
+      <a:lvl5pPr marR="0" lvl="4" algn="l" rtl="0">
         <a:lnSpc>
           <a:spcPct val="100000"/>
         </a:lnSpc>
@@ -6223,7 +6388,7 @@
           <a:srgbClr val="000000"/>
         </a:buClr>
         <a:buFont typeface="Arial"/>
-        <a:defRPr b="0" i="0" sz="1400" u="none" cap="none" strike="noStrike">
+        <a:defRPr sz="1400" b="0" i="0" u="none" strike="noStrike" cap="none">
           <a:solidFill>
             <a:srgbClr val="000000"/>
           </a:solidFill>
@@ -6233,7 +6398,7 @@
           <a:sym typeface="Arial"/>
         </a:defRPr>
       </a:lvl5pPr>
-      <a:lvl6pPr lvl="5" marR="0" rtl="0" algn="l">
+      <a:lvl6pPr marR="0" lvl="5" algn="l" rtl="0">
         <a:lnSpc>
           <a:spcPct val="100000"/>
         </a:lnSpc>
@@ -6247,7 +6412,7 @@
           <a:srgbClr val="000000"/>
         </a:buClr>
         <a:buFont typeface="Arial"/>
-        <a:defRPr b="0" i="0" sz="1400" u="none" cap="none" strike="noStrike">
+        <a:defRPr sz="1400" b="0" i="0" u="none" strike="noStrike" cap="none">
           <a:solidFill>
             <a:srgbClr val="000000"/>
           </a:solidFill>
@@ -6257,7 +6422,7 @@
           <a:sym typeface="Arial"/>
         </a:defRPr>
       </a:lvl6pPr>
-      <a:lvl7pPr lvl="6" marR="0" rtl="0" algn="l">
+      <a:lvl7pPr marR="0" lvl="6" algn="l" rtl="0">
         <a:lnSpc>
           <a:spcPct val="100000"/>
         </a:lnSpc>
@@ -6271,7 +6436,7 @@
           <a:srgbClr val="000000"/>
         </a:buClr>
         <a:buFont typeface="Arial"/>
-        <a:defRPr b="0" i="0" sz="1400" u="none" cap="none" strike="noStrike">
+        <a:defRPr sz="1400" b="0" i="0" u="none" strike="noStrike" cap="none">
           <a:solidFill>
             <a:srgbClr val="000000"/>
           </a:solidFill>
@@ -6281,7 +6446,7 @@
           <a:sym typeface="Arial"/>
         </a:defRPr>
       </a:lvl7pPr>
-      <a:lvl8pPr lvl="7" marR="0" rtl="0" algn="l">
+      <a:lvl8pPr marR="0" lvl="7" algn="l" rtl="0">
         <a:lnSpc>
           <a:spcPct val="100000"/>
         </a:lnSpc>
@@ -6295,7 +6460,7 @@
           <a:srgbClr val="000000"/>
         </a:buClr>
         <a:buFont typeface="Arial"/>
-        <a:defRPr b="0" i="0" sz="1400" u="none" cap="none" strike="noStrike">
+        <a:defRPr sz="1400" b="0" i="0" u="none" strike="noStrike" cap="none">
           <a:solidFill>
             <a:srgbClr val="000000"/>
           </a:solidFill>
@@ -6305,7 +6470,7 @@
           <a:sym typeface="Arial"/>
         </a:defRPr>
       </a:lvl8pPr>
-      <a:lvl9pPr lvl="8" marR="0" rtl="0" algn="l">
+      <a:lvl9pPr marR="0" lvl="8" algn="l" rtl="0">
         <a:lnSpc>
           <a:spcPct val="100000"/>
         </a:lnSpc>
@@ -6319,7 +6484,7 @@
           <a:srgbClr val="000000"/>
         </a:buClr>
         <a:buFont typeface="Arial"/>
-        <a:defRPr b="0" i="0" sz="1400" u="none" cap="none" strike="noStrike">
+        <a:defRPr sz="1400" b="0" i="0" u="none" strike="noStrike" cap="none">
           <a:solidFill>
             <a:srgbClr val="000000"/>
           </a:solidFill>
@@ -6335,11 +6500,11 @@
 </file>
 
 <file path=ppt/slides/slide1.xml><?xml version="1.0" encoding="utf-8"?>
-<p:sld xmlns:a="http://schemas.openxmlformats.org/drawingml/2006/main" xmlns:r="http://schemas.openxmlformats.org/officeDocument/2006/relationships" xmlns:mc="http://schemas.openxmlformats.org/markup-compatibility/2006" xmlns:mv="urn:schemas-microsoft-com:mac:vml" xmlns:p="http://schemas.openxmlformats.org/presentationml/2006/main" xmlns:c="http://schemas.openxmlformats.org/drawingml/2006/chart" xmlns:dgm="http://schemas.openxmlformats.org/drawingml/2006/diagram" xmlns:o="urn:schemas-microsoft-com:office:office" xmlns:v="urn:schemas-microsoft-com:vml" xmlns:pvml="urn:schemas-microsoft-com:office:powerpoint" xmlns:com="http://schemas.openxmlformats.org/drawingml/2006/compatibility" xmlns:p14="http://schemas.microsoft.com/office/powerpoint/2010/main" xmlns:p15="http://schemas.microsoft.com/office/powerpoint/2012/main" xmlns:ahyp="http://schemas.microsoft.com/office/drawing/2018/hyperlinkcolor">
+<p:sld xmlns:a="http://schemas.openxmlformats.org/drawingml/2006/main" xmlns:r="http://schemas.openxmlformats.org/officeDocument/2006/relationships" xmlns:p="http://schemas.openxmlformats.org/presentationml/2006/main">
   <p:cSld>
     <p:spTree>
       <p:nvGrpSpPr>
-        <p:cNvPr id="53" name="Shape 53"/>
+        <p:cNvPr id="1" name="Shape 53"/>
         <p:cNvGrpSpPr/>
         <p:nvPr/>
       </p:nvGrpSpPr>
@@ -6354,7 +6519,9 @@
       <p:sp>
         <p:nvSpPr>
           <p:cNvPr id="54" name="Google Shape;54;p13"/>
-          <p:cNvSpPr txBox="1"/>
+          <p:cNvSpPr txBox="1">
+            <a:spLocks noGrp="1"/>
+          </p:cNvSpPr>
           <p:nvPr>
             <p:ph type="ctrTitle"/>
           </p:nvPr>
@@ -6369,12 +6536,12 @@
           </a:prstGeom>
         </p:spPr>
         <p:txBody>
-          <a:bodyPr anchorCtr="0" anchor="b" bIns="91425" lIns="91425" spcFirstLastPara="1" rIns="91425" wrap="square" tIns="91425">
+          <a:bodyPr spcFirstLastPara="1" wrap="square" lIns="91425" tIns="91425" rIns="91425" bIns="91425" anchor="b" anchorCtr="0">
             <a:noAutofit/>
           </a:bodyPr>
           <a:lstStyle/>
           <a:p>
-            <a:pPr indent="0" lvl="0" marL="0" rtl="0" algn="ctr">
+            <a:pPr marL="0" lvl="0" indent="0" algn="ctr" rtl="0">
               <a:spcBef>
                 <a:spcPts val="0"/>
               </a:spcBef>
@@ -6398,7 +6565,7 @@
             </a:endParaRPr>
           </a:p>
           <a:p>
-            <a:pPr indent="0" lvl="0" marL="0" rtl="0" algn="ctr">
+            <a:pPr marL="0" lvl="0" indent="0" algn="ctr" rtl="0">
               <a:spcBef>
                 <a:spcPts val="0"/>
               </a:spcBef>
@@ -6426,9 +6593,11 @@
       <p:sp>
         <p:nvSpPr>
           <p:cNvPr id="55" name="Google Shape;55;p13"/>
-          <p:cNvSpPr txBox="1"/>
+          <p:cNvSpPr txBox="1">
+            <a:spLocks noGrp="1"/>
+          </p:cNvSpPr>
           <p:nvPr>
-            <p:ph idx="1" type="subTitle"/>
+            <p:ph type="subTitle" idx="1"/>
           </p:nvPr>
         </p:nvSpPr>
         <p:spPr>
@@ -6441,12 +6610,12 @@
           </a:prstGeom>
         </p:spPr>
         <p:txBody>
-          <a:bodyPr anchorCtr="0" anchor="t" bIns="91425" lIns="91425" spcFirstLastPara="1" rIns="91425" wrap="square" tIns="91425">
+          <a:bodyPr spcFirstLastPara="1" wrap="square" lIns="91425" tIns="91425" rIns="91425" bIns="91425" anchor="t" anchorCtr="0">
             <a:noAutofit/>
           </a:bodyPr>
           <a:lstStyle/>
           <a:p>
-            <a:pPr indent="0" lvl="0" marL="0" rtl="0" algn="ctr">
+            <a:pPr marL="0" lvl="0" indent="0" algn="ctr" rtl="0">
               <a:spcBef>
                 <a:spcPts val="0"/>
               </a:spcBef>
@@ -6500,11 +6669,11 @@
 </file>
 
 <file path=ppt/slides/slide10.xml><?xml version="1.0" encoding="utf-8"?>
-<p:sld xmlns:a="http://schemas.openxmlformats.org/drawingml/2006/main" xmlns:r="http://schemas.openxmlformats.org/officeDocument/2006/relationships" xmlns:mc="http://schemas.openxmlformats.org/markup-compatibility/2006" xmlns:mv="urn:schemas-microsoft-com:mac:vml" xmlns:p="http://schemas.openxmlformats.org/presentationml/2006/main" xmlns:c="http://schemas.openxmlformats.org/drawingml/2006/chart" xmlns:dgm="http://schemas.openxmlformats.org/drawingml/2006/diagram" xmlns:o="urn:schemas-microsoft-com:office:office" xmlns:v="urn:schemas-microsoft-com:vml" xmlns:pvml="urn:schemas-microsoft-com:office:powerpoint" xmlns:com="http://schemas.openxmlformats.org/drawingml/2006/compatibility" xmlns:p14="http://schemas.microsoft.com/office/powerpoint/2010/main" xmlns:p15="http://schemas.microsoft.com/office/powerpoint/2012/main" xmlns:ahyp="http://schemas.microsoft.com/office/drawing/2018/hyperlinkcolor">
+<p:sld xmlns:a="http://schemas.openxmlformats.org/drawingml/2006/main" xmlns:r="http://schemas.openxmlformats.org/officeDocument/2006/relationships" xmlns:p="http://schemas.openxmlformats.org/presentationml/2006/main">
   <p:cSld>
     <p:spTree>
       <p:nvGrpSpPr>
-        <p:cNvPr id="125" name="Shape 125"/>
+        <p:cNvPr id="1" name="Shape 125"/>
         <p:cNvGrpSpPr/>
         <p:nvPr/>
       </p:nvGrpSpPr>
@@ -6519,7 +6688,9 @@
       <p:sp>
         <p:nvSpPr>
           <p:cNvPr id="126" name="Google Shape;126;p22"/>
-          <p:cNvSpPr txBox="1"/>
+          <p:cNvSpPr txBox="1">
+            <a:spLocks noGrp="1"/>
+          </p:cNvSpPr>
           <p:nvPr>
             <p:ph type="title"/>
           </p:nvPr>
@@ -6534,12 +6705,12 @@
           </a:prstGeom>
         </p:spPr>
         <p:txBody>
-          <a:bodyPr anchorCtr="0" anchor="ctr" bIns="91425" lIns="91425" spcFirstLastPara="1" rIns="91425" wrap="square" tIns="91425">
+          <a:bodyPr spcFirstLastPara="1" wrap="square" lIns="91425" tIns="91425" rIns="91425" bIns="91425" anchor="ctr" anchorCtr="0">
             <a:noAutofit/>
           </a:bodyPr>
           <a:lstStyle/>
           <a:p>
-            <a:pPr indent="0" lvl="0" marL="0" rtl="0" algn="ctr">
+            <a:pPr marL="0" lvl="0" indent="0" algn="ctr" rtl="0">
               <a:spcBef>
                 <a:spcPts val="0"/>
               </a:spcBef>
@@ -6549,7 +6720,7 @@
               <a:buNone/>
             </a:pPr>
             <a:r>
-              <a:rPr b="1" lang="en">
+              <a:rPr lang="en" b="1">
                 <a:solidFill>
                   <a:srgbClr val="0000FF"/>
                 </a:solidFill>
@@ -6563,7 +6734,7 @@
             </a:endParaRPr>
           </a:p>
           <a:p>
-            <a:pPr indent="0" lvl="0" marL="0" rtl="0" algn="ctr">
+            <a:pPr marL="0" lvl="0" indent="0" algn="ctr" rtl="0">
               <a:spcBef>
                 <a:spcPts val="0"/>
               </a:spcBef>
@@ -6573,7 +6744,7 @@
               <a:buNone/>
             </a:pPr>
             <a:r>
-              <a:rPr b="1" lang="en">
+              <a:rPr lang="en" b="1">
                 <a:solidFill>
                   <a:srgbClr val="0000FF"/>
                 </a:solidFill>
@@ -6625,11 +6796,11 @@
 </file>
 
 <file path=ppt/slides/slide2.xml><?xml version="1.0" encoding="utf-8"?>
-<p:sld xmlns:a="http://schemas.openxmlformats.org/drawingml/2006/main" xmlns:r="http://schemas.openxmlformats.org/officeDocument/2006/relationships" xmlns:mc="http://schemas.openxmlformats.org/markup-compatibility/2006" xmlns:mv="urn:schemas-microsoft-com:mac:vml" xmlns:p="http://schemas.openxmlformats.org/presentationml/2006/main" xmlns:c="http://schemas.openxmlformats.org/drawingml/2006/chart" xmlns:dgm="http://schemas.openxmlformats.org/drawingml/2006/diagram" xmlns:o="urn:schemas-microsoft-com:office:office" xmlns:v="urn:schemas-microsoft-com:vml" xmlns:pvml="urn:schemas-microsoft-com:office:powerpoint" xmlns:com="http://schemas.openxmlformats.org/drawingml/2006/compatibility" xmlns:p14="http://schemas.microsoft.com/office/powerpoint/2010/main" xmlns:p15="http://schemas.microsoft.com/office/powerpoint/2012/main" xmlns:ahyp="http://schemas.microsoft.com/office/drawing/2018/hyperlinkcolor">
+<p:sld xmlns:a="http://schemas.openxmlformats.org/drawingml/2006/main" xmlns:r="http://schemas.openxmlformats.org/officeDocument/2006/relationships" xmlns:p="http://schemas.openxmlformats.org/presentationml/2006/main">
   <p:cSld>
     <p:spTree>
       <p:nvGrpSpPr>
-        <p:cNvPr id="60" name="Shape 60"/>
+        <p:cNvPr id="1" name="Shape 60"/>
         <p:cNvGrpSpPr/>
         <p:nvPr/>
       </p:nvGrpSpPr>
@@ -6644,7 +6815,9 @@
       <p:sp>
         <p:nvSpPr>
           <p:cNvPr id="61" name="Google Shape;61;p14"/>
-          <p:cNvSpPr txBox="1"/>
+          <p:cNvSpPr txBox="1">
+            <a:spLocks noGrp="1"/>
+          </p:cNvSpPr>
           <p:nvPr>
             <p:ph type="title"/>
           </p:nvPr>
@@ -6659,12 +6832,12 @@
           </a:prstGeom>
         </p:spPr>
         <p:txBody>
-          <a:bodyPr anchorCtr="0" anchor="t" bIns="91425" lIns="91425" spcFirstLastPara="1" rIns="91425" wrap="square" tIns="91425">
+          <a:bodyPr spcFirstLastPara="1" wrap="square" lIns="91425" tIns="91425" rIns="91425" bIns="91425" anchor="t" anchorCtr="0">
             <a:noAutofit/>
           </a:bodyPr>
           <a:lstStyle/>
           <a:p>
-            <a:pPr indent="0" lvl="0" marL="0" rtl="0" algn="l">
+            <a:pPr marL="0" lvl="0" indent="0" algn="l" rtl="0">
               <a:spcBef>
                 <a:spcPts val="0"/>
               </a:spcBef>
@@ -6674,14 +6847,14 @@
               <a:buNone/>
             </a:pPr>
             <a:r>
-              <a:rPr b="1" lang="en" sz="3200">
+              <a:rPr lang="en" sz="3200" b="1">
                 <a:solidFill>
                   <a:srgbClr val="0000FF"/>
                 </a:solidFill>
               </a:rPr>
               <a:t>Contents : </a:t>
             </a:r>
-            <a:endParaRPr b="1" sz="3200">
+            <a:endParaRPr sz="3200" b="1">
               <a:solidFill>
                 <a:srgbClr val="0000FF"/>
               </a:solidFill>
@@ -6692,9 +6865,11 @@
       <p:sp>
         <p:nvSpPr>
           <p:cNvPr id="62" name="Google Shape;62;p14"/>
-          <p:cNvSpPr txBox="1"/>
+          <p:cNvSpPr txBox="1">
+            <a:spLocks noGrp="1"/>
+          </p:cNvSpPr>
           <p:nvPr>
-            <p:ph idx="1" type="body"/>
+            <p:ph type="body" idx="1"/>
           </p:nvPr>
         </p:nvSpPr>
         <p:spPr>
@@ -6707,12 +6882,12 @@
           </a:prstGeom>
         </p:spPr>
         <p:txBody>
-          <a:bodyPr anchorCtr="0" anchor="t" bIns="91425" lIns="91425" spcFirstLastPara="1" rIns="91425" wrap="square" tIns="91425">
+          <a:bodyPr spcFirstLastPara="1" wrap="square" lIns="91425" tIns="91425" rIns="91425" bIns="91425" anchor="t" anchorCtr="0">
             <a:noAutofit/>
           </a:bodyPr>
           <a:lstStyle/>
           <a:p>
-            <a:pPr indent="-406400" lvl="0" marL="457200" rtl="0" algn="l">
+            <a:pPr marL="457200" lvl="0" indent="-406400" algn="l" rtl="0">
               <a:spcBef>
                 <a:spcPts val="0"/>
               </a:spcBef>
@@ -6724,24 +6899,12 @@
             </a:pPr>
             <a:r>
               <a:rPr lang="en" sz="2800"/>
-              <a:t>Information</a:t>
-            </a:r>
-            <a:r>
-              <a:rPr lang="en" sz="2800"/>
-              <a:t> hiding (Access </a:t>
-            </a:r>
-            <a:r>
-              <a:rPr lang="en" sz="2800"/>
-              <a:t>modifiers</a:t>
-            </a:r>
-            <a:r>
-              <a:rPr lang="en" sz="2800"/>
-              <a:t>) </a:t>
+              <a:t>Information hiding (Access modifiers) </a:t>
             </a:r>
             <a:endParaRPr sz="2800"/>
           </a:p>
           <a:p>
-            <a:pPr indent="-406400" lvl="0" marL="457200" rtl="0" algn="l">
+            <a:pPr marL="457200" lvl="0" indent="-406400" algn="l" rtl="0">
               <a:spcBef>
                 <a:spcPts val="0"/>
               </a:spcBef>
@@ -6758,7 +6921,7 @@
             <a:endParaRPr sz="2800"/>
           </a:p>
           <a:p>
-            <a:pPr indent="-406400" lvl="0" marL="457200" rtl="0" algn="l">
+            <a:pPr marL="457200" lvl="0" indent="-406400" algn="l" rtl="0">
               <a:spcBef>
                 <a:spcPts val="0"/>
               </a:spcBef>
@@ -6813,11 +6976,11 @@
 </file>
 
 <file path=ppt/slides/slide3.xml><?xml version="1.0" encoding="utf-8"?>
-<p:sld xmlns:a="http://schemas.openxmlformats.org/drawingml/2006/main" xmlns:r="http://schemas.openxmlformats.org/officeDocument/2006/relationships" xmlns:mc="http://schemas.openxmlformats.org/markup-compatibility/2006" xmlns:mv="urn:schemas-microsoft-com:mac:vml" xmlns:p="http://schemas.openxmlformats.org/presentationml/2006/main" xmlns:c="http://schemas.openxmlformats.org/drawingml/2006/chart" xmlns:dgm="http://schemas.openxmlformats.org/drawingml/2006/diagram" xmlns:o="urn:schemas-microsoft-com:office:office" xmlns:v="urn:schemas-microsoft-com:vml" xmlns:pvml="urn:schemas-microsoft-com:office:powerpoint" xmlns:com="http://schemas.openxmlformats.org/drawingml/2006/compatibility" xmlns:p14="http://schemas.microsoft.com/office/powerpoint/2010/main" xmlns:p15="http://schemas.microsoft.com/office/powerpoint/2012/main" xmlns:ahyp="http://schemas.microsoft.com/office/drawing/2018/hyperlinkcolor">
+<p:sld xmlns:a="http://schemas.openxmlformats.org/drawingml/2006/main" xmlns:r="http://schemas.openxmlformats.org/officeDocument/2006/relationships" xmlns:p="http://schemas.openxmlformats.org/presentationml/2006/main">
   <p:cSld>
     <p:spTree>
       <p:nvGrpSpPr>
-        <p:cNvPr id="67" name="Shape 67"/>
+        <p:cNvPr id="1" name="Shape 67"/>
         <p:cNvGrpSpPr/>
         <p:nvPr/>
       </p:nvGrpSpPr>
@@ -6832,7 +6995,9 @@
       <p:sp>
         <p:nvSpPr>
           <p:cNvPr id="68" name="Google Shape;68;p15"/>
-          <p:cNvSpPr txBox="1"/>
+          <p:cNvSpPr txBox="1">
+            <a:spLocks noGrp="1"/>
+          </p:cNvSpPr>
           <p:nvPr>
             <p:ph type="title"/>
           </p:nvPr>
@@ -6847,12 +7012,12 @@
           </a:prstGeom>
         </p:spPr>
         <p:txBody>
-          <a:bodyPr anchorCtr="0" anchor="t" bIns="91425" lIns="91425" spcFirstLastPara="1" rIns="91425" wrap="square" tIns="91425">
+          <a:bodyPr spcFirstLastPara="1" wrap="square" lIns="91425" tIns="91425" rIns="91425" bIns="91425" anchor="t" anchorCtr="0">
             <a:noAutofit/>
           </a:bodyPr>
           <a:lstStyle/>
           <a:p>
-            <a:pPr indent="0" lvl="0" marL="0" rtl="0" algn="l">
+            <a:pPr marL="0" lvl="0" indent="0" algn="l" rtl="0">
               <a:spcBef>
                 <a:spcPts val="0"/>
               </a:spcBef>
@@ -6862,7 +7027,7 @@
               <a:buNone/>
             </a:pPr>
             <a:r>
-              <a:rPr b="1" lang="en">
+              <a:rPr lang="en" b="1">
                 <a:solidFill>
                   <a:srgbClr val="0000FF"/>
                 </a:solidFill>
@@ -6894,23 +7059,23 @@
           <a:solidFill>
             <a:schemeClr val="lt2"/>
           </a:solidFill>
-          <a:ln cap="flat" cmpd="sng" w="9525">
+          <a:ln w="9525" cap="flat" cmpd="sng">
             <a:solidFill>
               <a:schemeClr val="dk2"/>
             </a:solidFill>
             <a:prstDash val="solid"/>
             <a:round/>
-            <a:headEnd len="sm" w="sm" type="none"/>
-            <a:tailEnd len="sm" w="sm" type="none"/>
+            <a:headEnd type="none" w="sm" len="sm"/>
+            <a:tailEnd type="none" w="sm" len="sm"/>
           </a:ln>
         </p:spPr>
         <p:txBody>
-          <a:bodyPr anchorCtr="0" anchor="ctr" bIns="91425" lIns="91425" spcFirstLastPara="1" rIns="91425" wrap="square" tIns="91425">
+          <a:bodyPr spcFirstLastPara="1" wrap="square" lIns="91425" tIns="91425" rIns="91425" bIns="91425" anchor="ctr" anchorCtr="0">
             <a:noAutofit/>
           </a:bodyPr>
           <a:lstStyle/>
           <a:p>
-            <a:pPr indent="0" lvl="0" marL="0" rtl="0" algn="ctr">
+            <a:pPr marL="0" lvl="0" indent="0" algn="ctr" rtl="0">
               <a:spcBef>
                 <a:spcPts val="0"/>
               </a:spcBef>
@@ -6944,23 +7109,23 @@
           <a:solidFill>
             <a:schemeClr val="lt2"/>
           </a:solidFill>
-          <a:ln cap="flat" cmpd="sng" w="9525">
+          <a:ln w="9525" cap="flat" cmpd="sng">
             <a:solidFill>
               <a:schemeClr val="dk2"/>
             </a:solidFill>
             <a:prstDash val="solid"/>
             <a:round/>
-            <a:headEnd len="sm" w="sm" type="none"/>
-            <a:tailEnd len="sm" w="sm" type="none"/>
+            <a:headEnd type="none" w="sm" len="sm"/>
+            <a:tailEnd type="none" w="sm" len="sm"/>
           </a:ln>
         </p:spPr>
         <p:txBody>
-          <a:bodyPr anchorCtr="0" anchor="ctr" bIns="91425" lIns="91425" spcFirstLastPara="1" rIns="91425" wrap="square" tIns="91425">
+          <a:bodyPr spcFirstLastPara="1" wrap="square" lIns="91425" tIns="91425" rIns="91425" bIns="91425" anchor="ctr" anchorCtr="0">
             <a:noAutofit/>
           </a:bodyPr>
           <a:lstStyle/>
           <a:p>
-            <a:pPr indent="0" lvl="0" marL="0" rtl="0" algn="ctr">
+            <a:pPr marL="0" lvl="0" indent="0" algn="ctr" rtl="0">
               <a:spcBef>
                 <a:spcPts val="0"/>
               </a:spcBef>
@@ -6994,23 +7159,23 @@
           <a:solidFill>
             <a:schemeClr val="lt2"/>
           </a:solidFill>
-          <a:ln cap="flat" cmpd="sng" w="9525">
+          <a:ln w="9525" cap="flat" cmpd="sng">
             <a:solidFill>
               <a:schemeClr val="dk2"/>
             </a:solidFill>
             <a:prstDash val="solid"/>
             <a:round/>
-            <a:headEnd len="sm" w="sm" type="none"/>
-            <a:tailEnd len="sm" w="sm" type="none"/>
+            <a:headEnd type="none" w="sm" len="sm"/>
+            <a:tailEnd type="none" w="sm" len="sm"/>
           </a:ln>
         </p:spPr>
         <p:txBody>
-          <a:bodyPr anchorCtr="0" anchor="ctr" bIns="91425" lIns="91425" spcFirstLastPara="1" rIns="91425" wrap="square" tIns="91425">
+          <a:bodyPr spcFirstLastPara="1" wrap="square" lIns="91425" tIns="91425" rIns="91425" bIns="91425" anchor="ctr" anchorCtr="0">
             <a:noAutofit/>
           </a:bodyPr>
           <a:lstStyle/>
           <a:p>
-            <a:pPr indent="0" lvl="0" marL="0" rtl="0" algn="ctr">
+            <a:pPr marL="0" lvl="0" indent="0" algn="ctr" rtl="0">
               <a:spcBef>
                 <a:spcPts val="0"/>
               </a:spcBef>
@@ -7044,23 +7209,23 @@
           <a:solidFill>
             <a:schemeClr val="lt2"/>
           </a:solidFill>
-          <a:ln cap="flat" cmpd="sng" w="9525">
+          <a:ln w="9525" cap="flat" cmpd="sng">
             <a:solidFill>
               <a:schemeClr val="dk2"/>
             </a:solidFill>
             <a:prstDash val="solid"/>
             <a:round/>
-            <a:headEnd len="sm" w="sm" type="none"/>
-            <a:tailEnd len="sm" w="sm" type="none"/>
+            <a:headEnd type="none" w="sm" len="sm"/>
+            <a:tailEnd type="none" w="sm" len="sm"/>
           </a:ln>
         </p:spPr>
         <p:txBody>
-          <a:bodyPr anchorCtr="0" anchor="ctr" bIns="91425" lIns="91425" spcFirstLastPara="1" rIns="91425" wrap="square" tIns="91425">
+          <a:bodyPr spcFirstLastPara="1" wrap="square" lIns="91425" tIns="91425" rIns="91425" bIns="91425" anchor="ctr" anchorCtr="0">
             <a:noAutofit/>
           </a:bodyPr>
           <a:lstStyle/>
           <a:p>
-            <a:pPr indent="0" lvl="0" marL="0" rtl="0" algn="ctr">
+            <a:pPr marL="0" lvl="0" indent="0" algn="ctr" rtl="0">
               <a:spcBef>
                 <a:spcPts val="0"/>
               </a:spcBef>
@@ -7094,23 +7259,23 @@
           <a:solidFill>
             <a:schemeClr val="lt2"/>
           </a:solidFill>
-          <a:ln cap="flat" cmpd="sng" w="9525">
+          <a:ln w="9525" cap="flat" cmpd="sng">
             <a:solidFill>
               <a:schemeClr val="dk2"/>
             </a:solidFill>
             <a:prstDash val="solid"/>
             <a:round/>
-            <a:headEnd len="sm" w="sm" type="none"/>
-            <a:tailEnd len="sm" w="sm" type="none"/>
+            <a:headEnd type="none" w="sm" len="sm"/>
+            <a:tailEnd type="none" w="sm" len="sm"/>
           </a:ln>
         </p:spPr>
         <p:txBody>
-          <a:bodyPr anchorCtr="0" anchor="ctr" bIns="91425" lIns="91425" spcFirstLastPara="1" rIns="91425" wrap="square" tIns="91425">
+          <a:bodyPr spcFirstLastPara="1" wrap="square" lIns="91425" tIns="91425" rIns="91425" bIns="91425" anchor="ctr" anchorCtr="0">
             <a:noAutofit/>
           </a:bodyPr>
           <a:lstStyle/>
           <a:p>
-            <a:pPr indent="0" lvl="0" marL="0" rtl="0" algn="ctr">
+            <a:pPr marL="0" lvl="0" indent="0" algn="ctr" rtl="0">
               <a:spcBef>
                 <a:spcPts val="0"/>
               </a:spcBef>
@@ -7145,14 +7310,14 @@
             <a:avLst/>
           </a:prstGeom>
           <a:noFill/>
-          <a:ln cap="flat" cmpd="sng" w="9525">
+          <a:ln w="9525" cap="flat" cmpd="sng">
             <a:solidFill>
               <a:schemeClr val="dk2"/>
             </a:solidFill>
             <a:prstDash val="solid"/>
             <a:round/>
-            <a:headEnd len="med" w="med" type="stealth"/>
-            <a:tailEnd len="med" w="med" type="none"/>
+            <a:headEnd type="stealth" w="med" len="med"/>
+            <a:tailEnd type="none" w="med" len="med"/>
           </a:ln>
         </p:spPr>
       </p:cxnSp>
@@ -7172,18 +7337,18 @@
           </a:xfrm>
           <a:prstGeom prst="bentConnector3">
             <a:avLst>
-              <a:gd fmla="val 49995" name="adj1"/>
+              <a:gd name="adj1" fmla="val 49995"/>
             </a:avLst>
           </a:prstGeom>
           <a:noFill/>
-          <a:ln cap="flat" cmpd="sng" w="9525">
+          <a:ln w="9525" cap="flat" cmpd="sng">
             <a:solidFill>
               <a:schemeClr val="dk2"/>
             </a:solidFill>
             <a:prstDash val="solid"/>
             <a:round/>
-            <a:headEnd len="med" w="med" type="none"/>
-            <a:tailEnd len="med" w="med" type="stealth"/>
+            <a:headEnd type="none" w="med" len="med"/>
+            <a:tailEnd type="stealth" w="med" len="med"/>
           </a:ln>
         </p:spPr>
       </p:cxnSp>
@@ -7197,24 +7362,24 @@
           <p:nvPr/>
         </p:nvCxnSpPr>
         <p:spPr>
-          <a:xfrm flipH="1" rot="5400000">
+          <a:xfrm rot="5400000" flipH="1">
             <a:off x="4704925" y="1935925"/>
             <a:ext cx="956100" cy="1234800"/>
           </a:xfrm>
           <a:prstGeom prst="bentConnector3">
             <a:avLst>
-              <a:gd fmla="val 48018" name="adj1"/>
+              <a:gd name="adj1" fmla="val 48018"/>
             </a:avLst>
           </a:prstGeom>
           <a:noFill/>
-          <a:ln cap="flat" cmpd="sng" w="9525">
+          <a:ln w="9525" cap="flat" cmpd="sng">
             <a:solidFill>
               <a:schemeClr val="dk2"/>
             </a:solidFill>
             <a:prstDash val="solid"/>
             <a:round/>
-            <a:headEnd len="med" w="med" type="stealth"/>
-            <a:tailEnd len="med" w="med" type="none"/>
+            <a:headEnd type="stealth" w="med" len="med"/>
+            <a:tailEnd type="none" w="med" len="med"/>
           </a:ln>
         </p:spPr>
       </p:cxnSp>
@@ -7236,14 +7401,14 @@
             <a:avLst/>
           </a:prstGeom>
           <a:noFill/>
-          <a:ln cap="flat" cmpd="sng" w="9525">
+          <a:ln w="9525" cap="flat" cmpd="sng">
             <a:solidFill>
               <a:schemeClr val="dk2"/>
             </a:solidFill>
             <a:prstDash val="solid"/>
             <a:round/>
-            <a:headEnd len="med" w="med" type="none"/>
-            <a:tailEnd len="med" w="med" type="stealth"/>
+            <a:headEnd type="none" w="med" len="med"/>
+            <a:tailEnd type="stealth" w="med" len="med"/>
           </a:ln>
         </p:spPr>
       </p:cxnSp>
@@ -7284,11 +7449,11 @@
 </file>
 
 <file path=ppt/slides/slide4.xml><?xml version="1.0" encoding="utf-8"?>
-<p:sld xmlns:a="http://schemas.openxmlformats.org/drawingml/2006/main" xmlns:r="http://schemas.openxmlformats.org/officeDocument/2006/relationships" xmlns:mc="http://schemas.openxmlformats.org/markup-compatibility/2006" xmlns:mv="urn:schemas-microsoft-com:mac:vml" xmlns:p="http://schemas.openxmlformats.org/presentationml/2006/main" xmlns:c="http://schemas.openxmlformats.org/drawingml/2006/chart" xmlns:dgm="http://schemas.openxmlformats.org/drawingml/2006/diagram" xmlns:o="urn:schemas-microsoft-com:office:office" xmlns:v="urn:schemas-microsoft-com:vml" xmlns:pvml="urn:schemas-microsoft-com:office:powerpoint" xmlns:com="http://schemas.openxmlformats.org/drawingml/2006/compatibility" xmlns:p14="http://schemas.microsoft.com/office/powerpoint/2010/main" xmlns:p15="http://schemas.microsoft.com/office/powerpoint/2012/main" xmlns:ahyp="http://schemas.microsoft.com/office/drawing/2018/hyperlinkcolor">
+<p:sld xmlns:a="http://schemas.openxmlformats.org/drawingml/2006/main" xmlns:r="http://schemas.openxmlformats.org/officeDocument/2006/relationships" xmlns:p="http://schemas.openxmlformats.org/presentationml/2006/main">
   <p:cSld>
     <p:spTree>
       <p:nvGrpSpPr>
-        <p:cNvPr id="82" name="Shape 82"/>
+        <p:cNvPr id="1" name="Shape 82"/>
         <p:cNvGrpSpPr/>
         <p:nvPr/>
       </p:nvGrpSpPr>
@@ -7303,7 +7468,9 @@
       <p:sp>
         <p:nvSpPr>
           <p:cNvPr id="83" name="Google Shape;83;p16"/>
-          <p:cNvSpPr txBox="1"/>
+          <p:cNvSpPr txBox="1">
+            <a:spLocks noGrp="1"/>
+          </p:cNvSpPr>
           <p:nvPr>
             <p:ph type="title"/>
           </p:nvPr>
@@ -7318,12 +7485,12 @@
           </a:prstGeom>
         </p:spPr>
         <p:txBody>
-          <a:bodyPr anchorCtr="0" anchor="t" bIns="91425" lIns="91425" spcFirstLastPara="1" rIns="91425" wrap="square" tIns="91425">
+          <a:bodyPr spcFirstLastPara="1" wrap="square" lIns="91425" tIns="91425" rIns="91425" bIns="91425" anchor="t" anchorCtr="0">
             <a:noAutofit/>
           </a:bodyPr>
           <a:lstStyle/>
           <a:p>
-            <a:pPr indent="0" lvl="0" marL="0" rtl="0" algn="l">
+            <a:pPr marL="0" lvl="0" indent="0" algn="l" rtl="0">
               <a:spcBef>
                 <a:spcPts val="0"/>
               </a:spcBef>
@@ -7333,20 +7500,12 @@
               <a:buNone/>
             </a:pPr>
             <a:r>
-              <a:rPr b="1" lang="en">
+              <a:rPr lang="en" b="1">
                 <a:solidFill>
                   <a:srgbClr val="0000FF"/>
                 </a:solidFill>
               </a:rPr>
-              <a:t>Access levels of </a:t>
-            </a:r>
-            <a:r>
-              <a:rPr b="1" lang="en">
-                <a:solidFill>
-                  <a:srgbClr val="0000FF"/>
-                </a:solidFill>
-              </a:rPr>
-              <a:t>modifiers</a:t>
+              <a:t>Access levels of modifiers</a:t>
             </a:r>
             <a:endParaRPr b="1">
               <a:solidFill>
@@ -7364,7 +7523,7 @@
         </p:nvGraphicFramePr>
         <p:xfrm>
           <a:off x="952500" y="1619250"/>
-          <a:ext cx="3000000" cy="3000000"/>
+          <a:ext cx="7239000" cy="1981050"/>
         </p:xfrm>
         <a:graphic>
           <a:graphicData uri="http://schemas.openxmlformats.org/drawingml/2006/table">
@@ -7374,11 +7533,41 @@
                 <a:tableStyleId>{29A5BC0F-F0D4-46B4-AA38-82E1E2FFF052}</a:tableStyleId>
               </a:tblPr>
               <a:tblGrid>
-                <a:gridCol w="1447800"/>
-                <a:gridCol w="1447800"/>
-                <a:gridCol w="1447800"/>
-                <a:gridCol w="1447800"/>
-                <a:gridCol w="1447800"/>
+                <a:gridCol w="1447800">
+                  <a:extLst>
+                    <a:ext uri="{9D8B030D-6E8A-4147-A177-3AD203B41FA5}">
+                      <a16:colId xmlns:a16="http://schemas.microsoft.com/office/drawing/2014/main" val="20000"/>
+                    </a:ext>
+                  </a:extLst>
+                </a:gridCol>
+                <a:gridCol w="1447800">
+                  <a:extLst>
+                    <a:ext uri="{9D8B030D-6E8A-4147-A177-3AD203B41FA5}">
+                      <a16:colId xmlns:a16="http://schemas.microsoft.com/office/drawing/2014/main" val="20001"/>
+                    </a:ext>
+                  </a:extLst>
+                </a:gridCol>
+                <a:gridCol w="1447800">
+                  <a:extLst>
+                    <a:ext uri="{9D8B030D-6E8A-4147-A177-3AD203B41FA5}">
+                      <a16:colId xmlns:a16="http://schemas.microsoft.com/office/drawing/2014/main" val="20002"/>
+                    </a:ext>
+                  </a:extLst>
+                </a:gridCol>
+                <a:gridCol w="1447800">
+                  <a:extLst>
+                    <a:ext uri="{9D8B030D-6E8A-4147-A177-3AD203B41FA5}">
+                      <a16:colId xmlns:a16="http://schemas.microsoft.com/office/drawing/2014/main" val="20003"/>
+                    </a:ext>
+                  </a:extLst>
+                </a:gridCol>
+                <a:gridCol w="1447800">
+                  <a:extLst>
+                    <a:ext uri="{9D8B030D-6E8A-4147-A177-3AD203B41FA5}">
+                      <a16:colId xmlns:a16="http://schemas.microsoft.com/office/drawing/2014/main" val="20004"/>
+                    </a:ext>
+                  </a:extLst>
+                </a:gridCol>
               </a:tblGrid>
               <a:tr h="381000">
                 <a:tc>
@@ -7386,7 +7575,7 @@
                     <a:bodyPr/>
                     <a:lstStyle/>
                     <a:p>
-                      <a:pPr indent="0" lvl="0" marL="0" rtl="0" algn="ctr">
+                      <a:pPr marL="0" lvl="0" indent="0" algn="ctr" rtl="0">
                         <a:spcBef>
                           <a:spcPts val="0"/>
                         </a:spcBef>
@@ -7396,48 +7585,48 @@
                         <a:buNone/>
                       </a:pPr>
                       <a:r>
-                        <a:rPr b="1" lang="en"/>
+                        <a:rPr lang="en" b="1"/>
                         <a:t>Levels -&gt;</a:t>
                       </a:r>
                       <a:endParaRPr b="1"/>
                     </a:p>
                   </a:txBody>
-                  <a:tcPr marT="91425" marB="91425" marR="91425" marL="91425">
-                    <a:lnL cap="flat" cmpd="sng" w="19050">
+                  <a:tcPr marL="91425" marR="91425" marT="91425" marB="91425">
+                    <a:lnL w="19050" cap="flat" cmpd="sng">
                       <a:solidFill>
                         <a:schemeClr val="dk2"/>
                       </a:solidFill>
                       <a:prstDash val="solid"/>
                       <a:round/>
-                      <a:headEnd len="sm" w="sm" type="none"/>
-                      <a:tailEnd len="sm" w="sm" type="none"/>
+                      <a:headEnd type="none" w="sm" len="sm"/>
+                      <a:tailEnd type="none" w="sm" len="sm"/>
                     </a:lnL>
-                    <a:lnR cap="flat" cmpd="sng" w="19050">
+                    <a:lnR w="19050" cap="flat" cmpd="sng">
                       <a:solidFill>
                         <a:schemeClr val="dk2"/>
                       </a:solidFill>
                       <a:prstDash val="solid"/>
                       <a:round/>
-                      <a:headEnd len="sm" w="sm" type="none"/>
-                      <a:tailEnd len="sm" w="sm" type="none"/>
+                      <a:headEnd type="none" w="sm" len="sm"/>
+                      <a:tailEnd type="none" w="sm" len="sm"/>
                     </a:lnR>
-                    <a:lnT cap="flat" cmpd="sng" w="19050">
+                    <a:lnT w="19050" cap="flat" cmpd="sng">
                       <a:solidFill>
                         <a:schemeClr val="dk2"/>
                       </a:solidFill>
                       <a:prstDash val="solid"/>
                       <a:round/>
-                      <a:headEnd len="sm" w="sm" type="none"/>
-                      <a:tailEnd len="sm" w="sm" type="none"/>
+                      <a:headEnd type="none" w="sm" len="sm"/>
+                      <a:tailEnd type="none" w="sm" len="sm"/>
                     </a:lnT>
-                    <a:lnB cap="flat" cmpd="sng" w="19050">
+                    <a:lnB w="19050" cap="flat" cmpd="sng">
                       <a:solidFill>
                         <a:schemeClr val="dk2"/>
                       </a:solidFill>
                       <a:prstDash val="solid"/>
                       <a:round/>
-                      <a:headEnd len="sm" w="sm" type="none"/>
-                      <a:tailEnd len="sm" w="sm" type="none"/>
+                      <a:headEnd type="none" w="sm" len="sm"/>
+                      <a:tailEnd type="none" w="sm" len="sm"/>
                     </a:lnB>
                   </a:tcPr>
                 </a:tc>
@@ -7446,7 +7635,7 @@
                     <a:bodyPr/>
                     <a:lstStyle/>
                     <a:p>
-                      <a:pPr indent="0" lvl="0" marL="0" rtl="0" algn="ctr">
+                      <a:pPr marL="0" lvl="0" indent="0" algn="ctr" rtl="0">
                         <a:spcBef>
                           <a:spcPts val="0"/>
                         </a:spcBef>
@@ -7456,7 +7645,7 @@
                         <a:buNone/>
                       </a:pPr>
                       <a:r>
-                        <a:rPr b="1" lang="en">
+                        <a:rPr lang="en" b="1">
                           <a:solidFill>
                             <a:srgbClr val="0000FF"/>
                           </a:solidFill>
@@ -7470,42 +7659,42 @@
                       </a:endParaRPr>
                     </a:p>
                   </a:txBody>
-                  <a:tcPr marT="91425" marB="91425" marR="91425" marL="91425">
-                    <a:lnL cap="flat" cmpd="sng" w="19050">
+                  <a:tcPr marL="91425" marR="91425" marT="91425" marB="91425">
+                    <a:lnL w="19050" cap="flat" cmpd="sng">
                       <a:solidFill>
                         <a:schemeClr val="dk2"/>
                       </a:solidFill>
                       <a:prstDash val="solid"/>
                       <a:round/>
-                      <a:headEnd len="sm" w="sm" type="none"/>
-                      <a:tailEnd len="sm" w="sm" type="none"/>
+                      <a:headEnd type="none" w="sm" len="sm"/>
+                      <a:tailEnd type="none" w="sm" len="sm"/>
                     </a:lnL>
-                    <a:lnR cap="flat" cmpd="sng" w="19050">
+                    <a:lnR w="19050" cap="flat" cmpd="sng">
                       <a:solidFill>
                         <a:schemeClr val="dk2"/>
                       </a:solidFill>
                       <a:prstDash val="solid"/>
                       <a:round/>
-                      <a:headEnd len="sm" w="sm" type="none"/>
-                      <a:tailEnd len="sm" w="sm" type="none"/>
+                      <a:headEnd type="none" w="sm" len="sm"/>
+                      <a:tailEnd type="none" w="sm" len="sm"/>
                     </a:lnR>
-                    <a:lnT cap="flat" cmpd="sng" w="19050">
+                    <a:lnT w="19050" cap="flat" cmpd="sng">
                       <a:solidFill>
                         <a:schemeClr val="dk2"/>
                       </a:solidFill>
                       <a:prstDash val="solid"/>
                       <a:round/>
-                      <a:headEnd len="sm" w="sm" type="none"/>
-                      <a:tailEnd len="sm" w="sm" type="none"/>
+                      <a:headEnd type="none" w="sm" len="sm"/>
+                      <a:tailEnd type="none" w="sm" len="sm"/>
                     </a:lnT>
-                    <a:lnB cap="flat" cmpd="sng" w="19050">
+                    <a:lnB w="19050" cap="flat" cmpd="sng">
                       <a:solidFill>
                         <a:schemeClr val="dk2"/>
                       </a:solidFill>
                       <a:prstDash val="solid"/>
                       <a:round/>
-                      <a:headEnd len="sm" w="sm" type="none"/>
-                      <a:tailEnd len="sm" w="sm" type="none"/>
+                      <a:headEnd type="none" w="sm" len="sm"/>
+                      <a:tailEnd type="none" w="sm" len="sm"/>
                     </a:lnB>
                   </a:tcPr>
                 </a:tc>
@@ -7514,7 +7703,7 @@
                     <a:bodyPr/>
                     <a:lstStyle/>
                     <a:p>
-                      <a:pPr indent="0" lvl="0" marL="0" rtl="0" algn="ctr">
+                      <a:pPr marL="0" lvl="0" indent="0" algn="ctr" rtl="0">
                         <a:spcBef>
                           <a:spcPts val="0"/>
                         </a:spcBef>
@@ -7524,7 +7713,7 @@
                         <a:buNone/>
                       </a:pPr>
                       <a:r>
-                        <a:rPr b="1" lang="en">
+                        <a:rPr lang="en" b="1">
                           <a:solidFill>
                             <a:srgbClr val="0000FF"/>
                           </a:solidFill>
@@ -7538,42 +7727,42 @@
                       </a:endParaRPr>
                     </a:p>
                   </a:txBody>
-                  <a:tcPr marT="91425" marB="91425" marR="91425" marL="91425">
-                    <a:lnL cap="flat" cmpd="sng" w="19050">
+                  <a:tcPr marL="91425" marR="91425" marT="91425" marB="91425">
+                    <a:lnL w="19050" cap="flat" cmpd="sng">
                       <a:solidFill>
                         <a:schemeClr val="dk2"/>
                       </a:solidFill>
                       <a:prstDash val="solid"/>
                       <a:round/>
-                      <a:headEnd len="sm" w="sm" type="none"/>
-                      <a:tailEnd len="sm" w="sm" type="none"/>
+                      <a:headEnd type="none" w="sm" len="sm"/>
+                      <a:tailEnd type="none" w="sm" len="sm"/>
                     </a:lnL>
-                    <a:lnR cap="flat" cmpd="sng" w="19050">
+                    <a:lnR w="19050" cap="flat" cmpd="sng">
                       <a:solidFill>
                         <a:schemeClr val="dk2"/>
                       </a:solidFill>
                       <a:prstDash val="solid"/>
                       <a:round/>
-                      <a:headEnd len="sm" w="sm" type="none"/>
-                      <a:tailEnd len="sm" w="sm" type="none"/>
+                      <a:headEnd type="none" w="sm" len="sm"/>
+                      <a:tailEnd type="none" w="sm" len="sm"/>
                     </a:lnR>
-                    <a:lnT cap="flat" cmpd="sng" w="19050">
+                    <a:lnT w="19050" cap="flat" cmpd="sng">
                       <a:solidFill>
                         <a:schemeClr val="dk2"/>
                       </a:solidFill>
                       <a:prstDash val="solid"/>
                       <a:round/>
-                      <a:headEnd len="sm" w="sm" type="none"/>
-                      <a:tailEnd len="sm" w="sm" type="none"/>
+                      <a:headEnd type="none" w="sm" len="sm"/>
+                      <a:tailEnd type="none" w="sm" len="sm"/>
                     </a:lnT>
-                    <a:lnB cap="flat" cmpd="sng" w="19050">
+                    <a:lnB w="19050" cap="flat" cmpd="sng">
                       <a:solidFill>
                         <a:schemeClr val="dk2"/>
                       </a:solidFill>
                       <a:prstDash val="solid"/>
                       <a:round/>
-                      <a:headEnd len="sm" w="sm" type="none"/>
-                      <a:tailEnd len="sm" w="sm" type="none"/>
+                      <a:headEnd type="none" w="sm" len="sm"/>
+                      <a:tailEnd type="none" w="sm" len="sm"/>
                     </a:lnB>
                   </a:tcPr>
                 </a:tc>
@@ -7582,7 +7771,7 @@
                     <a:bodyPr/>
                     <a:lstStyle/>
                     <a:p>
-                      <a:pPr indent="0" lvl="0" marL="0" rtl="0" algn="ctr">
+                      <a:pPr marL="0" lvl="0" indent="0" algn="ctr" rtl="0">
                         <a:spcBef>
                           <a:spcPts val="0"/>
                         </a:spcBef>
@@ -7592,7 +7781,7 @@
                         <a:buNone/>
                       </a:pPr>
                       <a:r>
-                        <a:rPr b="1" lang="en">
+                        <a:rPr lang="en" b="1">
                           <a:solidFill>
                             <a:srgbClr val="0000FF"/>
                           </a:solidFill>
@@ -7606,42 +7795,42 @@
                       </a:endParaRPr>
                     </a:p>
                   </a:txBody>
-                  <a:tcPr marT="91425" marB="91425" marR="91425" marL="91425">
-                    <a:lnL cap="flat" cmpd="sng" w="19050">
+                  <a:tcPr marL="91425" marR="91425" marT="91425" marB="91425">
+                    <a:lnL w="19050" cap="flat" cmpd="sng">
                       <a:solidFill>
                         <a:schemeClr val="dk2"/>
                       </a:solidFill>
                       <a:prstDash val="solid"/>
                       <a:round/>
-                      <a:headEnd len="sm" w="sm" type="none"/>
-                      <a:tailEnd len="sm" w="sm" type="none"/>
+                      <a:headEnd type="none" w="sm" len="sm"/>
+                      <a:tailEnd type="none" w="sm" len="sm"/>
                     </a:lnL>
-                    <a:lnR cap="flat" cmpd="sng" w="19050">
+                    <a:lnR w="19050" cap="flat" cmpd="sng">
                       <a:solidFill>
                         <a:schemeClr val="dk2"/>
                       </a:solidFill>
                       <a:prstDash val="solid"/>
                       <a:round/>
-                      <a:headEnd len="sm" w="sm" type="none"/>
-                      <a:tailEnd len="sm" w="sm" type="none"/>
+                      <a:headEnd type="none" w="sm" len="sm"/>
+                      <a:tailEnd type="none" w="sm" len="sm"/>
                     </a:lnR>
-                    <a:lnT cap="flat" cmpd="sng" w="19050">
+                    <a:lnT w="19050" cap="flat" cmpd="sng">
                       <a:solidFill>
                         <a:schemeClr val="dk2"/>
                       </a:solidFill>
                       <a:prstDash val="solid"/>
                       <a:round/>
-                      <a:headEnd len="sm" w="sm" type="none"/>
-                      <a:tailEnd len="sm" w="sm" type="none"/>
+                      <a:headEnd type="none" w="sm" len="sm"/>
+                      <a:tailEnd type="none" w="sm" len="sm"/>
                     </a:lnT>
-                    <a:lnB cap="flat" cmpd="sng" w="19050">
+                    <a:lnB w="19050" cap="flat" cmpd="sng">
                       <a:solidFill>
                         <a:schemeClr val="dk2"/>
                       </a:solidFill>
                       <a:prstDash val="solid"/>
                       <a:round/>
-                      <a:headEnd len="sm" w="sm" type="none"/>
-                      <a:tailEnd len="sm" w="sm" type="none"/>
+                      <a:headEnd type="none" w="sm" len="sm"/>
+                      <a:tailEnd type="none" w="sm" len="sm"/>
                     </a:lnB>
                   </a:tcPr>
                 </a:tc>
@@ -7650,7 +7839,7 @@
                     <a:bodyPr/>
                     <a:lstStyle/>
                     <a:p>
-                      <a:pPr indent="0" lvl="0" marL="0" rtl="0" algn="ctr">
+                      <a:pPr marL="0" lvl="0" indent="0" algn="ctr" rtl="0">
                         <a:spcBef>
                           <a:spcPts val="0"/>
                         </a:spcBef>
@@ -7660,7 +7849,7 @@
                         <a:buNone/>
                       </a:pPr>
                       <a:r>
-                        <a:rPr b="1" lang="en">
+                        <a:rPr lang="en" b="1">
                           <a:solidFill>
                             <a:srgbClr val="0000FF"/>
                           </a:solidFill>
@@ -7674,45 +7863,50 @@
                       </a:endParaRPr>
                     </a:p>
                   </a:txBody>
-                  <a:tcPr marT="91425" marB="91425" marR="91425" marL="91425">
-                    <a:lnL cap="flat" cmpd="sng" w="19050">
+                  <a:tcPr marL="91425" marR="91425" marT="91425" marB="91425">
+                    <a:lnL w="19050" cap="flat" cmpd="sng">
                       <a:solidFill>
                         <a:schemeClr val="dk2"/>
                       </a:solidFill>
                       <a:prstDash val="solid"/>
                       <a:round/>
-                      <a:headEnd len="sm" w="sm" type="none"/>
-                      <a:tailEnd len="sm" w="sm" type="none"/>
+                      <a:headEnd type="none" w="sm" len="sm"/>
+                      <a:tailEnd type="none" w="sm" len="sm"/>
                     </a:lnL>
-                    <a:lnR cap="flat" cmpd="sng" w="19050">
+                    <a:lnR w="19050" cap="flat" cmpd="sng">
                       <a:solidFill>
                         <a:schemeClr val="dk2"/>
                       </a:solidFill>
                       <a:prstDash val="solid"/>
                       <a:round/>
-                      <a:headEnd len="sm" w="sm" type="none"/>
-                      <a:tailEnd len="sm" w="sm" type="none"/>
+                      <a:headEnd type="none" w="sm" len="sm"/>
+                      <a:tailEnd type="none" w="sm" len="sm"/>
                     </a:lnR>
-                    <a:lnT cap="flat" cmpd="sng" w="19050">
+                    <a:lnT w="19050" cap="flat" cmpd="sng">
                       <a:solidFill>
                         <a:schemeClr val="dk2"/>
                       </a:solidFill>
                       <a:prstDash val="solid"/>
                       <a:round/>
-                      <a:headEnd len="sm" w="sm" type="none"/>
-                      <a:tailEnd len="sm" w="sm" type="none"/>
+                      <a:headEnd type="none" w="sm" len="sm"/>
+                      <a:tailEnd type="none" w="sm" len="sm"/>
                     </a:lnT>
-                    <a:lnB cap="flat" cmpd="sng" w="19050">
+                    <a:lnB w="19050" cap="flat" cmpd="sng">
                       <a:solidFill>
                         <a:schemeClr val="dk2"/>
                       </a:solidFill>
                       <a:prstDash val="solid"/>
                       <a:round/>
-                      <a:headEnd len="sm" w="sm" type="none"/>
-                      <a:tailEnd len="sm" w="sm" type="none"/>
+                      <a:headEnd type="none" w="sm" len="sm"/>
+                      <a:tailEnd type="none" w="sm" len="sm"/>
                     </a:lnB>
                   </a:tcPr>
                 </a:tc>
+                <a:extLst>
+                  <a:ext uri="{0D108BD9-81ED-4DB2-BD59-A6C34878D82A}">
+                    <a16:rowId xmlns:a16="http://schemas.microsoft.com/office/drawing/2014/main" val="10000"/>
+                  </a:ext>
+                </a:extLst>
               </a:tr>
               <a:tr h="381000">
                 <a:tc>
@@ -7720,7 +7914,7 @@
                     <a:bodyPr/>
                     <a:lstStyle/>
                     <a:p>
-                      <a:pPr indent="0" lvl="0" marL="0" rtl="0" algn="ctr">
+                      <a:pPr marL="0" lvl="0" indent="0" algn="ctr" rtl="0">
                         <a:spcBef>
                           <a:spcPts val="0"/>
                         </a:spcBef>
@@ -7730,7 +7924,7 @@
                         <a:buNone/>
                       </a:pPr>
                       <a:r>
-                        <a:rPr b="1" lang="en">
+                        <a:rPr lang="en" b="1">
                           <a:solidFill>
                             <a:srgbClr val="0000FF"/>
                           </a:solidFill>
@@ -7744,42 +7938,42 @@
                       </a:endParaRPr>
                     </a:p>
                   </a:txBody>
-                  <a:tcPr marT="91425" marB="91425" marR="91425" marL="91425">
-                    <a:lnL cap="flat" cmpd="sng" w="19050">
+                  <a:tcPr marL="91425" marR="91425" marT="91425" marB="91425">
+                    <a:lnL w="19050" cap="flat" cmpd="sng">
                       <a:solidFill>
                         <a:schemeClr val="dk2"/>
                       </a:solidFill>
                       <a:prstDash val="solid"/>
                       <a:round/>
-                      <a:headEnd len="sm" w="sm" type="none"/>
-                      <a:tailEnd len="sm" w="sm" type="none"/>
+                      <a:headEnd type="none" w="sm" len="sm"/>
+                      <a:tailEnd type="none" w="sm" len="sm"/>
                     </a:lnL>
-                    <a:lnR cap="flat" cmpd="sng" w="19050">
+                    <a:lnR w="19050" cap="flat" cmpd="sng">
                       <a:solidFill>
                         <a:schemeClr val="dk2"/>
                       </a:solidFill>
                       <a:prstDash val="solid"/>
                       <a:round/>
-                      <a:headEnd len="sm" w="sm" type="none"/>
-                      <a:tailEnd len="sm" w="sm" type="none"/>
+                      <a:headEnd type="none" w="sm" len="sm"/>
+                      <a:tailEnd type="none" w="sm" len="sm"/>
                     </a:lnR>
-                    <a:lnT cap="flat" cmpd="sng" w="19050">
+                    <a:lnT w="19050" cap="flat" cmpd="sng">
                       <a:solidFill>
                         <a:schemeClr val="dk2"/>
                       </a:solidFill>
                       <a:prstDash val="solid"/>
                       <a:round/>
-                      <a:headEnd len="sm" w="sm" type="none"/>
-                      <a:tailEnd len="sm" w="sm" type="none"/>
+                      <a:headEnd type="none" w="sm" len="sm"/>
+                      <a:tailEnd type="none" w="sm" len="sm"/>
                     </a:lnT>
-                    <a:lnB cap="flat" cmpd="sng" w="19050">
+                    <a:lnB w="19050" cap="flat" cmpd="sng">
                       <a:solidFill>
                         <a:schemeClr val="dk2"/>
                       </a:solidFill>
                       <a:prstDash val="solid"/>
                       <a:round/>
-                      <a:headEnd len="sm" w="sm" type="none"/>
-                      <a:tailEnd len="sm" w="sm" type="none"/>
+                      <a:headEnd type="none" w="sm" len="sm"/>
+                      <a:tailEnd type="none" w="sm" len="sm"/>
                     </a:lnB>
                   </a:tcPr>
                 </a:tc>
@@ -7788,7 +7982,7 @@
                     <a:bodyPr/>
                     <a:lstStyle/>
                     <a:p>
-                      <a:pPr indent="0" lvl="0" marL="0" rtl="0" algn="ctr">
+                      <a:pPr marL="0" lvl="0" indent="0" algn="ctr" rtl="0">
                         <a:spcBef>
                           <a:spcPts val="0"/>
                         </a:spcBef>
@@ -7798,7 +7992,7 @@
                         <a:buNone/>
                       </a:pPr>
                       <a:r>
-                        <a:rPr b="1" lang="en">
+                        <a:rPr lang="en" b="1">
                           <a:solidFill>
                             <a:schemeClr val="dk2"/>
                           </a:solidFill>
@@ -7812,42 +8006,42 @@
                       </a:endParaRPr>
                     </a:p>
                   </a:txBody>
-                  <a:tcPr marT="91425" marB="91425" marR="91425" marL="91425">
-                    <a:lnL cap="flat" cmpd="sng" w="19050">
+                  <a:tcPr marL="91425" marR="91425" marT="91425" marB="91425">
+                    <a:lnL w="19050" cap="flat" cmpd="sng">
                       <a:solidFill>
                         <a:schemeClr val="dk2"/>
                       </a:solidFill>
                       <a:prstDash val="solid"/>
                       <a:round/>
-                      <a:headEnd len="sm" w="sm" type="none"/>
-                      <a:tailEnd len="sm" w="sm" type="none"/>
+                      <a:headEnd type="none" w="sm" len="sm"/>
+                      <a:tailEnd type="none" w="sm" len="sm"/>
                     </a:lnL>
-                    <a:lnR cap="flat" cmpd="sng" w="19050">
+                    <a:lnR w="19050" cap="flat" cmpd="sng">
                       <a:solidFill>
                         <a:schemeClr val="dk2"/>
                       </a:solidFill>
                       <a:prstDash val="solid"/>
                       <a:round/>
-                      <a:headEnd len="sm" w="sm" type="none"/>
-                      <a:tailEnd len="sm" w="sm" type="none"/>
+                      <a:headEnd type="none" w="sm" len="sm"/>
+                      <a:tailEnd type="none" w="sm" len="sm"/>
                     </a:lnR>
-                    <a:lnT cap="flat" cmpd="sng" w="19050">
+                    <a:lnT w="19050" cap="flat" cmpd="sng">
                       <a:solidFill>
                         <a:schemeClr val="dk2"/>
                       </a:solidFill>
                       <a:prstDash val="solid"/>
                       <a:round/>
-                      <a:headEnd len="sm" w="sm" type="none"/>
-                      <a:tailEnd len="sm" w="sm" type="none"/>
+                      <a:headEnd type="none" w="sm" len="sm"/>
+                      <a:tailEnd type="none" w="sm" len="sm"/>
                     </a:lnT>
-                    <a:lnB cap="flat" cmpd="sng" w="19050">
+                    <a:lnB w="19050" cap="flat" cmpd="sng">
                       <a:solidFill>
                         <a:schemeClr val="dk2"/>
                       </a:solidFill>
                       <a:prstDash val="solid"/>
                       <a:round/>
-                      <a:headEnd len="sm" w="sm" type="none"/>
-                      <a:tailEnd len="sm" w="sm" type="none"/>
+                      <a:headEnd type="none" w="sm" len="sm"/>
+                      <a:tailEnd type="none" w="sm" len="sm"/>
                     </a:lnB>
                   </a:tcPr>
                 </a:tc>
@@ -7856,7 +8050,7 @@
                     <a:bodyPr/>
                     <a:lstStyle/>
                     <a:p>
-                      <a:pPr indent="0" lvl="0" marL="0" rtl="0" algn="ctr">
+                      <a:pPr marL="0" lvl="0" indent="0" algn="ctr" rtl="0">
                         <a:spcBef>
                           <a:spcPts val="0"/>
                         </a:spcBef>
@@ -7871,7 +8065,7 @@
                         <a:buNone/>
                       </a:pPr>
                       <a:r>
-                        <a:rPr b="1" lang="en">
+                        <a:rPr lang="en" b="1">
                           <a:solidFill>
                             <a:schemeClr val="dk2"/>
                           </a:solidFill>
@@ -7885,42 +8079,42 @@
                       </a:endParaRPr>
                     </a:p>
                   </a:txBody>
-                  <a:tcPr marT="91425" marB="91425" marR="91425" marL="91425">
-                    <a:lnL cap="flat" cmpd="sng" w="19050">
+                  <a:tcPr marL="91425" marR="91425" marT="91425" marB="91425">
+                    <a:lnL w="19050" cap="flat" cmpd="sng">
                       <a:solidFill>
                         <a:schemeClr val="dk2"/>
                       </a:solidFill>
                       <a:prstDash val="solid"/>
                       <a:round/>
-                      <a:headEnd len="sm" w="sm" type="none"/>
-                      <a:tailEnd len="sm" w="sm" type="none"/>
+                      <a:headEnd type="none" w="sm" len="sm"/>
+                      <a:tailEnd type="none" w="sm" len="sm"/>
                     </a:lnL>
-                    <a:lnR cap="flat" cmpd="sng" w="19050">
+                    <a:lnR w="19050" cap="flat" cmpd="sng">
                       <a:solidFill>
                         <a:schemeClr val="dk2"/>
                       </a:solidFill>
                       <a:prstDash val="solid"/>
                       <a:round/>
-                      <a:headEnd len="sm" w="sm" type="none"/>
-                      <a:tailEnd len="sm" w="sm" type="none"/>
+                      <a:headEnd type="none" w="sm" len="sm"/>
+                      <a:tailEnd type="none" w="sm" len="sm"/>
                     </a:lnR>
-                    <a:lnT cap="flat" cmpd="sng" w="19050">
+                    <a:lnT w="19050" cap="flat" cmpd="sng">
                       <a:solidFill>
                         <a:schemeClr val="dk2"/>
                       </a:solidFill>
                       <a:prstDash val="solid"/>
                       <a:round/>
-                      <a:headEnd len="sm" w="sm" type="none"/>
-                      <a:tailEnd len="sm" w="sm" type="none"/>
+                      <a:headEnd type="none" w="sm" len="sm"/>
+                      <a:tailEnd type="none" w="sm" len="sm"/>
                     </a:lnT>
-                    <a:lnB cap="flat" cmpd="sng" w="19050">
+                    <a:lnB w="19050" cap="flat" cmpd="sng">
                       <a:solidFill>
                         <a:schemeClr val="dk2"/>
                       </a:solidFill>
                       <a:prstDash val="solid"/>
                       <a:round/>
-                      <a:headEnd len="sm" w="sm" type="none"/>
-                      <a:tailEnd len="sm" w="sm" type="none"/>
+                      <a:headEnd type="none" w="sm" len="sm"/>
+                      <a:tailEnd type="none" w="sm" len="sm"/>
                     </a:lnB>
                   </a:tcPr>
                 </a:tc>
@@ -7929,7 +8123,7 @@
                     <a:bodyPr/>
                     <a:lstStyle/>
                     <a:p>
-                      <a:pPr indent="0" lvl="0" marL="0" rtl="0" algn="ctr">
+                      <a:pPr marL="0" lvl="0" indent="0" algn="ctr" rtl="0">
                         <a:spcBef>
                           <a:spcPts val="0"/>
                         </a:spcBef>
@@ -7944,7 +8138,7 @@
                         <a:buNone/>
                       </a:pPr>
                       <a:r>
-                        <a:rPr b="1" lang="en">
+                        <a:rPr lang="en" b="1">
                           <a:solidFill>
                             <a:schemeClr val="dk2"/>
                           </a:solidFill>
@@ -7958,42 +8152,42 @@
                       </a:endParaRPr>
                     </a:p>
                   </a:txBody>
-                  <a:tcPr marT="91425" marB="91425" marR="91425" marL="91425">
-                    <a:lnL cap="flat" cmpd="sng" w="19050">
+                  <a:tcPr marL="91425" marR="91425" marT="91425" marB="91425">
+                    <a:lnL w="19050" cap="flat" cmpd="sng">
                       <a:solidFill>
                         <a:schemeClr val="dk2"/>
                       </a:solidFill>
                       <a:prstDash val="solid"/>
                       <a:round/>
-                      <a:headEnd len="sm" w="sm" type="none"/>
-                      <a:tailEnd len="sm" w="sm" type="none"/>
+                      <a:headEnd type="none" w="sm" len="sm"/>
+                      <a:tailEnd type="none" w="sm" len="sm"/>
                     </a:lnL>
-                    <a:lnR cap="flat" cmpd="sng" w="19050">
+                    <a:lnR w="19050" cap="flat" cmpd="sng">
                       <a:solidFill>
                         <a:schemeClr val="dk2"/>
                       </a:solidFill>
                       <a:prstDash val="solid"/>
                       <a:round/>
-                      <a:headEnd len="sm" w="sm" type="none"/>
-                      <a:tailEnd len="sm" w="sm" type="none"/>
+                      <a:headEnd type="none" w="sm" len="sm"/>
+                      <a:tailEnd type="none" w="sm" len="sm"/>
                     </a:lnR>
-                    <a:lnT cap="flat" cmpd="sng" w="19050">
+                    <a:lnT w="19050" cap="flat" cmpd="sng">
                       <a:solidFill>
                         <a:schemeClr val="dk2"/>
                       </a:solidFill>
                       <a:prstDash val="solid"/>
                       <a:round/>
-                      <a:headEnd len="sm" w="sm" type="none"/>
-                      <a:tailEnd len="sm" w="sm" type="none"/>
+                      <a:headEnd type="none" w="sm" len="sm"/>
+                      <a:tailEnd type="none" w="sm" len="sm"/>
                     </a:lnT>
-                    <a:lnB cap="flat" cmpd="sng" w="19050">
+                    <a:lnB w="19050" cap="flat" cmpd="sng">
                       <a:solidFill>
                         <a:schemeClr val="dk2"/>
                       </a:solidFill>
                       <a:prstDash val="solid"/>
                       <a:round/>
-                      <a:headEnd len="sm" w="sm" type="none"/>
-                      <a:tailEnd len="sm" w="sm" type="none"/>
+                      <a:headEnd type="none" w="sm" len="sm"/>
+                      <a:tailEnd type="none" w="sm" len="sm"/>
                     </a:lnB>
                   </a:tcPr>
                 </a:tc>
@@ -8002,7 +8196,7 @@
                     <a:bodyPr/>
                     <a:lstStyle/>
                     <a:p>
-                      <a:pPr indent="0" lvl="0" marL="0" rtl="0" algn="ctr">
+                      <a:pPr marL="0" lvl="0" indent="0" algn="ctr" rtl="0">
                         <a:spcBef>
                           <a:spcPts val="0"/>
                         </a:spcBef>
@@ -8017,7 +8211,7 @@
                         <a:buNone/>
                       </a:pPr>
                       <a:r>
-                        <a:rPr b="1" lang="en">
+                        <a:rPr lang="en" b="1">
                           <a:solidFill>
                             <a:schemeClr val="dk2"/>
                           </a:solidFill>
@@ -8031,45 +8225,50 @@
                       </a:endParaRPr>
                     </a:p>
                   </a:txBody>
-                  <a:tcPr marT="91425" marB="91425" marR="91425" marL="91425">
-                    <a:lnL cap="flat" cmpd="sng" w="19050">
+                  <a:tcPr marL="91425" marR="91425" marT="91425" marB="91425">
+                    <a:lnL w="19050" cap="flat" cmpd="sng">
                       <a:solidFill>
                         <a:schemeClr val="dk2"/>
                       </a:solidFill>
                       <a:prstDash val="solid"/>
                       <a:round/>
-                      <a:headEnd len="sm" w="sm" type="none"/>
-                      <a:tailEnd len="sm" w="sm" type="none"/>
+                      <a:headEnd type="none" w="sm" len="sm"/>
+                      <a:tailEnd type="none" w="sm" len="sm"/>
                     </a:lnL>
-                    <a:lnR cap="flat" cmpd="sng" w="19050">
+                    <a:lnR w="19050" cap="flat" cmpd="sng">
                       <a:solidFill>
                         <a:schemeClr val="dk2"/>
                       </a:solidFill>
                       <a:prstDash val="solid"/>
                       <a:round/>
-                      <a:headEnd len="sm" w="sm" type="none"/>
-                      <a:tailEnd len="sm" w="sm" type="none"/>
+                      <a:headEnd type="none" w="sm" len="sm"/>
+                      <a:tailEnd type="none" w="sm" len="sm"/>
                     </a:lnR>
-                    <a:lnT cap="flat" cmpd="sng" w="19050">
+                    <a:lnT w="19050" cap="flat" cmpd="sng">
                       <a:solidFill>
                         <a:schemeClr val="dk2"/>
                       </a:solidFill>
                       <a:prstDash val="solid"/>
                       <a:round/>
-                      <a:headEnd len="sm" w="sm" type="none"/>
-                      <a:tailEnd len="sm" w="sm" type="none"/>
+                      <a:headEnd type="none" w="sm" len="sm"/>
+                      <a:tailEnd type="none" w="sm" len="sm"/>
                     </a:lnT>
-                    <a:lnB cap="flat" cmpd="sng" w="19050">
+                    <a:lnB w="19050" cap="flat" cmpd="sng">
                       <a:solidFill>
                         <a:schemeClr val="dk2"/>
                       </a:solidFill>
                       <a:prstDash val="solid"/>
                       <a:round/>
-                      <a:headEnd len="sm" w="sm" type="none"/>
-                      <a:tailEnd len="sm" w="sm" type="none"/>
+                      <a:headEnd type="none" w="sm" len="sm"/>
+                      <a:tailEnd type="none" w="sm" len="sm"/>
                     </a:lnB>
                   </a:tcPr>
                 </a:tc>
+                <a:extLst>
+                  <a:ext uri="{0D108BD9-81ED-4DB2-BD59-A6C34878D82A}">
+                    <a16:rowId xmlns:a16="http://schemas.microsoft.com/office/drawing/2014/main" val="10001"/>
+                  </a:ext>
+                </a:extLst>
               </a:tr>
               <a:tr h="381000">
                 <a:tc>
@@ -8077,7 +8276,7 @@
                     <a:bodyPr/>
                     <a:lstStyle/>
                     <a:p>
-                      <a:pPr indent="0" lvl="0" marL="0" rtl="0" algn="ctr">
+                      <a:pPr marL="0" lvl="0" indent="0" algn="ctr" rtl="0">
                         <a:spcBef>
                           <a:spcPts val="0"/>
                         </a:spcBef>
@@ -8087,7 +8286,7 @@
                         <a:buNone/>
                       </a:pPr>
                       <a:r>
-                        <a:rPr b="1" lang="en">
+                        <a:rPr lang="en" b="1">
                           <a:solidFill>
                             <a:srgbClr val="0000FF"/>
                           </a:solidFill>
@@ -8101,42 +8300,42 @@
                       </a:endParaRPr>
                     </a:p>
                   </a:txBody>
-                  <a:tcPr marT="91425" marB="91425" marR="91425" marL="91425">
-                    <a:lnL cap="flat" cmpd="sng" w="19050">
+                  <a:tcPr marL="91425" marR="91425" marT="91425" marB="91425">
+                    <a:lnL w="19050" cap="flat" cmpd="sng">
                       <a:solidFill>
                         <a:schemeClr val="dk2"/>
                       </a:solidFill>
                       <a:prstDash val="solid"/>
                       <a:round/>
-                      <a:headEnd len="sm" w="sm" type="none"/>
-                      <a:tailEnd len="sm" w="sm" type="none"/>
+                      <a:headEnd type="none" w="sm" len="sm"/>
+                      <a:tailEnd type="none" w="sm" len="sm"/>
                     </a:lnL>
-                    <a:lnR cap="flat" cmpd="sng" w="19050">
+                    <a:lnR w="19050" cap="flat" cmpd="sng">
                       <a:solidFill>
                         <a:schemeClr val="dk2"/>
                       </a:solidFill>
                       <a:prstDash val="solid"/>
                       <a:round/>
-                      <a:headEnd len="sm" w="sm" type="none"/>
-                      <a:tailEnd len="sm" w="sm" type="none"/>
+                      <a:headEnd type="none" w="sm" len="sm"/>
+                      <a:tailEnd type="none" w="sm" len="sm"/>
                     </a:lnR>
-                    <a:lnT cap="flat" cmpd="sng" w="19050">
+                    <a:lnT w="19050" cap="flat" cmpd="sng">
                       <a:solidFill>
                         <a:schemeClr val="dk2"/>
                       </a:solidFill>
                       <a:prstDash val="solid"/>
                       <a:round/>
-                      <a:headEnd len="sm" w="sm" type="none"/>
-                      <a:tailEnd len="sm" w="sm" type="none"/>
+                      <a:headEnd type="none" w="sm" len="sm"/>
+                      <a:tailEnd type="none" w="sm" len="sm"/>
                     </a:lnT>
-                    <a:lnB cap="flat" cmpd="sng" w="19050">
+                    <a:lnB w="19050" cap="flat" cmpd="sng">
                       <a:solidFill>
                         <a:schemeClr val="dk2"/>
                       </a:solidFill>
                       <a:prstDash val="solid"/>
                       <a:round/>
-                      <a:headEnd len="sm" w="sm" type="none"/>
-                      <a:tailEnd len="sm" w="sm" type="none"/>
+                      <a:headEnd type="none" w="sm" len="sm"/>
+                      <a:tailEnd type="none" w="sm" len="sm"/>
                     </a:lnB>
                   </a:tcPr>
                 </a:tc>
@@ -8145,7 +8344,7 @@
                     <a:bodyPr/>
                     <a:lstStyle/>
                     <a:p>
-                      <a:pPr indent="0" lvl="0" marL="0" rtl="0" algn="ctr">
+                      <a:pPr marL="0" lvl="0" indent="0" algn="ctr" rtl="0">
                         <a:spcBef>
                           <a:spcPts val="0"/>
                         </a:spcBef>
@@ -8160,7 +8359,7 @@
                         <a:buNone/>
                       </a:pPr>
                       <a:r>
-                        <a:rPr b="1" lang="en">
+                        <a:rPr lang="en" b="1">
                           <a:solidFill>
                             <a:schemeClr val="dk2"/>
                           </a:solidFill>
@@ -8174,42 +8373,42 @@
                       </a:endParaRPr>
                     </a:p>
                   </a:txBody>
-                  <a:tcPr marT="91425" marB="91425" marR="91425" marL="91425">
-                    <a:lnL cap="flat" cmpd="sng" w="19050">
+                  <a:tcPr marL="91425" marR="91425" marT="91425" marB="91425">
+                    <a:lnL w="19050" cap="flat" cmpd="sng">
                       <a:solidFill>
                         <a:schemeClr val="dk2"/>
                       </a:solidFill>
                       <a:prstDash val="solid"/>
                       <a:round/>
-                      <a:headEnd len="sm" w="sm" type="none"/>
-                      <a:tailEnd len="sm" w="sm" type="none"/>
+                      <a:headEnd type="none" w="sm" len="sm"/>
+                      <a:tailEnd type="none" w="sm" len="sm"/>
                     </a:lnL>
-                    <a:lnR cap="flat" cmpd="sng" w="19050">
+                    <a:lnR w="19050" cap="flat" cmpd="sng">
                       <a:solidFill>
                         <a:schemeClr val="dk2"/>
                       </a:solidFill>
                       <a:prstDash val="solid"/>
                       <a:round/>
-                      <a:headEnd len="sm" w="sm" type="none"/>
-                      <a:tailEnd len="sm" w="sm" type="none"/>
+                      <a:headEnd type="none" w="sm" len="sm"/>
+                      <a:tailEnd type="none" w="sm" len="sm"/>
                     </a:lnR>
-                    <a:lnT cap="flat" cmpd="sng" w="19050">
+                    <a:lnT w="19050" cap="flat" cmpd="sng">
                       <a:solidFill>
                         <a:schemeClr val="dk2"/>
                       </a:solidFill>
                       <a:prstDash val="solid"/>
                       <a:round/>
-                      <a:headEnd len="sm" w="sm" type="none"/>
-                      <a:tailEnd len="sm" w="sm" type="none"/>
+                      <a:headEnd type="none" w="sm" len="sm"/>
+                      <a:tailEnd type="none" w="sm" len="sm"/>
                     </a:lnT>
-                    <a:lnB cap="flat" cmpd="sng" w="19050">
+                    <a:lnB w="19050" cap="flat" cmpd="sng">
                       <a:solidFill>
                         <a:schemeClr val="dk2"/>
                       </a:solidFill>
                       <a:prstDash val="solid"/>
                       <a:round/>
-                      <a:headEnd len="sm" w="sm" type="none"/>
-                      <a:tailEnd len="sm" w="sm" type="none"/>
+                      <a:headEnd type="none" w="sm" len="sm"/>
+                      <a:tailEnd type="none" w="sm" len="sm"/>
                     </a:lnB>
                   </a:tcPr>
                 </a:tc>
@@ -8218,7 +8417,7 @@
                     <a:bodyPr/>
                     <a:lstStyle/>
                     <a:p>
-                      <a:pPr indent="0" lvl="0" marL="0" rtl="0" algn="ctr">
+                      <a:pPr marL="0" lvl="0" indent="0" algn="ctr" rtl="0">
                         <a:spcBef>
                           <a:spcPts val="0"/>
                         </a:spcBef>
@@ -8233,7 +8432,7 @@
                         <a:buNone/>
                       </a:pPr>
                       <a:r>
-                        <a:rPr b="1" lang="en">
+                        <a:rPr lang="en" b="1">
                           <a:solidFill>
                             <a:schemeClr val="dk2"/>
                           </a:solidFill>
@@ -8247,42 +8446,42 @@
                       </a:endParaRPr>
                     </a:p>
                   </a:txBody>
-                  <a:tcPr marT="91425" marB="91425" marR="91425" marL="91425">
-                    <a:lnL cap="flat" cmpd="sng" w="19050">
+                  <a:tcPr marL="91425" marR="91425" marT="91425" marB="91425">
+                    <a:lnL w="19050" cap="flat" cmpd="sng">
                       <a:solidFill>
                         <a:schemeClr val="dk2"/>
                       </a:solidFill>
                       <a:prstDash val="solid"/>
                       <a:round/>
-                      <a:headEnd len="sm" w="sm" type="none"/>
-                      <a:tailEnd len="sm" w="sm" type="none"/>
+                      <a:headEnd type="none" w="sm" len="sm"/>
+                      <a:tailEnd type="none" w="sm" len="sm"/>
                     </a:lnL>
-                    <a:lnR cap="flat" cmpd="sng" w="19050">
+                    <a:lnR w="19050" cap="flat" cmpd="sng">
                       <a:solidFill>
                         <a:schemeClr val="dk2"/>
                       </a:solidFill>
                       <a:prstDash val="solid"/>
                       <a:round/>
-                      <a:headEnd len="sm" w="sm" type="none"/>
-                      <a:tailEnd len="sm" w="sm" type="none"/>
+                      <a:headEnd type="none" w="sm" len="sm"/>
+                      <a:tailEnd type="none" w="sm" len="sm"/>
                     </a:lnR>
-                    <a:lnT cap="flat" cmpd="sng" w="19050">
+                    <a:lnT w="19050" cap="flat" cmpd="sng">
                       <a:solidFill>
                         <a:schemeClr val="dk2"/>
                       </a:solidFill>
                       <a:prstDash val="solid"/>
                       <a:round/>
-                      <a:headEnd len="sm" w="sm" type="none"/>
-                      <a:tailEnd len="sm" w="sm" type="none"/>
+                      <a:headEnd type="none" w="sm" len="sm"/>
+                      <a:tailEnd type="none" w="sm" len="sm"/>
                     </a:lnT>
-                    <a:lnB cap="flat" cmpd="sng" w="19050">
+                    <a:lnB w="19050" cap="flat" cmpd="sng">
                       <a:solidFill>
                         <a:schemeClr val="dk2"/>
                       </a:solidFill>
                       <a:prstDash val="solid"/>
                       <a:round/>
-                      <a:headEnd len="sm" w="sm" type="none"/>
-                      <a:tailEnd len="sm" w="sm" type="none"/>
+                      <a:headEnd type="none" w="sm" len="sm"/>
+                      <a:tailEnd type="none" w="sm" len="sm"/>
                     </a:lnB>
                   </a:tcPr>
                 </a:tc>
@@ -8291,7 +8490,7 @@
                     <a:bodyPr/>
                     <a:lstStyle/>
                     <a:p>
-                      <a:pPr indent="0" lvl="0" marL="0" rtl="0" algn="ctr">
+                      <a:pPr marL="0" lvl="0" indent="0" algn="ctr" rtl="0">
                         <a:spcBef>
                           <a:spcPts val="0"/>
                         </a:spcBef>
@@ -8306,7 +8505,7 @@
                         <a:buNone/>
                       </a:pPr>
                       <a:r>
-                        <a:rPr b="1" lang="en">
+                        <a:rPr lang="en" b="1">
                           <a:solidFill>
                             <a:schemeClr val="dk2"/>
                           </a:solidFill>
@@ -8320,42 +8519,42 @@
                       </a:endParaRPr>
                     </a:p>
                   </a:txBody>
-                  <a:tcPr marT="91425" marB="91425" marR="91425" marL="91425">
-                    <a:lnL cap="flat" cmpd="sng" w="19050">
+                  <a:tcPr marL="91425" marR="91425" marT="91425" marB="91425">
+                    <a:lnL w="19050" cap="flat" cmpd="sng">
                       <a:solidFill>
                         <a:schemeClr val="dk2"/>
                       </a:solidFill>
                       <a:prstDash val="solid"/>
                       <a:round/>
-                      <a:headEnd len="sm" w="sm" type="none"/>
-                      <a:tailEnd len="sm" w="sm" type="none"/>
+                      <a:headEnd type="none" w="sm" len="sm"/>
+                      <a:tailEnd type="none" w="sm" len="sm"/>
                     </a:lnL>
-                    <a:lnR cap="flat" cmpd="sng" w="19050">
+                    <a:lnR w="19050" cap="flat" cmpd="sng">
                       <a:solidFill>
                         <a:schemeClr val="dk2"/>
                       </a:solidFill>
                       <a:prstDash val="solid"/>
                       <a:round/>
-                      <a:headEnd len="sm" w="sm" type="none"/>
-                      <a:tailEnd len="sm" w="sm" type="none"/>
+                      <a:headEnd type="none" w="sm" len="sm"/>
+                      <a:tailEnd type="none" w="sm" len="sm"/>
                     </a:lnR>
-                    <a:lnT cap="flat" cmpd="sng" w="19050">
+                    <a:lnT w="19050" cap="flat" cmpd="sng">
                       <a:solidFill>
                         <a:schemeClr val="dk2"/>
                       </a:solidFill>
                       <a:prstDash val="solid"/>
                       <a:round/>
-                      <a:headEnd len="sm" w="sm" type="none"/>
-                      <a:tailEnd len="sm" w="sm" type="none"/>
+                      <a:headEnd type="none" w="sm" len="sm"/>
+                      <a:tailEnd type="none" w="sm" len="sm"/>
                     </a:lnT>
-                    <a:lnB cap="flat" cmpd="sng" w="19050">
+                    <a:lnB w="19050" cap="flat" cmpd="sng">
                       <a:solidFill>
                         <a:schemeClr val="dk2"/>
                       </a:solidFill>
                       <a:prstDash val="solid"/>
                       <a:round/>
-                      <a:headEnd len="sm" w="sm" type="none"/>
-                      <a:tailEnd len="sm" w="sm" type="none"/>
+                      <a:headEnd type="none" w="sm" len="sm"/>
+                      <a:tailEnd type="none" w="sm" len="sm"/>
                     </a:lnB>
                   </a:tcPr>
                 </a:tc>
@@ -8364,7 +8563,7 @@
                     <a:bodyPr/>
                     <a:lstStyle/>
                     <a:p>
-                      <a:pPr indent="0" lvl="0" marL="0" rtl="0" algn="ctr">
+                      <a:pPr marL="0" lvl="0" indent="0" algn="ctr" rtl="0">
                         <a:spcBef>
                           <a:spcPts val="0"/>
                         </a:spcBef>
@@ -8379,7 +8578,7 @@
                         <a:buNone/>
                       </a:pPr>
                       <a:r>
-                        <a:rPr b="1" lang="en">
+                        <a:rPr lang="en" b="1">
                           <a:solidFill>
                             <a:srgbClr val="FF0000"/>
                           </a:solidFill>
@@ -8393,45 +8592,50 @@
                       </a:endParaRPr>
                     </a:p>
                   </a:txBody>
-                  <a:tcPr marT="91425" marB="91425" marR="91425" marL="91425">
-                    <a:lnL cap="flat" cmpd="sng" w="19050">
+                  <a:tcPr marL="91425" marR="91425" marT="91425" marB="91425">
+                    <a:lnL w="19050" cap="flat" cmpd="sng">
                       <a:solidFill>
                         <a:schemeClr val="dk2"/>
                       </a:solidFill>
                       <a:prstDash val="solid"/>
                       <a:round/>
-                      <a:headEnd len="sm" w="sm" type="none"/>
-                      <a:tailEnd len="sm" w="sm" type="none"/>
+                      <a:headEnd type="none" w="sm" len="sm"/>
+                      <a:tailEnd type="none" w="sm" len="sm"/>
                     </a:lnL>
-                    <a:lnR cap="flat" cmpd="sng" w="19050">
+                    <a:lnR w="19050" cap="flat" cmpd="sng">
                       <a:solidFill>
                         <a:schemeClr val="dk2"/>
                       </a:solidFill>
                       <a:prstDash val="solid"/>
                       <a:round/>
-                      <a:headEnd len="sm" w="sm" type="none"/>
-                      <a:tailEnd len="sm" w="sm" type="none"/>
+                      <a:headEnd type="none" w="sm" len="sm"/>
+                      <a:tailEnd type="none" w="sm" len="sm"/>
                     </a:lnR>
-                    <a:lnT cap="flat" cmpd="sng" w="19050">
+                    <a:lnT w="19050" cap="flat" cmpd="sng">
                       <a:solidFill>
                         <a:schemeClr val="dk2"/>
                       </a:solidFill>
                       <a:prstDash val="solid"/>
                       <a:round/>
-                      <a:headEnd len="sm" w="sm" type="none"/>
-                      <a:tailEnd len="sm" w="sm" type="none"/>
+                      <a:headEnd type="none" w="sm" len="sm"/>
+                      <a:tailEnd type="none" w="sm" len="sm"/>
                     </a:lnT>
-                    <a:lnB cap="flat" cmpd="sng" w="19050">
+                    <a:lnB w="19050" cap="flat" cmpd="sng">
                       <a:solidFill>
                         <a:schemeClr val="dk2"/>
                       </a:solidFill>
                       <a:prstDash val="solid"/>
                       <a:round/>
-                      <a:headEnd len="sm" w="sm" type="none"/>
-                      <a:tailEnd len="sm" w="sm" type="none"/>
+                      <a:headEnd type="none" w="sm" len="sm"/>
+                      <a:tailEnd type="none" w="sm" len="sm"/>
                     </a:lnB>
                   </a:tcPr>
                 </a:tc>
+                <a:extLst>
+                  <a:ext uri="{0D108BD9-81ED-4DB2-BD59-A6C34878D82A}">
+                    <a16:rowId xmlns:a16="http://schemas.microsoft.com/office/drawing/2014/main" val="10002"/>
+                  </a:ext>
+                </a:extLst>
               </a:tr>
               <a:tr h="381000">
                 <a:tc>
@@ -8439,7 +8643,7 @@
                     <a:bodyPr/>
                     <a:lstStyle/>
                     <a:p>
-                      <a:pPr indent="0" lvl="0" marL="0" rtl="0" algn="ctr">
+                      <a:pPr marL="0" lvl="0" indent="0" algn="ctr" rtl="0">
                         <a:spcBef>
                           <a:spcPts val="0"/>
                         </a:spcBef>
@@ -8449,7 +8653,7 @@
                         <a:buNone/>
                       </a:pPr>
                       <a:r>
-                        <a:rPr b="1" lang="en">
+                        <a:rPr lang="en" b="1">
                           <a:solidFill>
                             <a:srgbClr val="0000FF"/>
                           </a:solidFill>
@@ -8463,42 +8667,42 @@
                       </a:endParaRPr>
                     </a:p>
                   </a:txBody>
-                  <a:tcPr marT="91425" marB="91425" marR="91425" marL="91425">
-                    <a:lnL cap="flat" cmpd="sng" w="19050">
+                  <a:tcPr marL="91425" marR="91425" marT="91425" marB="91425">
+                    <a:lnL w="19050" cap="flat" cmpd="sng">
                       <a:solidFill>
                         <a:schemeClr val="dk2"/>
                       </a:solidFill>
                       <a:prstDash val="solid"/>
                       <a:round/>
-                      <a:headEnd len="sm" w="sm" type="none"/>
-                      <a:tailEnd len="sm" w="sm" type="none"/>
+                      <a:headEnd type="none" w="sm" len="sm"/>
+                      <a:tailEnd type="none" w="sm" len="sm"/>
                     </a:lnL>
-                    <a:lnR cap="flat" cmpd="sng" w="19050">
+                    <a:lnR w="19050" cap="flat" cmpd="sng">
                       <a:solidFill>
                         <a:schemeClr val="dk2"/>
                       </a:solidFill>
                       <a:prstDash val="solid"/>
                       <a:round/>
-                      <a:headEnd len="sm" w="sm" type="none"/>
-                      <a:tailEnd len="sm" w="sm" type="none"/>
+                      <a:headEnd type="none" w="sm" len="sm"/>
+                      <a:tailEnd type="none" w="sm" len="sm"/>
                     </a:lnR>
-                    <a:lnT cap="flat" cmpd="sng" w="19050">
+                    <a:lnT w="19050" cap="flat" cmpd="sng">
                       <a:solidFill>
                         <a:schemeClr val="dk2"/>
                       </a:solidFill>
                       <a:prstDash val="solid"/>
                       <a:round/>
-                      <a:headEnd len="sm" w="sm" type="none"/>
-                      <a:tailEnd len="sm" w="sm" type="none"/>
+                      <a:headEnd type="none" w="sm" len="sm"/>
+                      <a:tailEnd type="none" w="sm" len="sm"/>
                     </a:lnT>
-                    <a:lnB cap="flat" cmpd="sng" w="19050">
+                    <a:lnB w="19050" cap="flat" cmpd="sng">
                       <a:solidFill>
                         <a:schemeClr val="dk2"/>
                       </a:solidFill>
                       <a:prstDash val="solid"/>
                       <a:round/>
-                      <a:headEnd len="sm" w="sm" type="none"/>
-                      <a:tailEnd len="sm" w="sm" type="none"/>
+                      <a:headEnd type="none" w="sm" len="sm"/>
+                      <a:tailEnd type="none" w="sm" len="sm"/>
                     </a:lnB>
                   </a:tcPr>
                 </a:tc>
@@ -8507,7 +8711,7 @@
                     <a:bodyPr/>
                     <a:lstStyle/>
                     <a:p>
-                      <a:pPr indent="0" lvl="0" marL="0" rtl="0" algn="ctr">
+                      <a:pPr marL="0" lvl="0" indent="0" algn="ctr" rtl="0">
                         <a:spcBef>
                           <a:spcPts val="0"/>
                         </a:spcBef>
@@ -8522,7 +8726,7 @@
                         <a:buNone/>
                       </a:pPr>
                       <a:r>
-                        <a:rPr b="1" lang="en">
+                        <a:rPr lang="en" b="1">
                           <a:solidFill>
                             <a:schemeClr val="dk2"/>
                           </a:solidFill>
@@ -8536,42 +8740,42 @@
                       </a:endParaRPr>
                     </a:p>
                   </a:txBody>
-                  <a:tcPr marT="91425" marB="91425" marR="91425" marL="91425">
-                    <a:lnL cap="flat" cmpd="sng" w="19050">
+                  <a:tcPr marL="91425" marR="91425" marT="91425" marB="91425">
+                    <a:lnL w="19050" cap="flat" cmpd="sng">
                       <a:solidFill>
                         <a:schemeClr val="dk2"/>
                       </a:solidFill>
                       <a:prstDash val="solid"/>
                       <a:round/>
-                      <a:headEnd len="sm" w="sm" type="none"/>
-                      <a:tailEnd len="sm" w="sm" type="none"/>
+                      <a:headEnd type="none" w="sm" len="sm"/>
+                      <a:tailEnd type="none" w="sm" len="sm"/>
                     </a:lnL>
-                    <a:lnR cap="flat" cmpd="sng" w="19050">
+                    <a:lnR w="19050" cap="flat" cmpd="sng">
                       <a:solidFill>
                         <a:schemeClr val="dk2"/>
                       </a:solidFill>
                       <a:prstDash val="solid"/>
                       <a:round/>
-                      <a:headEnd len="sm" w="sm" type="none"/>
-                      <a:tailEnd len="sm" w="sm" type="none"/>
+                      <a:headEnd type="none" w="sm" len="sm"/>
+                      <a:tailEnd type="none" w="sm" len="sm"/>
                     </a:lnR>
-                    <a:lnT cap="flat" cmpd="sng" w="19050">
+                    <a:lnT w="19050" cap="flat" cmpd="sng">
                       <a:solidFill>
                         <a:schemeClr val="dk2"/>
                       </a:solidFill>
                       <a:prstDash val="solid"/>
                       <a:round/>
-                      <a:headEnd len="sm" w="sm" type="none"/>
-                      <a:tailEnd len="sm" w="sm" type="none"/>
+                      <a:headEnd type="none" w="sm" len="sm"/>
+                      <a:tailEnd type="none" w="sm" len="sm"/>
                     </a:lnT>
-                    <a:lnB cap="flat" cmpd="sng" w="19050">
+                    <a:lnB w="19050" cap="flat" cmpd="sng">
                       <a:solidFill>
                         <a:schemeClr val="dk2"/>
                       </a:solidFill>
                       <a:prstDash val="solid"/>
                       <a:round/>
-                      <a:headEnd len="sm" w="sm" type="none"/>
-                      <a:tailEnd len="sm" w="sm" type="none"/>
+                      <a:headEnd type="none" w="sm" len="sm"/>
+                      <a:tailEnd type="none" w="sm" len="sm"/>
                     </a:lnB>
                   </a:tcPr>
                 </a:tc>
@@ -8580,7 +8784,7 @@
                     <a:bodyPr/>
                     <a:lstStyle/>
                     <a:p>
-                      <a:pPr indent="0" lvl="0" marL="0" rtl="0" algn="ctr">
+                      <a:pPr marL="0" lvl="0" indent="0" algn="ctr" rtl="0">
                         <a:spcBef>
                           <a:spcPts val="0"/>
                         </a:spcBef>
@@ -8595,7 +8799,7 @@
                         <a:buNone/>
                       </a:pPr>
                       <a:r>
-                        <a:rPr b="1" lang="en">
+                        <a:rPr lang="en" b="1">
                           <a:solidFill>
                             <a:schemeClr val="dk2"/>
                           </a:solidFill>
@@ -8609,42 +8813,42 @@
                       </a:endParaRPr>
                     </a:p>
                   </a:txBody>
-                  <a:tcPr marT="91425" marB="91425" marR="91425" marL="91425">
-                    <a:lnL cap="flat" cmpd="sng" w="19050">
+                  <a:tcPr marL="91425" marR="91425" marT="91425" marB="91425">
+                    <a:lnL w="19050" cap="flat" cmpd="sng">
                       <a:solidFill>
                         <a:schemeClr val="dk2"/>
                       </a:solidFill>
                       <a:prstDash val="solid"/>
                       <a:round/>
-                      <a:headEnd len="sm" w="sm" type="none"/>
-                      <a:tailEnd len="sm" w="sm" type="none"/>
+                      <a:headEnd type="none" w="sm" len="sm"/>
+                      <a:tailEnd type="none" w="sm" len="sm"/>
                     </a:lnL>
-                    <a:lnR cap="flat" cmpd="sng" w="19050">
+                    <a:lnR w="19050" cap="flat" cmpd="sng">
                       <a:solidFill>
                         <a:schemeClr val="dk2"/>
                       </a:solidFill>
                       <a:prstDash val="solid"/>
                       <a:round/>
-                      <a:headEnd len="sm" w="sm" type="none"/>
-                      <a:tailEnd len="sm" w="sm" type="none"/>
+                      <a:headEnd type="none" w="sm" len="sm"/>
+                      <a:tailEnd type="none" w="sm" len="sm"/>
                     </a:lnR>
-                    <a:lnT cap="flat" cmpd="sng" w="19050">
+                    <a:lnT w="19050" cap="flat" cmpd="sng">
                       <a:solidFill>
                         <a:schemeClr val="dk2"/>
                       </a:solidFill>
                       <a:prstDash val="solid"/>
                       <a:round/>
-                      <a:headEnd len="sm" w="sm" type="none"/>
-                      <a:tailEnd len="sm" w="sm" type="none"/>
+                      <a:headEnd type="none" w="sm" len="sm"/>
+                      <a:tailEnd type="none" w="sm" len="sm"/>
                     </a:lnT>
-                    <a:lnB cap="flat" cmpd="sng" w="19050">
+                    <a:lnB w="19050" cap="flat" cmpd="sng">
                       <a:solidFill>
                         <a:schemeClr val="dk2"/>
                       </a:solidFill>
                       <a:prstDash val="solid"/>
                       <a:round/>
-                      <a:headEnd len="sm" w="sm" type="none"/>
-                      <a:tailEnd len="sm" w="sm" type="none"/>
+                      <a:headEnd type="none" w="sm" len="sm"/>
+                      <a:tailEnd type="none" w="sm" len="sm"/>
                     </a:lnB>
                   </a:tcPr>
                 </a:tc>
@@ -8653,7 +8857,7 @@
                     <a:bodyPr/>
                     <a:lstStyle/>
                     <a:p>
-                      <a:pPr indent="0" lvl="0" marL="0" rtl="0" algn="ctr">
+                      <a:pPr marL="0" lvl="0" indent="0" algn="ctr" rtl="0">
                         <a:spcBef>
                           <a:spcPts val="0"/>
                         </a:spcBef>
@@ -8668,7 +8872,7 @@
                         <a:buNone/>
                       </a:pPr>
                       <a:r>
-                        <a:rPr b="1" lang="en">
+                        <a:rPr lang="en" b="1">
                           <a:solidFill>
                             <a:srgbClr val="FF0000"/>
                           </a:solidFill>
@@ -8682,42 +8886,42 @@
                       </a:endParaRPr>
                     </a:p>
                   </a:txBody>
-                  <a:tcPr marT="91425" marB="91425" marR="91425" marL="91425">
-                    <a:lnL cap="flat" cmpd="sng" w="19050">
+                  <a:tcPr marL="91425" marR="91425" marT="91425" marB="91425">
+                    <a:lnL w="19050" cap="flat" cmpd="sng">
                       <a:solidFill>
                         <a:schemeClr val="dk2"/>
                       </a:solidFill>
                       <a:prstDash val="solid"/>
                       <a:round/>
-                      <a:headEnd len="sm" w="sm" type="none"/>
-                      <a:tailEnd len="sm" w="sm" type="none"/>
+                      <a:headEnd type="none" w="sm" len="sm"/>
+                      <a:tailEnd type="none" w="sm" len="sm"/>
                     </a:lnL>
-                    <a:lnR cap="flat" cmpd="sng" w="19050">
+                    <a:lnR w="19050" cap="flat" cmpd="sng">
                       <a:solidFill>
                         <a:schemeClr val="dk2"/>
                       </a:solidFill>
                       <a:prstDash val="solid"/>
                       <a:round/>
-                      <a:headEnd len="sm" w="sm" type="none"/>
-                      <a:tailEnd len="sm" w="sm" type="none"/>
+                      <a:headEnd type="none" w="sm" len="sm"/>
+                      <a:tailEnd type="none" w="sm" len="sm"/>
                     </a:lnR>
-                    <a:lnT cap="flat" cmpd="sng" w="19050">
+                    <a:lnT w="19050" cap="flat" cmpd="sng">
                       <a:solidFill>
                         <a:schemeClr val="dk2"/>
                       </a:solidFill>
                       <a:prstDash val="solid"/>
                       <a:round/>
-                      <a:headEnd len="sm" w="sm" type="none"/>
-                      <a:tailEnd len="sm" w="sm" type="none"/>
+                      <a:headEnd type="none" w="sm" len="sm"/>
+                      <a:tailEnd type="none" w="sm" len="sm"/>
                     </a:lnT>
-                    <a:lnB cap="flat" cmpd="sng" w="19050">
+                    <a:lnB w="19050" cap="flat" cmpd="sng">
                       <a:solidFill>
                         <a:schemeClr val="dk2"/>
                       </a:solidFill>
                       <a:prstDash val="solid"/>
                       <a:round/>
-                      <a:headEnd len="sm" w="sm" type="none"/>
-                      <a:tailEnd len="sm" w="sm" type="none"/>
+                      <a:headEnd type="none" w="sm" len="sm"/>
+                      <a:tailEnd type="none" w="sm" len="sm"/>
                     </a:lnB>
                   </a:tcPr>
                 </a:tc>
@@ -8726,7 +8930,7 @@
                     <a:bodyPr/>
                     <a:lstStyle/>
                     <a:p>
-                      <a:pPr indent="0" lvl="0" marL="0" rtl="0" algn="ctr">
+                      <a:pPr marL="0" lvl="0" indent="0" algn="ctr" rtl="0">
                         <a:spcBef>
                           <a:spcPts val="0"/>
                         </a:spcBef>
@@ -8736,7 +8940,7 @@
                         <a:buNone/>
                       </a:pPr>
                       <a:r>
-                        <a:rPr b="1" lang="en">
+                        <a:rPr lang="en" b="1">
                           <a:solidFill>
                             <a:srgbClr val="FF0000"/>
                           </a:solidFill>
@@ -8746,45 +8950,50 @@
                       <a:endParaRPr/>
                     </a:p>
                   </a:txBody>
-                  <a:tcPr marT="91425" marB="91425" marR="91425" marL="91425">
-                    <a:lnL cap="flat" cmpd="sng" w="19050">
+                  <a:tcPr marL="91425" marR="91425" marT="91425" marB="91425">
+                    <a:lnL w="19050" cap="flat" cmpd="sng">
                       <a:solidFill>
                         <a:schemeClr val="dk2"/>
                       </a:solidFill>
                       <a:prstDash val="solid"/>
                       <a:round/>
-                      <a:headEnd len="sm" w="sm" type="none"/>
-                      <a:tailEnd len="sm" w="sm" type="none"/>
+                      <a:headEnd type="none" w="sm" len="sm"/>
+                      <a:tailEnd type="none" w="sm" len="sm"/>
                     </a:lnL>
-                    <a:lnR cap="flat" cmpd="sng" w="19050">
+                    <a:lnR w="19050" cap="flat" cmpd="sng">
                       <a:solidFill>
                         <a:schemeClr val="dk2"/>
                       </a:solidFill>
                       <a:prstDash val="solid"/>
                       <a:round/>
-                      <a:headEnd len="sm" w="sm" type="none"/>
-                      <a:tailEnd len="sm" w="sm" type="none"/>
+                      <a:headEnd type="none" w="sm" len="sm"/>
+                      <a:tailEnd type="none" w="sm" len="sm"/>
                     </a:lnR>
-                    <a:lnT cap="flat" cmpd="sng" w="19050">
+                    <a:lnT w="19050" cap="flat" cmpd="sng">
                       <a:solidFill>
                         <a:schemeClr val="dk2"/>
                       </a:solidFill>
                       <a:prstDash val="solid"/>
                       <a:round/>
-                      <a:headEnd len="sm" w="sm" type="none"/>
-                      <a:tailEnd len="sm" w="sm" type="none"/>
+                      <a:headEnd type="none" w="sm" len="sm"/>
+                      <a:tailEnd type="none" w="sm" len="sm"/>
                     </a:lnT>
-                    <a:lnB cap="flat" cmpd="sng" w="19050">
+                    <a:lnB w="19050" cap="flat" cmpd="sng">
                       <a:solidFill>
                         <a:schemeClr val="dk2"/>
                       </a:solidFill>
                       <a:prstDash val="solid"/>
                       <a:round/>
-                      <a:headEnd len="sm" w="sm" type="none"/>
-                      <a:tailEnd len="sm" w="sm" type="none"/>
+                      <a:headEnd type="none" w="sm" len="sm"/>
+                      <a:tailEnd type="none" w="sm" len="sm"/>
                     </a:lnB>
                   </a:tcPr>
                 </a:tc>
+                <a:extLst>
+                  <a:ext uri="{0D108BD9-81ED-4DB2-BD59-A6C34878D82A}">
+                    <a16:rowId xmlns:a16="http://schemas.microsoft.com/office/drawing/2014/main" val="10003"/>
+                  </a:ext>
+                </a:extLst>
               </a:tr>
               <a:tr h="381000">
                 <a:tc>
@@ -8792,7 +9001,7 @@
                     <a:bodyPr/>
                     <a:lstStyle/>
                     <a:p>
-                      <a:pPr indent="0" lvl="0" marL="0" rtl="0" algn="ctr">
+                      <a:pPr marL="0" lvl="0" indent="0" algn="ctr" rtl="0">
                         <a:spcBef>
                           <a:spcPts val="0"/>
                         </a:spcBef>
@@ -8802,7 +9011,7 @@
                         <a:buNone/>
                       </a:pPr>
                       <a:r>
-                        <a:rPr b="1" lang="en">
+                        <a:rPr lang="en" b="1">
                           <a:solidFill>
                             <a:srgbClr val="0000FF"/>
                           </a:solidFill>
@@ -8816,42 +9025,42 @@
                       </a:endParaRPr>
                     </a:p>
                   </a:txBody>
-                  <a:tcPr marT="91425" marB="91425" marR="91425" marL="91425">
-                    <a:lnL cap="flat" cmpd="sng" w="19050">
+                  <a:tcPr marL="91425" marR="91425" marT="91425" marB="91425">
+                    <a:lnL w="19050" cap="flat" cmpd="sng">
                       <a:solidFill>
                         <a:schemeClr val="dk2"/>
                       </a:solidFill>
                       <a:prstDash val="solid"/>
                       <a:round/>
-                      <a:headEnd len="sm" w="sm" type="none"/>
-                      <a:tailEnd len="sm" w="sm" type="none"/>
+                      <a:headEnd type="none" w="sm" len="sm"/>
+                      <a:tailEnd type="none" w="sm" len="sm"/>
                     </a:lnL>
-                    <a:lnR cap="flat" cmpd="sng" w="19050">
+                    <a:lnR w="19050" cap="flat" cmpd="sng">
                       <a:solidFill>
                         <a:schemeClr val="dk2"/>
                       </a:solidFill>
                       <a:prstDash val="solid"/>
                       <a:round/>
-                      <a:headEnd len="sm" w="sm" type="none"/>
-                      <a:tailEnd len="sm" w="sm" type="none"/>
+                      <a:headEnd type="none" w="sm" len="sm"/>
+                      <a:tailEnd type="none" w="sm" len="sm"/>
                     </a:lnR>
-                    <a:lnT cap="flat" cmpd="sng" w="19050">
+                    <a:lnT w="19050" cap="flat" cmpd="sng">
                       <a:solidFill>
                         <a:schemeClr val="dk2"/>
                       </a:solidFill>
                       <a:prstDash val="solid"/>
                       <a:round/>
-                      <a:headEnd len="sm" w="sm" type="none"/>
-                      <a:tailEnd len="sm" w="sm" type="none"/>
+                      <a:headEnd type="none" w="sm" len="sm"/>
+                      <a:tailEnd type="none" w="sm" len="sm"/>
                     </a:lnT>
-                    <a:lnB cap="flat" cmpd="sng" w="19050">
+                    <a:lnB w="19050" cap="flat" cmpd="sng">
                       <a:solidFill>
                         <a:schemeClr val="dk2"/>
                       </a:solidFill>
                       <a:prstDash val="solid"/>
                       <a:round/>
-                      <a:headEnd len="sm" w="sm" type="none"/>
-                      <a:tailEnd len="sm" w="sm" type="none"/>
+                      <a:headEnd type="none" w="sm" len="sm"/>
+                      <a:tailEnd type="none" w="sm" len="sm"/>
                     </a:lnB>
                   </a:tcPr>
                 </a:tc>
@@ -8860,7 +9069,7 @@
                     <a:bodyPr/>
                     <a:lstStyle/>
                     <a:p>
-                      <a:pPr indent="0" lvl="0" marL="0" rtl="0" algn="ctr">
+                      <a:pPr marL="0" lvl="0" indent="0" algn="ctr" rtl="0">
                         <a:spcBef>
                           <a:spcPts val="0"/>
                         </a:spcBef>
@@ -8875,7 +9084,7 @@
                         <a:buNone/>
                       </a:pPr>
                       <a:r>
-                        <a:rPr b="1" lang="en">
+                        <a:rPr lang="en" b="1">
                           <a:solidFill>
                             <a:schemeClr val="dk2"/>
                           </a:solidFill>
@@ -8889,42 +9098,42 @@
                       </a:endParaRPr>
                     </a:p>
                   </a:txBody>
-                  <a:tcPr marT="91425" marB="91425" marR="91425" marL="91425">
-                    <a:lnL cap="flat" cmpd="sng" w="19050">
+                  <a:tcPr marL="91425" marR="91425" marT="91425" marB="91425">
+                    <a:lnL w="19050" cap="flat" cmpd="sng">
                       <a:solidFill>
                         <a:schemeClr val="dk2"/>
                       </a:solidFill>
                       <a:prstDash val="solid"/>
                       <a:round/>
-                      <a:headEnd len="sm" w="sm" type="none"/>
-                      <a:tailEnd len="sm" w="sm" type="none"/>
+                      <a:headEnd type="none" w="sm" len="sm"/>
+                      <a:tailEnd type="none" w="sm" len="sm"/>
                     </a:lnL>
-                    <a:lnR cap="flat" cmpd="sng" w="19050">
+                    <a:lnR w="19050" cap="flat" cmpd="sng">
                       <a:solidFill>
                         <a:schemeClr val="dk2"/>
                       </a:solidFill>
                       <a:prstDash val="solid"/>
                       <a:round/>
-                      <a:headEnd len="sm" w="sm" type="none"/>
-                      <a:tailEnd len="sm" w="sm" type="none"/>
+                      <a:headEnd type="none" w="sm" len="sm"/>
+                      <a:tailEnd type="none" w="sm" len="sm"/>
                     </a:lnR>
-                    <a:lnT cap="flat" cmpd="sng" w="19050">
+                    <a:lnT w="19050" cap="flat" cmpd="sng">
                       <a:solidFill>
                         <a:schemeClr val="dk2"/>
                       </a:solidFill>
                       <a:prstDash val="solid"/>
                       <a:round/>
-                      <a:headEnd len="sm" w="sm" type="none"/>
-                      <a:tailEnd len="sm" w="sm" type="none"/>
+                      <a:headEnd type="none" w="sm" len="sm"/>
+                      <a:tailEnd type="none" w="sm" len="sm"/>
                     </a:lnT>
-                    <a:lnB cap="flat" cmpd="sng" w="19050">
+                    <a:lnB w="19050" cap="flat" cmpd="sng">
                       <a:solidFill>
                         <a:schemeClr val="dk2"/>
                       </a:solidFill>
                       <a:prstDash val="solid"/>
                       <a:round/>
-                      <a:headEnd len="sm" w="sm" type="none"/>
-                      <a:tailEnd len="sm" w="sm" type="none"/>
+                      <a:headEnd type="none" w="sm" len="sm"/>
+                      <a:tailEnd type="none" w="sm" len="sm"/>
                     </a:lnB>
                   </a:tcPr>
                 </a:tc>
@@ -8933,7 +9142,7 @@
                     <a:bodyPr/>
                     <a:lstStyle/>
                     <a:p>
-                      <a:pPr indent="0" lvl="0" marL="0" rtl="0" algn="ctr">
+                      <a:pPr marL="0" lvl="0" indent="0" algn="ctr" rtl="0">
                         <a:spcBef>
                           <a:spcPts val="0"/>
                         </a:spcBef>
@@ -8943,7 +9152,7 @@
                         <a:buNone/>
                       </a:pPr>
                       <a:r>
-                        <a:rPr b="1" lang="en">
+                        <a:rPr lang="en" b="1">
                           <a:solidFill>
                             <a:srgbClr val="FF0000"/>
                           </a:solidFill>
@@ -8957,42 +9166,42 @@
                       </a:endParaRPr>
                     </a:p>
                   </a:txBody>
-                  <a:tcPr marT="91425" marB="91425" marR="91425" marL="91425">
-                    <a:lnL cap="flat" cmpd="sng" w="19050">
+                  <a:tcPr marL="91425" marR="91425" marT="91425" marB="91425">
+                    <a:lnL w="19050" cap="flat" cmpd="sng">
                       <a:solidFill>
                         <a:schemeClr val="dk2"/>
                       </a:solidFill>
                       <a:prstDash val="solid"/>
                       <a:round/>
-                      <a:headEnd len="sm" w="sm" type="none"/>
-                      <a:tailEnd len="sm" w="sm" type="none"/>
+                      <a:headEnd type="none" w="sm" len="sm"/>
+                      <a:tailEnd type="none" w="sm" len="sm"/>
                     </a:lnL>
-                    <a:lnR cap="flat" cmpd="sng" w="19050">
+                    <a:lnR w="19050" cap="flat" cmpd="sng">
                       <a:solidFill>
                         <a:schemeClr val="dk2"/>
                       </a:solidFill>
                       <a:prstDash val="solid"/>
                       <a:round/>
-                      <a:headEnd len="sm" w="sm" type="none"/>
-                      <a:tailEnd len="sm" w="sm" type="none"/>
+                      <a:headEnd type="none" w="sm" len="sm"/>
+                      <a:tailEnd type="none" w="sm" len="sm"/>
                     </a:lnR>
-                    <a:lnT cap="flat" cmpd="sng" w="19050">
+                    <a:lnT w="19050" cap="flat" cmpd="sng">
                       <a:solidFill>
                         <a:schemeClr val="dk2"/>
                       </a:solidFill>
                       <a:prstDash val="solid"/>
                       <a:round/>
-                      <a:headEnd len="sm" w="sm" type="none"/>
-                      <a:tailEnd len="sm" w="sm" type="none"/>
+                      <a:headEnd type="none" w="sm" len="sm"/>
+                      <a:tailEnd type="none" w="sm" len="sm"/>
                     </a:lnT>
-                    <a:lnB cap="flat" cmpd="sng" w="19050">
+                    <a:lnB w="19050" cap="flat" cmpd="sng">
                       <a:solidFill>
                         <a:schemeClr val="dk2"/>
                       </a:solidFill>
                       <a:prstDash val="solid"/>
                       <a:round/>
-                      <a:headEnd len="sm" w="sm" type="none"/>
-                      <a:tailEnd len="sm" w="sm" type="none"/>
+                      <a:headEnd type="none" w="sm" len="sm"/>
+                      <a:tailEnd type="none" w="sm" len="sm"/>
                     </a:lnB>
                   </a:tcPr>
                 </a:tc>
@@ -9001,7 +9210,7 @@
                     <a:bodyPr/>
                     <a:lstStyle/>
                     <a:p>
-                      <a:pPr indent="0" lvl="0" marL="0" rtl="0" algn="ctr">
+                      <a:pPr marL="0" lvl="0" indent="0" algn="ctr" rtl="0">
                         <a:spcBef>
                           <a:spcPts val="0"/>
                         </a:spcBef>
@@ -9016,7 +9225,7 @@
                         <a:buNone/>
                       </a:pPr>
                       <a:r>
-                        <a:rPr b="1" lang="en">
+                        <a:rPr lang="en" b="1">
                           <a:solidFill>
                             <a:srgbClr val="FF0000"/>
                           </a:solidFill>
@@ -9030,42 +9239,42 @@
                       </a:endParaRPr>
                     </a:p>
                   </a:txBody>
-                  <a:tcPr marT="91425" marB="91425" marR="91425" marL="91425">
-                    <a:lnL cap="flat" cmpd="sng" w="19050">
+                  <a:tcPr marL="91425" marR="91425" marT="91425" marB="91425">
+                    <a:lnL w="19050" cap="flat" cmpd="sng">
                       <a:solidFill>
                         <a:schemeClr val="dk2"/>
                       </a:solidFill>
                       <a:prstDash val="solid"/>
                       <a:round/>
-                      <a:headEnd len="sm" w="sm" type="none"/>
-                      <a:tailEnd len="sm" w="sm" type="none"/>
+                      <a:headEnd type="none" w="sm" len="sm"/>
+                      <a:tailEnd type="none" w="sm" len="sm"/>
                     </a:lnL>
-                    <a:lnR cap="flat" cmpd="sng" w="19050">
+                    <a:lnR w="19050" cap="flat" cmpd="sng">
                       <a:solidFill>
                         <a:schemeClr val="dk2"/>
                       </a:solidFill>
                       <a:prstDash val="solid"/>
                       <a:round/>
-                      <a:headEnd len="sm" w="sm" type="none"/>
-                      <a:tailEnd len="sm" w="sm" type="none"/>
+                      <a:headEnd type="none" w="sm" len="sm"/>
+                      <a:tailEnd type="none" w="sm" len="sm"/>
                     </a:lnR>
-                    <a:lnT cap="flat" cmpd="sng" w="19050">
+                    <a:lnT w="19050" cap="flat" cmpd="sng">
                       <a:solidFill>
                         <a:schemeClr val="dk2"/>
                       </a:solidFill>
                       <a:prstDash val="solid"/>
                       <a:round/>
-                      <a:headEnd len="sm" w="sm" type="none"/>
-                      <a:tailEnd len="sm" w="sm" type="none"/>
+                      <a:headEnd type="none" w="sm" len="sm"/>
+                      <a:tailEnd type="none" w="sm" len="sm"/>
                     </a:lnT>
-                    <a:lnB cap="flat" cmpd="sng" w="19050">
+                    <a:lnB w="19050" cap="flat" cmpd="sng">
                       <a:solidFill>
                         <a:schemeClr val="dk2"/>
                       </a:solidFill>
                       <a:prstDash val="solid"/>
                       <a:round/>
-                      <a:headEnd len="sm" w="sm" type="none"/>
-                      <a:tailEnd len="sm" w="sm" type="none"/>
+                      <a:headEnd type="none" w="sm" len="sm"/>
+                      <a:tailEnd type="none" w="sm" len="sm"/>
                     </a:lnB>
                   </a:tcPr>
                 </a:tc>
@@ -9074,7 +9283,7 @@
                     <a:bodyPr/>
                     <a:lstStyle/>
                     <a:p>
-                      <a:pPr indent="0" lvl="0" marL="0" rtl="0" algn="ctr">
+                      <a:pPr marL="0" lvl="0" indent="0" algn="ctr" rtl="0">
                         <a:spcBef>
                           <a:spcPts val="0"/>
                         </a:spcBef>
@@ -9084,7 +9293,7 @@
                         <a:buNone/>
                       </a:pPr>
                       <a:r>
-                        <a:rPr b="1" lang="en">
+                        <a:rPr lang="en" b="1">
                           <a:solidFill>
                             <a:srgbClr val="FF0000"/>
                           </a:solidFill>
@@ -9098,45 +9307,50 @@
                       </a:endParaRPr>
                     </a:p>
                   </a:txBody>
-                  <a:tcPr marT="91425" marB="91425" marR="91425" marL="91425">
-                    <a:lnL cap="flat" cmpd="sng" w="19050">
+                  <a:tcPr marL="91425" marR="91425" marT="91425" marB="91425">
+                    <a:lnL w="19050" cap="flat" cmpd="sng">
                       <a:solidFill>
                         <a:schemeClr val="dk2"/>
                       </a:solidFill>
                       <a:prstDash val="solid"/>
                       <a:round/>
-                      <a:headEnd len="sm" w="sm" type="none"/>
-                      <a:tailEnd len="sm" w="sm" type="none"/>
+                      <a:headEnd type="none" w="sm" len="sm"/>
+                      <a:tailEnd type="none" w="sm" len="sm"/>
                     </a:lnL>
-                    <a:lnR cap="flat" cmpd="sng" w="19050">
+                    <a:lnR w="19050" cap="flat" cmpd="sng">
                       <a:solidFill>
                         <a:schemeClr val="dk2"/>
                       </a:solidFill>
                       <a:prstDash val="solid"/>
                       <a:round/>
-                      <a:headEnd len="sm" w="sm" type="none"/>
-                      <a:tailEnd len="sm" w="sm" type="none"/>
+                      <a:headEnd type="none" w="sm" len="sm"/>
+                      <a:tailEnd type="none" w="sm" len="sm"/>
                     </a:lnR>
-                    <a:lnT cap="flat" cmpd="sng" w="19050">
+                    <a:lnT w="19050" cap="flat" cmpd="sng">
                       <a:solidFill>
                         <a:schemeClr val="dk2"/>
                       </a:solidFill>
                       <a:prstDash val="solid"/>
                       <a:round/>
-                      <a:headEnd len="sm" w="sm" type="none"/>
-                      <a:tailEnd len="sm" w="sm" type="none"/>
+                      <a:headEnd type="none" w="sm" len="sm"/>
+                      <a:tailEnd type="none" w="sm" len="sm"/>
                     </a:lnT>
-                    <a:lnB cap="flat" cmpd="sng" w="19050">
+                    <a:lnB w="19050" cap="flat" cmpd="sng">
                       <a:solidFill>
                         <a:schemeClr val="dk2"/>
                       </a:solidFill>
                       <a:prstDash val="solid"/>
                       <a:round/>
-                      <a:headEnd len="sm" w="sm" type="none"/>
-                      <a:tailEnd len="sm" w="sm" type="none"/>
+                      <a:headEnd type="none" w="sm" len="sm"/>
+                      <a:tailEnd type="none" w="sm" len="sm"/>
                     </a:lnB>
                   </a:tcPr>
                 </a:tc>
+                <a:extLst>
+                  <a:ext uri="{0D108BD9-81ED-4DB2-BD59-A6C34878D82A}">
+                    <a16:rowId xmlns:a16="http://schemas.microsoft.com/office/drawing/2014/main" val="10004"/>
+                  </a:ext>
+                </a:extLst>
               </a:tr>
             </a:tbl>
           </a:graphicData>
@@ -9179,11 +9393,11 @@
 </file>
 
 <file path=ppt/slides/slide5.xml><?xml version="1.0" encoding="utf-8"?>
-<p:sld xmlns:a="http://schemas.openxmlformats.org/drawingml/2006/main" xmlns:r="http://schemas.openxmlformats.org/officeDocument/2006/relationships" xmlns:mc="http://schemas.openxmlformats.org/markup-compatibility/2006" xmlns:mv="urn:schemas-microsoft-com:mac:vml" xmlns:p="http://schemas.openxmlformats.org/presentationml/2006/main" xmlns:c="http://schemas.openxmlformats.org/drawingml/2006/chart" xmlns:dgm="http://schemas.openxmlformats.org/drawingml/2006/diagram" xmlns:o="urn:schemas-microsoft-com:office:office" xmlns:v="urn:schemas-microsoft-com:vml" xmlns:pvml="urn:schemas-microsoft-com:office:powerpoint" xmlns:com="http://schemas.openxmlformats.org/drawingml/2006/compatibility" xmlns:p14="http://schemas.microsoft.com/office/powerpoint/2010/main" xmlns:p15="http://schemas.microsoft.com/office/powerpoint/2012/main" xmlns:ahyp="http://schemas.microsoft.com/office/drawing/2018/hyperlinkcolor">
+<p:sld xmlns:a="http://schemas.openxmlformats.org/drawingml/2006/main" xmlns:r="http://schemas.openxmlformats.org/officeDocument/2006/relationships" xmlns:p="http://schemas.openxmlformats.org/presentationml/2006/main">
   <p:cSld>
     <p:spTree>
       <p:nvGrpSpPr>
-        <p:cNvPr id="89" name="Shape 89"/>
+        <p:cNvPr id="1" name="Shape 89"/>
         <p:cNvGrpSpPr/>
         <p:nvPr/>
       </p:nvGrpSpPr>
@@ -9198,7 +9412,9 @@
       <p:sp>
         <p:nvSpPr>
           <p:cNvPr id="90" name="Google Shape;90;p17"/>
-          <p:cNvSpPr txBox="1"/>
+          <p:cNvSpPr txBox="1">
+            <a:spLocks noGrp="1"/>
+          </p:cNvSpPr>
           <p:nvPr>
             <p:ph type="title"/>
           </p:nvPr>
@@ -9213,12 +9429,12 @@
           </a:prstGeom>
         </p:spPr>
         <p:txBody>
-          <a:bodyPr anchorCtr="0" anchor="t" bIns="91425" lIns="91425" spcFirstLastPara="1" rIns="91425" wrap="square" tIns="91425">
+          <a:bodyPr spcFirstLastPara="1" wrap="square" lIns="91425" tIns="91425" rIns="91425" bIns="91425" anchor="t" anchorCtr="0">
             <a:noAutofit/>
           </a:bodyPr>
           <a:lstStyle/>
           <a:p>
-            <a:pPr indent="0" lvl="0" marL="0" rtl="0" algn="l">
+            <a:pPr marL="0" lvl="0" indent="0" algn="l" rtl="0">
               <a:spcBef>
                 <a:spcPts val="0"/>
               </a:spcBef>
@@ -9228,7 +9444,7 @@
               <a:buNone/>
             </a:pPr>
             <a:r>
-              <a:rPr b="1" lang="en">
+              <a:rPr lang="en" b="1">
                 <a:solidFill>
                   <a:srgbClr val="0000FF"/>
                 </a:solidFill>
@@ -9246,9 +9462,11 @@
       <p:sp>
         <p:nvSpPr>
           <p:cNvPr id="91" name="Google Shape;91;p17"/>
-          <p:cNvSpPr txBox="1"/>
+          <p:cNvSpPr txBox="1">
+            <a:spLocks noGrp="1"/>
+          </p:cNvSpPr>
           <p:nvPr>
-            <p:ph idx="1" type="body"/>
+            <p:ph type="body" idx="1"/>
           </p:nvPr>
         </p:nvSpPr>
         <p:spPr>
@@ -9261,12 +9479,12 @@
           </a:prstGeom>
         </p:spPr>
         <p:txBody>
-          <a:bodyPr anchorCtr="0" anchor="t" bIns="91425" lIns="91425" spcFirstLastPara="1" rIns="91425" wrap="square" tIns="91425">
+          <a:bodyPr spcFirstLastPara="1" wrap="square" lIns="91425" tIns="91425" rIns="91425" bIns="91425" anchor="t" anchorCtr="0">
             <a:noAutofit/>
           </a:bodyPr>
           <a:lstStyle/>
           <a:p>
-            <a:pPr indent="0" lvl="0" marL="0" rtl="0" algn="l">
+            <a:pPr marL="0" lvl="0" indent="0" algn="l" rtl="0">
               <a:spcBef>
                 <a:spcPts val="0"/>
               </a:spcBef>
@@ -9280,20 +9498,12 @@
               <a:t>If you don’t use any modifier, it is treated as </a:t>
             </a:r>
             <a:r>
-              <a:rPr b="1" lang="en">
+              <a:rPr lang="en" b="1">
                 <a:solidFill>
                   <a:srgbClr val="0000FF"/>
                 </a:solidFill>
               </a:rPr>
-              <a:t>default by </a:t>
-            </a:r>
-            <a:r>
-              <a:rPr b="1" lang="en">
-                <a:solidFill>
-                  <a:srgbClr val="0000FF"/>
-                </a:solidFill>
-              </a:rPr>
-              <a:t>default</a:t>
+              <a:t>default by default</a:t>
             </a:r>
             <a:endParaRPr b="1">
               <a:solidFill>
@@ -9302,7 +9512,7 @@
             </a:endParaRPr>
           </a:p>
           <a:p>
-            <a:pPr indent="0" lvl="0" marL="0" rtl="0" algn="l">
+            <a:pPr marL="0" lvl="0" indent="0" algn="l" rtl="0">
               <a:spcBef>
                 <a:spcPts val="1600"/>
               </a:spcBef>
@@ -9311,13 +9521,10 @@
               </a:spcAft>
               <a:buNone/>
             </a:pPr>
-            <a:r>
-              <a:t/>
-            </a:r>
             <a:endParaRPr/>
           </a:p>
           <a:p>
-            <a:pPr indent="0" lvl="0" marL="0" rtl="0" algn="l">
+            <a:pPr marL="0" lvl="0" indent="0" algn="l" rtl="0">
               <a:spcBef>
                 <a:spcPts val="1600"/>
               </a:spcBef>
@@ -9328,18 +9535,10 @@
             </a:pPr>
             <a:r>
               <a:rPr lang="en"/>
-              <a:t>The default </a:t>
+              <a:t>The default modifier is accessible </a:t>
             </a:r>
             <a:r>
-              <a:rPr lang="en"/>
-              <a:t>modifier</a:t>
-            </a:r>
-            <a:r>
-              <a:rPr lang="en"/>
-              <a:t> is accessible </a:t>
-            </a:r>
-            <a:r>
-              <a:rPr b="1" lang="en">
+              <a:rPr lang="en" b="1">
                 <a:solidFill>
                   <a:srgbClr val="0000FF"/>
                 </a:solidFill>
@@ -9353,7 +9552,7 @@
             <a:endParaRPr/>
           </a:p>
           <a:p>
-            <a:pPr indent="0" lvl="0" marL="0" rtl="0" algn="l">
+            <a:pPr marL="0" lvl="0" indent="0" algn="l" rtl="0">
               <a:spcBef>
                 <a:spcPts val="1600"/>
               </a:spcBef>
@@ -9362,13 +9561,10 @@
               </a:spcAft>
               <a:buNone/>
             </a:pPr>
-            <a:r>
-              <a:t/>
-            </a:r>
             <a:endParaRPr/>
           </a:p>
           <a:p>
-            <a:pPr indent="0" lvl="0" marL="0" rtl="0" algn="l">
+            <a:pPr marL="0" lvl="0" indent="0" algn="l" rtl="0">
               <a:spcBef>
                 <a:spcPts val="1600"/>
               </a:spcBef>
@@ -9379,11 +9575,7 @@
             </a:pPr>
             <a:r>
               <a:rPr lang="en"/>
-              <a:t>d</a:t>
-            </a:r>
-            <a:r>
-              <a:rPr lang="en"/>
-              <a:t>emo 270, Demo271</a:t>
+              <a:t>demo 270, Demo271</a:t>
             </a:r>
             <a:endParaRPr/>
           </a:p>
@@ -9426,11 +9618,11 @@
 </file>
 
 <file path=ppt/slides/slide6.xml><?xml version="1.0" encoding="utf-8"?>
-<p:sld xmlns:a="http://schemas.openxmlformats.org/drawingml/2006/main" xmlns:r="http://schemas.openxmlformats.org/officeDocument/2006/relationships" xmlns:mc="http://schemas.openxmlformats.org/markup-compatibility/2006" xmlns:mv="urn:schemas-microsoft-com:mac:vml" xmlns:p="http://schemas.openxmlformats.org/presentationml/2006/main" xmlns:c="http://schemas.openxmlformats.org/drawingml/2006/chart" xmlns:dgm="http://schemas.openxmlformats.org/drawingml/2006/diagram" xmlns:o="urn:schemas-microsoft-com:office:office" xmlns:v="urn:schemas-microsoft-com:vml" xmlns:pvml="urn:schemas-microsoft-com:office:powerpoint" xmlns:com="http://schemas.openxmlformats.org/drawingml/2006/compatibility" xmlns:p14="http://schemas.microsoft.com/office/powerpoint/2010/main" xmlns:p15="http://schemas.microsoft.com/office/powerpoint/2012/main" xmlns:ahyp="http://schemas.microsoft.com/office/drawing/2018/hyperlinkcolor">
+<p:sld xmlns:a="http://schemas.openxmlformats.org/drawingml/2006/main" xmlns:r="http://schemas.openxmlformats.org/officeDocument/2006/relationships" xmlns:p="http://schemas.openxmlformats.org/presentationml/2006/main">
   <p:cSld>
     <p:spTree>
       <p:nvGrpSpPr>
-        <p:cNvPr id="96" name="Shape 96"/>
+        <p:cNvPr id="1" name="Shape 96"/>
         <p:cNvGrpSpPr/>
         <p:nvPr/>
       </p:nvGrpSpPr>
@@ -9445,7 +9637,9 @@
       <p:sp>
         <p:nvSpPr>
           <p:cNvPr id="97" name="Google Shape;97;p18"/>
-          <p:cNvSpPr txBox="1"/>
+          <p:cNvSpPr txBox="1">
+            <a:spLocks noGrp="1"/>
+          </p:cNvSpPr>
           <p:nvPr>
             <p:ph type="title"/>
           </p:nvPr>
@@ -9460,12 +9654,12 @@
           </a:prstGeom>
         </p:spPr>
         <p:txBody>
-          <a:bodyPr anchorCtr="0" anchor="t" bIns="91425" lIns="91425" spcFirstLastPara="1" rIns="91425" wrap="square" tIns="91425">
+          <a:bodyPr spcFirstLastPara="1" wrap="square" lIns="91425" tIns="91425" rIns="91425" bIns="91425" anchor="t" anchorCtr="0">
             <a:noAutofit/>
           </a:bodyPr>
           <a:lstStyle/>
           <a:p>
-            <a:pPr indent="0" lvl="0" marL="0" rtl="0" algn="l">
+            <a:pPr marL="0" lvl="0" indent="0" algn="l" rtl="0">
               <a:spcBef>
                 <a:spcPts val="0"/>
               </a:spcBef>
@@ -9475,7 +9669,7 @@
               <a:buNone/>
             </a:pPr>
             <a:r>
-              <a:rPr b="1" lang="en">
+              <a:rPr lang="en" b="1">
                 <a:solidFill>
                   <a:srgbClr val="0000FF"/>
                 </a:solidFill>
@@ -9493,9 +9687,11 @@
       <p:sp>
         <p:nvSpPr>
           <p:cNvPr id="98" name="Google Shape;98;p18"/>
-          <p:cNvSpPr txBox="1"/>
+          <p:cNvSpPr txBox="1">
+            <a:spLocks noGrp="1"/>
+          </p:cNvSpPr>
           <p:nvPr>
-            <p:ph idx="1" type="body"/>
+            <p:ph type="body" idx="1"/>
           </p:nvPr>
         </p:nvSpPr>
         <p:spPr>
@@ -9508,12 +9704,12 @@
           </a:prstGeom>
         </p:spPr>
         <p:txBody>
-          <a:bodyPr anchorCtr="0" anchor="t" bIns="91425" lIns="91425" spcFirstLastPara="1" rIns="91425" wrap="square" tIns="91425">
+          <a:bodyPr spcFirstLastPara="1" wrap="square" lIns="91425" tIns="91425" rIns="91425" bIns="91425" anchor="t" anchorCtr="0">
             <a:noAutofit/>
           </a:bodyPr>
           <a:lstStyle/>
           <a:p>
-            <a:pPr indent="-342900" lvl="0" marL="457200" rtl="0" algn="l">
+            <a:pPr marL="457200" lvl="0" indent="-342900" algn="l" rtl="0">
               <a:spcBef>
                 <a:spcPts val="0"/>
               </a:spcBef>
@@ -9525,20 +9721,12 @@
             </a:pPr>
             <a:r>
               <a:rPr lang="en"/>
-              <a:t>The public access </a:t>
-            </a:r>
-            <a:r>
-              <a:rPr lang="en"/>
-              <a:t>modifier</a:t>
-            </a:r>
-            <a:r>
-              <a:rPr lang="en"/>
-              <a:t> is accessible everywhere</a:t>
+              <a:t>The public access modifier is accessible everywhere</a:t>
             </a:r>
             <a:endParaRPr/>
           </a:p>
           <a:p>
-            <a:pPr indent="-342900" lvl="0" marL="457200" rtl="0" algn="l">
+            <a:pPr marL="457200" lvl="0" indent="-342900" algn="l" rtl="0">
               <a:spcBef>
                 <a:spcPts val="0"/>
               </a:spcBef>
@@ -9550,16 +9738,12 @@
             </a:pPr>
             <a:r>
               <a:rPr lang="en"/>
-              <a:t>It has the widest scope among all other </a:t>
-            </a:r>
-            <a:r>
-              <a:rPr lang="en"/>
-              <a:t>modifiers</a:t>
+              <a:t>It has the widest scope among all other modifiers</a:t>
             </a:r>
             <a:endParaRPr/>
           </a:p>
           <a:p>
-            <a:pPr indent="0" lvl="0" marL="0" rtl="0" algn="l">
+            <a:pPr marL="0" lvl="0" indent="0" algn="l" rtl="0">
               <a:spcBef>
                 <a:spcPts val="1600"/>
               </a:spcBef>
@@ -9568,13 +9752,10 @@
               </a:spcAft>
               <a:buNone/>
             </a:pPr>
-            <a:r>
-              <a:t/>
-            </a:r>
             <a:endParaRPr/>
           </a:p>
           <a:p>
-            <a:pPr indent="0" lvl="0" marL="0" rtl="0" algn="l">
+            <a:pPr marL="0" lvl="0" indent="0" algn="l" rtl="0">
               <a:spcBef>
                 <a:spcPts val="1600"/>
               </a:spcBef>
@@ -9583,13 +9764,10 @@
               </a:spcAft>
               <a:buNone/>
             </a:pPr>
-            <a:r>
-              <a:t/>
-            </a:r>
             <a:endParaRPr/>
           </a:p>
           <a:p>
-            <a:pPr indent="0" lvl="0" marL="0" rtl="0" algn="l">
+            <a:pPr marL="0" lvl="0" indent="0" algn="l" rtl="0">
               <a:spcBef>
                 <a:spcPts val="1600"/>
               </a:spcBef>
@@ -9605,7 +9783,7 @@
             <a:endParaRPr/>
           </a:p>
           <a:p>
-            <a:pPr indent="0" lvl="0" marL="0" rtl="0" algn="l">
+            <a:pPr marL="0" lvl="0" indent="0" algn="l" rtl="0">
               <a:spcBef>
                 <a:spcPts val="1600"/>
               </a:spcBef>
@@ -9621,7 +9799,7 @@
             <a:endParaRPr/>
           </a:p>
           <a:p>
-            <a:pPr indent="0" lvl="0" marL="0" rtl="0" algn="l">
+            <a:pPr marL="0" lvl="0" indent="0" algn="l" rtl="0">
               <a:spcBef>
                 <a:spcPts val="1600"/>
               </a:spcBef>
@@ -9630,9 +9808,6 @@
               </a:spcAft>
               <a:buNone/>
             </a:pPr>
-            <a:r>
-              <a:t/>
-            </a:r>
             <a:endParaRPr/>
           </a:p>
         </p:txBody>
@@ -9674,11 +9849,11 @@
 </file>
 
 <file path=ppt/slides/slide7.xml><?xml version="1.0" encoding="utf-8"?>
-<p:sld xmlns:a="http://schemas.openxmlformats.org/drawingml/2006/main" xmlns:r="http://schemas.openxmlformats.org/officeDocument/2006/relationships" xmlns:mc="http://schemas.openxmlformats.org/markup-compatibility/2006" xmlns:mv="urn:schemas-microsoft-com:mac:vml" xmlns:p="http://schemas.openxmlformats.org/presentationml/2006/main" xmlns:c="http://schemas.openxmlformats.org/drawingml/2006/chart" xmlns:dgm="http://schemas.openxmlformats.org/drawingml/2006/diagram" xmlns:o="urn:schemas-microsoft-com:office:office" xmlns:v="urn:schemas-microsoft-com:vml" xmlns:pvml="urn:schemas-microsoft-com:office:powerpoint" xmlns:com="http://schemas.openxmlformats.org/drawingml/2006/compatibility" xmlns:p14="http://schemas.microsoft.com/office/powerpoint/2010/main" xmlns:p15="http://schemas.microsoft.com/office/powerpoint/2012/main" xmlns:ahyp="http://schemas.microsoft.com/office/drawing/2018/hyperlinkcolor">
+<p:sld xmlns:a="http://schemas.openxmlformats.org/drawingml/2006/main" xmlns:r="http://schemas.openxmlformats.org/officeDocument/2006/relationships" xmlns:p="http://schemas.openxmlformats.org/presentationml/2006/main">
   <p:cSld>
     <p:spTree>
       <p:nvGrpSpPr>
-        <p:cNvPr id="103" name="Shape 103"/>
+        <p:cNvPr id="1" name="Shape 103"/>
         <p:cNvGrpSpPr/>
         <p:nvPr/>
       </p:nvGrpSpPr>
@@ -9693,7 +9868,9 @@
       <p:sp>
         <p:nvSpPr>
           <p:cNvPr id="104" name="Google Shape;104;p19"/>
-          <p:cNvSpPr txBox="1"/>
+          <p:cNvSpPr txBox="1">
+            <a:spLocks noGrp="1"/>
+          </p:cNvSpPr>
           <p:nvPr>
             <p:ph type="title"/>
           </p:nvPr>
@@ -9708,12 +9885,12 @@
           </a:prstGeom>
         </p:spPr>
         <p:txBody>
-          <a:bodyPr anchorCtr="0" anchor="t" bIns="91425" lIns="91425" spcFirstLastPara="1" rIns="91425" wrap="square" tIns="91425">
+          <a:bodyPr spcFirstLastPara="1" wrap="square" lIns="91425" tIns="91425" rIns="91425" bIns="91425" anchor="t" anchorCtr="0">
             <a:noAutofit/>
           </a:bodyPr>
           <a:lstStyle/>
           <a:p>
-            <a:pPr indent="0" lvl="0" marL="0" rtl="0" algn="l">
+            <a:pPr marL="0" lvl="0" indent="0" algn="l" rtl="0">
               <a:spcBef>
                 <a:spcPts val="0"/>
               </a:spcBef>
@@ -9723,7 +9900,7 @@
               <a:buNone/>
             </a:pPr>
             <a:r>
-              <a:rPr b="1" lang="en">
+              <a:rPr lang="en" b="1">
                 <a:solidFill>
                   <a:srgbClr val="0000FF"/>
                 </a:solidFill>
@@ -9741,9 +9918,11 @@
       <p:sp>
         <p:nvSpPr>
           <p:cNvPr id="105" name="Google Shape;105;p19"/>
-          <p:cNvSpPr txBox="1"/>
+          <p:cNvSpPr txBox="1">
+            <a:spLocks noGrp="1"/>
+          </p:cNvSpPr>
           <p:nvPr>
-            <p:ph idx="1" type="body"/>
+            <p:ph type="body" idx="1"/>
           </p:nvPr>
         </p:nvSpPr>
         <p:spPr>
@@ -9756,12 +9935,12 @@
           </a:prstGeom>
         </p:spPr>
         <p:txBody>
-          <a:bodyPr anchorCtr="0" anchor="t" bIns="91425" lIns="91425" spcFirstLastPara="1" rIns="91425" wrap="square" tIns="91425">
+          <a:bodyPr spcFirstLastPara="1" wrap="square" lIns="91425" tIns="91425" rIns="91425" bIns="91425" anchor="t" anchorCtr="0">
             <a:noAutofit/>
           </a:bodyPr>
           <a:lstStyle/>
           <a:p>
-            <a:pPr indent="0" lvl="0" marL="0" rtl="0" algn="l">
+            <a:pPr marL="0" lvl="0" indent="0" algn="l" rtl="0">
               <a:spcBef>
                 <a:spcPts val="0"/>
               </a:spcBef>
@@ -9777,7 +9956,7 @@
             <a:endParaRPr/>
           </a:p>
           <a:p>
-            <a:pPr indent="0" lvl="0" marL="0" rtl="0" algn="l">
+            <a:pPr marL="0" lvl="0" indent="0" algn="l" rtl="0">
               <a:spcBef>
                 <a:spcPts val="1600"/>
               </a:spcBef>
@@ -9793,7 +9972,7 @@
             <a:endParaRPr/>
           </a:p>
           <a:p>
-            <a:pPr indent="0" lvl="0" marL="0" rtl="0" algn="l">
+            <a:pPr marL="0" lvl="0" indent="0" algn="l" rtl="0">
               <a:spcBef>
                 <a:spcPts val="1600"/>
               </a:spcBef>
@@ -9809,7 +9988,7 @@
             <a:endParaRPr/>
           </a:p>
           <a:p>
-            <a:pPr indent="0" lvl="0" marL="0" rtl="0" algn="l">
+            <a:pPr marL="0" lvl="0" indent="0" algn="l" rtl="0">
               <a:spcBef>
                 <a:spcPts val="1600"/>
               </a:spcBef>
@@ -9825,7 +10004,7 @@
             <a:endParaRPr/>
           </a:p>
           <a:p>
-            <a:pPr indent="0" lvl="0" marL="0" rtl="0" algn="l">
+            <a:pPr marL="0" lvl="0" indent="0" algn="l" rtl="0">
               <a:spcBef>
                 <a:spcPts val="1600"/>
               </a:spcBef>
@@ -9879,11 +10058,11 @@
 </file>
 
 <file path=ppt/slides/slide8.xml><?xml version="1.0" encoding="utf-8"?>
-<p:sld xmlns:a="http://schemas.openxmlformats.org/drawingml/2006/main" xmlns:r="http://schemas.openxmlformats.org/officeDocument/2006/relationships" xmlns:mc="http://schemas.openxmlformats.org/markup-compatibility/2006" xmlns:mv="urn:schemas-microsoft-com:mac:vml" xmlns:p="http://schemas.openxmlformats.org/presentationml/2006/main" xmlns:c="http://schemas.openxmlformats.org/drawingml/2006/chart" xmlns:dgm="http://schemas.openxmlformats.org/drawingml/2006/diagram" xmlns:o="urn:schemas-microsoft-com:office:office" xmlns:v="urn:schemas-microsoft-com:vml" xmlns:pvml="urn:schemas-microsoft-com:office:powerpoint" xmlns:com="http://schemas.openxmlformats.org/drawingml/2006/compatibility" xmlns:p14="http://schemas.microsoft.com/office/powerpoint/2010/main" xmlns:p15="http://schemas.microsoft.com/office/powerpoint/2012/main" xmlns:ahyp="http://schemas.microsoft.com/office/drawing/2018/hyperlinkcolor">
+<p:sld xmlns:a="http://schemas.openxmlformats.org/drawingml/2006/main" xmlns:r="http://schemas.openxmlformats.org/officeDocument/2006/relationships" xmlns:p="http://schemas.openxmlformats.org/presentationml/2006/main">
   <p:cSld>
     <p:spTree>
       <p:nvGrpSpPr>
-        <p:cNvPr id="110" name="Shape 110"/>
+        <p:cNvPr id="1" name="Shape 110"/>
         <p:cNvGrpSpPr/>
         <p:nvPr/>
       </p:nvGrpSpPr>
@@ -9898,7 +10077,9 @@
       <p:sp>
         <p:nvSpPr>
           <p:cNvPr id="111" name="Google Shape;111;p20"/>
-          <p:cNvSpPr txBox="1"/>
+          <p:cNvSpPr txBox="1">
+            <a:spLocks noGrp="1"/>
+          </p:cNvSpPr>
           <p:nvPr>
             <p:ph type="title"/>
           </p:nvPr>
@@ -9913,12 +10094,12 @@
           </a:prstGeom>
         </p:spPr>
         <p:txBody>
-          <a:bodyPr anchorCtr="0" anchor="t" bIns="91425" lIns="91425" spcFirstLastPara="1" rIns="91425" wrap="square" tIns="91425">
+          <a:bodyPr spcFirstLastPara="1" wrap="square" lIns="91425" tIns="91425" rIns="91425" bIns="91425" anchor="t" anchorCtr="0">
             <a:noAutofit/>
           </a:bodyPr>
           <a:lstStyle/>
           <a:p>
-            <a:pPr indent="0" lvl="0" marL="0" rtl="0" algn="l">
+            <a:pPr marL="0" lvl="0" indent="0" algn="l" rtl="0">
               <a:spcBef>
                 <a:spcPts val="0"/>
               </a:spcBef>
@@ -9928,7 +10109,7 @@
               <a:buNone/>
             </a:pPr>
             <a:r>
-              <a:rPr b="1" lang="en">
+              <a:rPr lang="en" b="1">
                 <a:solidFill>
                   <a:srgbClr val="0000FF"/>
                 </a:solidFill>
@@ -9946,9 +10127,11 @@
       <p:sp>
         <p:nvSpPr>
           <p:cNvPr id="112" name="Google Shape;112;p20"/>
-          <p:cNvSpPr txBox="1"/>
+          <p:cNvSpPr txBox="1">
+            <a:spLocks noGrp="1"/>
+          </p:cNvSpPr>
           <p:nvPr>
-            <p:ph idx="1" type="body"/>
+            <p:ph type="body" idx="1"/>
           </p:nvPr>
         </p:nvSpPr>
         <p:spPr>
@@ -9961,12 +10144,12 @@
           </a:prstGeom>
         </p:spPr>
         <p:txBody>
-          <a:bodyPr anchorCtr="0" anchor="t" bIns="91425" lIns="91425" spcFirstLastPara="1" rIns="91425" wrap="square" tIns="91425">
+          <a:bodyPr spcFirstLastPara="1" wrap="square" lIns="91425" tIns="91425" rIns="91425" bIns="91425" anchor="t" anchorCtr="0">
             <a:noAutofit/>
           </a:bodyPr>
           <a:lstStyle/>
           <a:p>
-            <a:pPr indent="-342900" lvl="0" marL="457200" rtl="0" algn="l">
+            <a:pPr marL="457200" lvl="0" indent="-342900" algn="l" rtl="0">
               <a:spcBef>
                 <a:spcPts val="0"/>
               </a:spcBef>
@@ -9981,7 +10164,7 @@
               <a:t>The </a:t>
             </a:r>
             <a:r>
-              <a:rPr b="1" lang="en">
+              <a:rPr lang="en" b="1">
                 <a:solidFill>
                   <a:srgbClr val="0000FF"/>
                 </a:solidFill>
@@ -9990,26 +10173,10 @@
             </a:r>
             <a:r>
               <a:rPr lang="en"/>
-              <a:t> </a:t>
+              <a:t> access modifiers is accessible within a package or from outside a package but through </a:t>
             </a:r>
             <a:r>
-              <a:rPr lang="en"/>
-              <a:t>access</a:t>
-            </a:r>
-            <a:r>
-              <a:rPr lang="en"/>
-              <a:t> </a:t>
-            </a:r>
-            <a:r>
-              <a:rPr lang="en"/>
-              <a:t>modifiers</a:t>
-            </a:r>
-            <a:r>
-              <a:rPr lang="en"/>
-              <a:t> is accessible within a package or from outside a package but through </a:t>
-            </a:r>
-            <a:r>
-              <a:rPr b="1" lang="en">
+              <a:rPr lang="en" b="1">
                 <a:solidFill>
                   <a:srgbClr val="0000FF"/>
                 </a:solidFill>
@@ -10023,7 +10190,7 @@
             <a:endParaRPr/>
           </a:p>
           <a:p>
-            <a:pPr indent="0" lvl="0" marL="0" rtl="0" algn="l">
+            <a:pPr marL="0" lvl="0" indent="0" algn="l" rtl="0">
               <a:spcBef>
                 <a:spcPts val="1600"/>
               </a:spcBef>
@@ -10032,13 +10199,10 @@
               </a:spcAft>
               <a:buNone/>
             </a:pPr>
-            <a:r>
-              <a:t/>
-            </a:r>
             <a:endParaRPr/>
           </a:p>
           <a:p>
-            <a:pPr indent="-342900" lvl="0" marL="457200" rtl="0" algn="l">
+            <a:pPr marL="457200" lvl="0" indent="-342900" algn="l" rtl="0">
               <a:spcBef>
                 <a:spcPts val="1600"/>
               </a:spcBef>
@@ -10050,55 +10214,15 @@
             </a:pPr>
             <a:r>
               <a:rPr lang="en"/>
-              <a:t>The </a:t>
+              <a:t>The protected access modifiers can be applied on the </a:t>
             </a:r>
             <a:r>
-              <a:rPr lang="en"/>
-              <a:t>protected</a:t>
-            </a:r>
-            <a:r>
-              <a:rPr lang="en"/>
-              <a:t> access </a:t>
-            </a:r>
-            <a:r>
-              <a:rPr lang="en"/>
-              <a:t>modifiers</a:t>
-            </a:r>
-            <a:r>
-              <a:rPr lang="en"/>
-              <a:t> can be applied on the </a:t>
-            </a:r>
-            <a:r>
-              <a:rPr b="1" lang="en">
+              <a:rPr lang="en" b="1">
                 <a:solidFill>
                   <a:srgbClr val="0000FF"/>
                 </a:solidFill>
               </a:rPr>
-              <a:t>data </a:t>
-            </a:r>
-            <a:r>
-              <a:rPr b="1" lang="en">
-                <a:solidFill>
-                  <a:srgbClr val="0000FF"/>
-                </a:solidFill>
-              </a:rPr>
-              <a:t>member</a:t>
-            </a:r>
-            <a:r>
-              <a:rPr b="1" lang="en">
-                <a:solidFill>
-                  <a:srgbClr val="0000FF"/>
-                </a:solidFill>
-              </a:rPr>
-              <a:t>, method and </a:t>
-            </a:r>
-            <a:r>
-              <a:rPr b="1" lang="en">
-                <a:solidFill>
-                  <a:srgbClr val="0000FF"/>
-                </a:solidFill>
-              </a:rPr>
-              <a:t>constructors</a:t>
+              <a:t>data member, method and constructors</a:t>
             </a:r>
             <a:r>
               <a:rPr lang="en"/>
@@ -10107,7 +10231,7 @@
             <a:endParaRPr/>
           </a:p>
           <a:p>
-            <a:pPr indent="0" lvl="0" marL="0" rtl="0" algn="l">
+            <a:pPr marL="0" lvl="0" indent="0" algn="l" rtl="0">
               <a:spcBef>
                 <a:spcPts val="1600"/>
               </a:spcBef>
@@ -10116,13 +10240,10 @@
               </a:spcAft>
               <a:buNone/>
             </a:pPr>
-            <a:r>
-              <a:t/>
-            </a:r>
             <a:endParaRPr/>
           </a:p>
           <a:p>
-            <a:pPr indent="-342900" lvl="0" marL="457200" rtl="0" algn="l">
+            <a:pPr marL="457200" lvl="0" indent="-342900" algn="l" rtl="0">
               <a:spcBef>
                 <a:spcPts val="1600"/>
               </a:spcBef>
@@ -10133,7 +10254,7 @@
               <a:buChar char="●"/>
             </a:pPr>
             <a:r>
-              <a:rPr b="1" lang="en">
+              <a:rPr lang="en" b="1">
                 <a:solidFill>
                   <a:srgbClr val="FF0000"/>
                 </a:solidFill>
@@ -10185,11 +10306,11 @@
 </file>
 
 <file path=ppt/slides/slide9.xml><?xml version="1.0" encoding="utf-8"?>
-<p:sld xmlns:a="http://schemas.openxmlformats.org/drawingml/2006/main" xmlns:r="http://schemas.openxmlformats.org/officeDocument/2006/relationships" xmlns:mc="http://schemas.openxmlformats.org/markup-compatibility/2006" xmlns:mv="urn:schemas-microsoft-com:mac:vml" xmlns:p="http://schemas.openxmlformats.org/presentationml/2006/main" xmlns:c="http://schemas.openxmlformats.org/drawingml/2006/chart" xmlns:dgm="http://schemas.openxmlformats.org/drawingml/2006/diagram" xmlns:o="urn:schemas-microsoft-com:office:office" xmlns:v="urn:schemas-microsoft-com:vml" xmlns:pvml="urn:schemas-microsoft-com:office:powerpoint" xmlns:com="http://schemas.openxmlformats.org/drawingml/2006/compatibility" xmlns:p14="http://schemas.microsoft.com/office/powerpoint/2010/main" xmlns:p15="http://schemas.microsoft.com/office/powerpoint/2012/main" xmlns:ahyp="http://schemas.microsoft.com/office/drawing/2018/hyperlinkcolor">
+<p:sld xmlns:a="http://schemas.openxmlformats.org/drawingml/2006/main" xmlns:r="http://schemas.openxmlformats.org/officeDocument/2006/relationships" xmlns:p="http://schemas.openxmlformats.org/presentationml/2006/main">
   <p:cSld>
     <p:spTree>
       <p:nvGrpSpPr>
-        <p:cNvPr id="117" name="Shape 117"/>
+        <p:cNvPr id="1" name="Shape 117"/>
         <p:cNvGrpSpPr/>
         <p:nvPr/>
       </p:nvGrpSpPr>
@@ -10204,7 +10325,9 @@
       <p:sp>
         <p:nvSpPr>
           <p:cNvPr id="118" name="Google Shape;118;p21"/>
-          <p:cNvSpPr txBox="1"/>
+          <p:cNvSpPr txBox="1">
+            <a:spLocks noGrp="1"/>
+          </p:cNvSpPr>
           <p:nvPr>
             <p:ph type="title"/>
           </p:nvPr>
@@ -10219,12 +10342,12 @@
           </a:prstGeom>
         </p:spPr>
         <p:txBody>
-          <a:bodyPr anchorCtr="0" anchor="t" bIns="91425" lIns="91425" spcFirstLastPara="1" rIns="91425" wrap="square" tIns="91425">
+          <a:bodyPr spcFirstLastPara="1" wrap="square" lIns="91425" tIns="91425" rIns="91425" bIns="91425" anchor="t" anchorCtr="0">
             <a:noAutofit/>
           </a:bodyPr>
           <a:lstStyle/>
           <a:p>
-            <a:pPr indent="0" lvl="0" marL="0" rtl="0" algn="l">
+            <a:pPr marL="0" lvl="0" indent="0" algn="l" rtl="0">
               <a:spcBef>
                 <a:spcPts val="0"/>
               </a:spcBef>
@@ -10234,28 +10357,12 @@
               <a:buNone/>
             </a:pPr>
             <a:r>
-              <a:rPr b="1" lang="en">
+              <a:rPr lang="en" b="1">
                 <a:solidFill>
                   <a:srgbClr val="0000FF"/>
                 </a:solidFill>
               </a:rPr>
-              <a:t>Java access </a:t>
-            </a:r>
-            <a:r>
-              <a:rPr b="1" lang="en">
-                <a:solidFill>
-                  <a:srgbClr val="0000FF"/>
-                </a:solidFill>
-              </a:rPr>
-              <a:t>modifiers</a:t>
-            </a:r>
-            <a:r>
-              <a:rPr b="1" lang="en">
-                <a:solidFill>
-                  <a:srgbClr val="0000FF"/>
-                </a:solidFill>
-              </a:rPr>
-              <a:t> with method overriding</a:t>
+              <a:t>Java access modifiers with method overriding</a:t>
             </a:r>
             <a:endParaRPr b="1">
               <a:solidFill>
@@ -10268,9 +10375,11 @@
       <p:sp>
         <p:nvSpPr>
           <p:cNvPr id="119" name="Google Shape;119;p21"/>
-          <p:cNvSpPr txBox="1"/>
+          <p:cNvSpPr txBox="1">
+            <a:spLocks noGrp="1"/>
+          </p:cNvSpPr>
           <p:nvPr>
-            <p:ph idx="1" type="body"/>
+            <p:ph type="body" idx="1"/>
           </p:nvPr>
         </p:nvSpPr>
         <p:spPr>
@@ -10283,12 +10392,12 @@
           </a:prstGeom>
         </p:spPr>
         <p:txBody>
-          <a:bodyPr anchorCtr="0" anchor="t" bIns="91425" lIns="91425" spcFirstLastPara="1" rIns="91425" wrap="square" tIns="91425">
+          <a:bodyPr spcFirstLastPara="1" wrap="square" lIns="91425" tIns="91425" rIns="91425" bIns="91425" anchor="t" anchorCtr="0">
             <a:noAutofit/>
           </a:bodyPr>
           <a:lstStyle/>
           <a:p>
-            <a:pPr indent="-342900" lvl="0" marL="457200" rtl="0" algn="l">
+            <a:pPr marL="457200" lvl="0" indent="-342900" algn="l" rtl="0">
               <a:spcBef>
                 <a:spcPts val="0"/>
               </a:spcBef>
@@ -10303,7 +10412,7 @@
               <a:t>If you </a:t>
             </a:r>
             <a:r>
-              <a:rPr b="1" lang="en"/>
+              <a:rPr lang="en" b="1"/>
               <a:t>overriding</a:t>
             </a:r>
             <a:r>
@@ -10311,7 +10420,7 @@
               <a:t> any method, overridden method(i.e) declared in sub class) must not be </a:t>
             </a:r>
             <a:r>
-              <a:rPr b="1" lang="en">
+              <a:rPr lang="en" b="1">
                 <a:solidFill>
                   <a:srgbClr val="0000FF"/>
                 </a:solidFill>
@@ -10325,7 +10434,7 @@
             </a:endParaRPr>
           </a:p>
           <a:p>
-            <a:pPr indent="-342900" lvl="0" marL="457200" rtl="0" algn="l">
+            <a:pPr marL="457200" lvl="0" indent="-342900" algn="l" rtl="0">
               <a:spcBef>
                 <a:spcPts val="0"/>
               </a:spcBef>
@@ -10340,7 +10449,7 @@
               <a:t>The </a:t>
             </a:r>
             <a:r>
-              <a:rPr b="1" lang="en">
+              <a:rPr lang="en" b="1">
                 <a:solidFill>
                   <a:srgbClr val="FF00FF"/>
                 </a:solidFill>
@@ -10352,7 +10461,7 @@
               <a:t> modifier </a:t>
             </a:r>
             <a:r>
-              <a:rPr i="1" lang="en"/>
+              <a:rPr lang="en" i="1"/>
               <a:t>is more restrictive</a:t>
             </a:r>
             <a:r>
@@ -10360,7 +10469,7 @@
               <a:t> than </a:t>
             </a:r>
             <a:r>
-              <a:rPr b="1" lang="en">
+              <a:rPr lang="en" b="1">
                 <a:solidFill>
                   <a:srgbClr val="FF00FF"/>
                 </a:solidFill>
@@ -10374,7 +10483,7 @@
             <a:endParaRPr/>
           </a:p>
           <a:p>
-            <a:pPr indent="-342900" lvl="0" marL="457200" rtl="0" algn="l">
+            <a:pPr marL="457200" lvl="0" indent="-342900" algn="l" rtl="0">
               <a:spcBef>
                 <a:spcPts val="0"/>
               </a:spcBef>
@@ -10389,7 +10498,7 @@
               <a:t>What will happen if the </a:t>
             </a:r>
             <a:r>
-              <a:rPr b="1" lang="en"/>
+              <a:rPr lang="en" b="1"/>
               <a:t>msg()</a:t>
             </a:r>
             <a:r>
@@ -10397,7 +10506,7 @@
               <a:t> in class Demo2711 is declared as </a:t>
             </a:r>
             <a:r>
-              <a:rPr b="1" lang="en"/>
+              <a:rPr lang="en" b="1"/>
               <a:t>public</a:t>
             </a:r>
             <a:r>
@@ -10405,7 +10514,7 @@
               <a:t> or </a:t>
             </a:r>
             <a:r>
-              <a:rPr b="1" lang="en"/>
+              <a:rPr lang="en" b="1"/>
               <a:t>protected</a:t>
             </a:r>
             <a:r>
@@ -10481,7 +10590,288 @@
 </file>
 
 <file path=ppt/theme/theme1.xml><?xml version="1.0" encoding="utf-8"?>
-<a:theme xmlns:a="http://schemas.openxmlformats.org/drawingml/2006/main" xmlns:r="http://schemas.openxmlformats.org/officeDocument/2006/relationships">
+<a:theme xmlns:a="http://schemas.openxmlformats.org/drawingml/2006/main" name="Simple Light">
+  <a:themeElements>
+    <a:clrScheme name="Simple Light">
+      <a:dk1>
+        <a:srgbClr val="000000"/>
+      </a:dk1>
+      <a:lt1>
+        <a:srgbClr val="FFFFFF"/>
+      </a:lt1>
+      <a:dk2>
+        <a:srgbClr val="595959"/>
+      </a:dk2>
+      <a:lt2>
+        <a:srgbClr val="EEEEEE"/>
+      </a:lt2>
+      <a:accent1>
+        <a:srgbClr val="FFAB40"/>
+      </a:accent1>
+      <a:accent2>
+        <a:srgbClr val="212121"/>
+      </a:accent2>
+      <a:accent3>
+        <a:srgbClr val="78909C"/>
+      </a:accent3>
+      <a:accent4>
+        <a:srgbClr val="FFAB40"/>
+      </a:accent4>
+      <a:accent5>
+        <a:srgbClr val="0097A7"/>
+      </a:accent5>
+      <a:accent6>
+        <a:srgbClr val="EEFF41"/>
+      </a:accent6>
+      <a:hlink>
+        <a:srgbClr val="0097A7"/>
+      </a:hlink>
+      <a:folHlink>
+        <a:srgbClr val="0097A7"/>
+      </a:folHlink>
+    </a:clrScheme>
+    <a:fontScheme name="Office">
+      <a:majorFont>
+        <a:latin typeface="Arial"/>
+        <a:ea typeface=""/>
+        <a:cs typeface=""/>
+        <a:font script="Jpan" typeface="ＭＳ Ｐゴシック"/>
+        <a:font script="Hang" typeface="맑은 고딕"/>
+        <a:font script="Hans" typeface="宋体"/>
+        <a:font script="Hant" typeface="新細明體"/>
+        <a:font script="Arab" typeface="Times New Roman"/>
+        <a:font script="Hebr" typeface="Times New Roman"/>
+        <a:font script="Thai" typeface="Angsana New"/>
+        <a:font script="Ethi" typeface="Nyala"/>
+        <a:font script="Beng" typeface="Vrinda"/>
+        <a:font script="Gujr" typeface="Shruti"/>
+        <a:font script="Khmr" typeface="MoolBoran"/>
+        <a:font script="Knda" typeface="Tunga"/>
+        <a:font script="Guru" typeface="Raavi"/>
+        <a:font script="Cans" typeface="Euphemia"/>
+        <a:font script="Cher" typeface="Plantagenet Cherokee"/>
+        <a:font script="Yiii" typeface="Microsoft Yi Baiti"/>
+        <a:font script="Tibt" typeface="Microsoft Himalaya"/>
+        <a:font script="Thaa" typeface="MV Boli"/>
+        <a:font script="Deva" typeface="Mangal"/>
+        <a:font script="Telu" typeface="Gautami"/>
+        <a:font script="Taml" typeface="Latha"/>
+        <a:font script="Syrc" typeface="Estrangelo Edessa"/>
+        <a:font script="Orya" typeface="Kalinga"/>
+        <a:font script="Mlym" typeface="Kartika"/>
+        <a:font script="Laoo" typeface="DokChampa"/>
+        <a:font script="Sinh" typeface="Iskoola Pota"/>
+        <a:font script="Mong" typeface="Mongolian Baiti"/>
+        <a:font script="Viet" typeface="Times New Roman"/>
+        <a:font script="Uigh" typeface="Microsoft Uighur"/>
+        <a:font script="Geor" typeface="Sylfaen"/>
+      </a:majorFont>
+      <a:minorFont>
+        <a:latin typeface="Arial"/>
+        <a:ea typeface=""/>
+        <a:cs typeface=""/>
+        <a:font script="Jpan" typeface="ＭＳ Ｐゴシック"/>
+        <a:font script="Hang" typeface="맑은 고딕"/>
+        <a:font script="Hans" typeface="宋体"/>
+        <a:font script="Hant" typeface="新細明體"/>
+        <a:font script="Arab" typeface="Arial"/>
+        <a:font script="Hebr" typeface="Arial"/>
+        <a:font script="Thai" typeface="Cordia New"/>
+        <a:font script="Ethi" typeface="Nyala"/>
+        <a:font script="Beng" typeface="Vrinda"/>
+        <a:font script="Gujr" typeface="Shruti"/>
+        <a:font script="Khmr" typeface="DaunPenh"/>
+        <a:font script="Knda" typeface="Tunga"/>
+        <a:font script="Guru" typeface="Raavi"/>
+        <a:font script="Cans" typeface="Euphemia"/>
+        <a:font script="Cher" typeface="Plantagenet Cherokee"/>
+        <a:font script="Yiii" typeface="Microsoft Yi Baiti"/>
+        <a:font script="Tibt" typeface="Microsoft Himalaya"/>
+        <a:font script="Thaa" typeface="MV Boli"/>
+        <a:font script="Deva" typeface="Mangal"/>
+        <a:font script="Telu" typeface="Gautami"/>
+        <a:font script="Taml" typeface="Latha"/>
+        <a:font script="Syrc" typeface="Estrangelo Edessa"/>
+        <a:font script="Orya" typeface="Kalinga"/>
+        <a:font script="Mlym" typeface="Kartika"/>
+        <a:font script="Laoo" typeface="DokChampa"/>
+        <a:font script="Sinh" typeface="Iskoola Pota"/>
+        <a:font script="Mong" typeface="Mongolian Baiti"/>
+        <a:font script="Viet" typeface="Arial"/>
+        <a:font script="Uigh" typeface="Microsoft Uighur"/>
+        <a:font script="Geor" typeface="Sylfaen"/>
+      </a:minorFont>
+    </a:fontScheme>
+    <a:fmtScheme name="Office">
+      <a:fillStyleLst>
+        <a:solidFill>
+          <a:schemeClr val="phClr"/>
+        </a:solidFill>
+        <a:gradFill rotWithShape="1">
+          <a:gsLst>
+            <a:gs pos="0">
+              <a:schemeClr val="phClr">
+                <a:tint val="50000"/>
+                <a:satMod val="300000"/>
+              </a:schemeClr>
+            </a:gs>
+            <a:gs pos="35000">
+              <a:schemeClr val="phClr">
+                <a:tint val="37000"/>
+                <a:satMod val="300000"/>
+              </a:schemeClr>
+            </a:gs>
+            <a:gs pos="100000">
+              <a:schemeClr val="phClr">
+                <a:tint val="15000"/>
+                <a:satMod val="350000"/>
+              </a:schemeClr>
+            </a:gs>
+          </a:gsLst>
+          <a:lin ang="16200000" scaled="1"/>
+        </a:gradFill>
+        <a:gradFill rotWithShape="1">
+          <a:gsLst>
+            <a:gs pos="0">
+              <a:schemeClr val="phClr">
+                <a:tint val="100000"/>
+                <a:shade val="100000"/>
+                <a:satMod val="130000"/>
+              </a:schemeClr>
+            </a:gs>
+            <a:gs pos="100000">
+              <a:schemeClr val="phClr">
+                <a:tint val="50000"/>
+                <a:shade val="100000"/>
+                <a:satMod val="350000"/>
+              </a:schemeClr>
+            </a:gs>
+          </a:gsLst>
+          <a:lin ang="16200000" scaled="0"/>
+        </a:gradFill>
+      </a:fillStyleLst>
+      <a:lnStyleLst>
+        <a:ln w="9525" cap="flat" cmpd="sng" algn="ctr">
+          <a:solidFill>
+            <a:schemeClr val="phClr">
+              <a:shade val="95000"/>
+              <a:satMod val="105000"/>
+            </a:schemeClr>
+          </a:solidFill>
+          <a:prstDash val="solid"/>
+        </a:ln>
+        <a:ln w="25400" cap="flat" cmpd="sng" algn="ctr">
+          <a:solidFill>
+            <a:schemeClr val="phClr"/>
+          </a:solidFill>
+          <a:prstDash val="solid"/>
+        </a:ln>
+        <a:ln w="38100" cap="flat" cmpd="sng" algn="ctr">
+          <a:solidFill>
+            <a:schemeClr val="phClr"/>
+          </a:solidFill>
+          <a:prstDash val="solid"/>
+        </a:ln>
+      </a:lnStyleLst>
+      <a:effectStyleLst>
+        <a:effectStyle>
+          <a:effectLst>
+            <a:outerShdw blurRad="40000" dist="20000" dir="5400000" rotWithShape="0">
+              <a:srgbClr val="000000">
+                <a:alpha val="38000"/>
+              </a:srgbClr>
+            </a:outerShdw>
+          </a:effectLst>
+        </a:effectStyle>
+        <a:effectStyle>
+          <a:effectLst>
+            <a:outerShdw blurRad="40000" dist="23000" dir="5400000" rotWithShape="0">
+              <a:srgbClr val="000000">
+                <a:alpha val="35000"/>
+              </a:srgbClr>
+            </a:outerShdw>
+          </a:effectLst>
+        </a:effectStyle>
+        <a:effectStyle>
+          <a:effectLst>
+            <a:outerShdw blurRad="40000" dist="23000" dir="5400000" rotWithShape="0">
+              <a:srgbClr val="000000">
+                <a:alpha val="35000"/>
+              </a:srgbClr>
+            </a:outerShdw>
+          </a:effectLst>
+          <a:scene3d>
+            <a:camera prst="orthographicFront">
+              <a:rot lat="0" lon="0" rev="0"/>
+            </a:camera>
+            <a:lightRig rig="threePt" dir="t">
+              <a:rot lat="0" lon="0" rev="1200000"/>
+            </a:lightRig>
+          </a:scene3d>
+          <a:sp3d>
+            <a:bevelT w="63500" h="25400"/>
+          </a:sp3d>
+        </a:effectStyle>
+      </a:effectStyleLst>
+      <a:bgFillStyleLst>
+        <a:solidFill>
+          <a:schemeClr val="phClr"/>
+        </a:solidFill>
+        <a:gradFill rotWithShape="1">
+          <a:gsLst>
+            <a:gs pos="0">
+              <a:schemeClr val="phClr">
+                <a:tint val="40000"/>
+                <a:satMod val="350000"/>
+              </a:schemeClr>
+            </a:gs>
+            <a:gs pos="40000">
+              <a:schemeClr val="phClr">
+                <a:tint val="45000"/>
+                <a:shade val="99000"/>
+                <a:satMod val="350000"/>
+              </a:schemeClr>
+            </a:gs>
+            <a:gs pos="100000">
+              <a:schemeClr val="phClr">
+                <a:shade val="20000"/>
+                <a:satMod val="255000"/>
+              </a:schemeClr>
+            </a:gs>
+          </a:gsLst>
+          <a:path path="circle">
+            <a:fillToRect l="50000" t="-80000" r="50000" b="180000"/>
+          </a:path>
+        </a:gradFill>
+        <a:gradFill rotWithShape="1">
+          <a:gsLst>
+            <a:gs pos="0">
+              <a:schemeClr val="phClr">
+                <a:tint val="80000"/>
+                <a:satMod val="300000"/>
+              </a:schemeClr>
+            </a:gs>
+            <a:gs pos="100000">
+              <a:schemeClr val="phClr">
+                <a:shade val="30000"/>
+                <a:satMod val="200000"/>
+              </a:schemeClr>
+            </a:gs>
+          </a:gsLst>
+          <a:path path="circle">
+            <a:fillToRect l="50000" t="50000" r="50000" b="50000"/>
+          </a:path>
+        </a:gradFill>
+      </a:bgFillStyleLst>
+    </a:fmtScheme>
+  </a:themeElements>
+  <a:objectDefaults/>
+  <a:extraClrSchemeLst/>
+</a:theme>
+</file>
+
+<file path=ppt/theme/theme2.xml><?xml version="1.0" encoding="utf-8"?>
+<a:theme xmlns:a="http://schemas.openxmlformats.org/drawingml/2006/main">
   <a:themeElements>
     <a:clrScheme name="Default">
       <a:dk1>
@@ -10756,284 +11146,7 @@
       </a:bgFillStyleLst>
     </a:fmtScheme>
   </a:themeElements>
-</a:theme>
-</file>
-
-<file path=ppt/theme/theme2.xml><?xml version="1.0" encoding="utf-8"?>
-<a:theme xmlns:a="http://schemas.openxmlformats.org/drawingml/2006/main" xmlns:r="http://schemas.openxmlformats.org/officeDocument/2006/relationships" name="Simple Light">
-  <a:themeElements>
-    <a:clrScheme name="Simple Light">
-      <a:dk1>
-        <a:srgbClr val="000000"/>
-      </a:dk1>
-      <a:lt1>
-        <a:srgbClr val="FFFFFF"/>
-      </a:lt1>
-      <a:dk2>
-        <a:srgbClr val="595959"/>
-      </a:dk2>
-      <a:lt2>
-        <a:srgbClr val="EEEEEE"/>
-      </a:lt2>
-      <a:accent1>
-        <a:srgbClr val="FFAB40"/>
-      </a:accent1>
-      <a:accent2>
-        <a:srgbClr val="212121"/>
-      </a:accent2>
-      <a:accent3>
-        <a:srgbClr val="78909C"/>
-      </a:accent3>
-      <a:accent4>
-        <a:srgbClr val="FFAB40"/>
-      </a:accent4>
-      <a:accent5>
-        <a:srgbClr val="0097A7"/>
-      </a:accent5>
-      <a:accent6>
-        <a:srgbClr val="EEFF41"/>
-      </a:accent6>
-      <a:hlink>
-        <a:srgbClr val="0097A7"/>
-      </a:hlink>
-      <a:folHlink>
-        <a:srgbClr val="0097A7"/>
-      </a:folHlink>
-    </a:clrScheme>
-    <a:fontScheme name="Office">
-      <a:majorFont>
-        <a:latin typeface="Arial"/>
-        <a:ea typeface=""/>
-        <a:cs typeface=""/>
-        <a:font script="Jpan" typeface="ＭＳ Ｐゴシック"/>
-        <a:font script="Hang" typeface="맑은 고딕"/>
-        <a:font script="Hans" typeface="宋体"/>
-        <a:font script="Hant" typeface="新細明體"/>
-        <a:font script="Arab" typeface="Times New Roman"/>
-        <a:font script="Hebr" typeface="Times New Roman"/>
-        <a:font script="Thai" typeface="Angsana New"/>
-        <a:font script="Ethi" typeface="Nyala"/>
-        <a:font script="Beng" typeface="Vrinda"/>
-        <a:font script="Gujr" typeface="Shruti"/>
-        <a:font script="Khmr" typeface="MoolBoran"/>
-        <a:font script="Knda" typeface="Tunga"/>
-        <a:font script="Guru" typeface="Raavi"/>
-        <a:font script="Cans" typeface="Euphemia"/>
-        <a:font script="Cher" typeface="Plantagenet Cherokee"/>
-        <a:font script="Yiii" typeface="Microsoft Yi Baiti"/>
-        <a:font script="Tibt" typeface="Microsoft Himalaya"/>
-        <a:font script="Thaa" typeface="MV Boli"/>
-        <a:font script="Deva" typeface="Mangal"/>
-        <a:font script="Telu" typeface="Gautami"/>
-        <a:font script="Taml" typeface="Latha"/>
-        <a:font script="Syrc" typeface="Estrangelo Edessa"/>
-        <a:font script="Orya" typeface="Kalinga"/>
-        <a:font script="Mlym" typeface="Kartika"/>
-        <a:font script="Laoo" typeface="DokChampa"/>
-        <a:font script="Sinh" typeface="Iskoola Pota"/>
-        <a:font script="Mong" typeface="Mongolian Baiti"/>
-        <a:font script="Viet" typeface="Times New Roman"/>
-        <a:font script="Uigh" typeface="Microsoft Uighur"/>
-        <a:font script="Geor" typeface="Sylfaen"/>
-      </a:majorFont>
-      <a:minorFont>
-        <a:latin typeface="Arial"/>
-        <a:ea typeface=""/>
-        <a:cs typeface=""/>
-        <a:font script="Jpan" typeface="ＭＳ Ｐゴシック"/>
-        <a:font script="Hang" typeface="맑은 고딕"/>
-        <a:font script="Hans" typeface="宋体"/>
-        <a:font script="Hant" typeface="新細明體"/>
-        <a:font script="Arab" typeface="Arial"/>
-        <a:font script="Hebr" typeface="Arial"/>
-        <a:font script="Thai" typeface="Cordia New"/>
-        <a:font script="Ethi" typeface="Nyala"/>
-        <a:font script="Beng" typeface="Vrinda"/>
-        <a:font script="Gujr" typeface="Shruti"/>
-        <a:font script="Khmr" typeface="DaunPenh"/>
-        <a:font script="Knda" typeface="Tunga"/>
-        <a:font script="Guru" typeface="Raavi"/>
-        <a:font script="Cans" typeface="Euphemia"/>
-        <a:font script="Cher" typeface="Plantagenet Cherokee"/>
-        <a:font script="Yiii" typeface="Microsoft Yi Baiti"/>
-        <a:font script="Tibt" typeface="Microsoft Himalaya"/>
-        <a:font script="Thaa" typeface="MV Boli"/>
-        <a:font script="Deva" typeface="Mangal"/>
-        <a:font script="Telu" typeface="Gautami"/>
-        <a:font script="Taml" typeface="Latha"/>
-        <a:font script="Syrc" typeface="Estrangelo Edessa"/>
-        <a:font script="Orya" typeface="Kalinga"/>
-        <a:font script="Mlym" typeface="Kartika"/>
-        <a:font script="Laoo" typeface="DokChampa"/>
-        <a:font script="Sinh" typeface="Iskoola Pota"/>
-        <a:font script="Mong" typeface="Mongolian Baiti"/>
-        <a:font script="Viet" typeface="Arial"/>
-        <a:font script="Uigh" typeface="Microsoft Uighur"/>
-        <a:font script="Geor" typeface="Sylfaen"/>
-      </a:minorFont>
-    </a:fontScheme>
-    <a:fmtScheme name="Office">
-      <a:fillStyleLst>
-        <a:solidFill>
-          <a:schemeClr val="phClr"/>
-        </a:solidFill>
-        <a:gradFill rotWithShape="1">
-          <a:gsLst>
-            <a:gs pos="0">
-              <a:schemeClr val="phClr">
-                <a:tint val="50000"/>
-                <a:satMod val="300000"/>
-              </a:schemeClr>
-            </a:gs>
-            <a:gs pos="35000">
-              <a:schemeClr val="phClr">
-                <a:tint val="37000"/>
-                <a:satMod val="300000"/>
-              </a:schemeClr>
-            </a:gs>
-            <a:gs pos="100000">
-              <a:schemeClr val="phClr">
-                <a:tint val="15000"/>
-                <a:satMod val="350000"/>
-              </a:schemeClr>
-            </a:gs>
-          </a:gsLst>
-          <a:lin ang="16200000" scaled="1"/>
-        </a:gradFill>
-        <a:gradFill rotWithShape="1">
-          <a:gsLst>
-            <a:gs pos="0">
-              <a:schemeClr val="phClr">
-                <a:tint val="100000"/>
-                <a:shade val="100000"/>
-                <a:satMod val="130000"/>
-              </a:schemeClr>
-            </a:gs>
-            <a:gs pos="100000">
-              <a:schemeClr val="phClr">
-                <a:tint val="50000"/>
-                <a:shade val="100000"/>
-                <a:satMod val="350000"/>
-              </a:schemeClr>
-            </a:gs>
-          </a:gsLst>
-          <a:lin ang="16200000" scaled="0"/>
-        </a:gradFill>
-      </a:fillStyleLst>
-      <a:lnStyleLst>
-        <a:ln w="9525" cap="flat" cmpd="sng" algn="ctr">
-          <a:solidFill>
-            <a:schemeClr val="phClr">
-              <a:shade val="95000"/>
-              <a:satMod val="105000"/>
-            </a:schemeClr>
-          </a:solidFill>
-          <a:prstDash val="solid"/>
-        </a:ln>
-        <a:ln w="25400" cap="flat" cmpd="sng" algn="ctr">
-          <a:solidFill>
-            <a:schemeClr val="phClr"/>
-          </a:solidFill>
-          <a:prstDash val="solid"/>
-        </a:ln>
-        <a:ln w="38100" cap="flat" cmpd="sng" algn="ctr">
-          <a:solidFill>
-            <a:schemeClr val="phClr"/>
-          </a:solidFill>
-          <a:prstDash val="solid"/>
-        </a:ln>
-      </a:lnStyleLst>
-      <a:effectStyleLst>
-        <a:effectStyle>
-          <a:effectLst>
-            <a:outerShdw blurRad="40000" dist="20000" dir="5400000" rotWithShape="0">
-              <a:srgbClr val="000000">
-                <a:alpha val="38000"/>
-              </a:srgbClr>
-            </a:outerShdw>
-          </a:effectLst>
-        </a:effectStyle>
-        <a:effectStyle>
-          <a:effectLst>
-            <a:outerShdw blurRad="40000" dist="23000" dir="5400000" rotWithShape="0">
-              <a:srgbClr val="000000">
-                <a:alpha val="35000"/>
-              </a:srgbClr>
-            </a:outerShdw>
-          </a:effectLst>
-        </a:effectStyle>
-        <a:effectStyle>
-          <a:effectLst>
-            <a:outerShdw blurRad="40000" dist="23000" dir="5400000" rotWithShape="0">
-              <a:srgbClr val="000000">
-                <a:alpha val="35000"/>
-              </a:srgbClr>
-            </a:outerShdw>
-          </a:effectLst>
-          <a:scene3d>
-            <a:camera prst="orthographicFront">
-              <a:rot lat="0" lon="0" rev="0"/>
-            </a:camera>
-            <a:lightRig rig="threePt" dir="t">
-              <a:rot lat="0" lon="0" rev="1200000"/>
-            </a:lightRig>
-          </a:scene3d>
-          <a:sp3d>
-            <a:bevelT w="63500" h="25400"/>
-          </a:sp3d>
-        </a:effectStyle>
-      </a:effectStyleLst>
-      <a:bgFillStyleLst>
-        <a:solidFill>
-          <a:schemeClr val="phClr"/>
-        </a:solidFill>
-        <a:gradFill rotWithShape="1">
-          <a:gsLst>
-            <a:gs pos="0">
-              <a:schemeClr val="phClr">
-                <a:tint val="40000"/>
-                <a:satMod val="350000"/>
-              </a:schemeClr>
-            </a:gs>
-            <a:gs pos="40000">
-              <a:schemeClr val="phClr">
-                <a:tint val="45000"/>
-                <a:shade val="99000"/>
-                <a:satMod val="350000"/>
-              </a:schemeClr>
-            </a:gs>
-            <a:gs pos="100000">
-              <a:schemeClr val="phClr">
-                <a:shade val="20000"/>
-                <a:satMod val="255000"/>
-              </a:schemeClr>
-            </a:gs>
-          </a:gsLst>
-          <a:path path="circle">
-            <a:fillToRect l="50000" t="-80000" r="50000" b="180000"/>
-          </a:path>
-        </a:gradFill>
-        <a:gradFill rotWithShape="1">
-          <a:gsLst>
-            <a:gs pos="0">
-              <a:schemeClr val="phClr">
-                <a:tint val="80000"/>
-                <a:satMod val="300000"/>
-              </a:schemeClr>
-            </a:gs>
-            <a:gs pos="100000">
-              <a:schemeClr val="phClr">
-                <a:shade val="30000"/>
-                <a:satMod val="200000"/>
-              </a:schemeClr>
-            </a:gs>
-          </a:gsLst>
-          <a:path path="circle">
-            <a:fillToRect l="50000" t="50000" r="50000" b="50000"/>
-          </a:path>
-        </a:gradFill>
-      </a:bgFillStyleLst>
-    </a:fmtScheme>
-  </a:themeElements>
+  <a:objectDefaults/>
+  <a:extraClrSchemeLst/>
 </a:theme>
 </file>